--- a/Presentation.pptx
+++ b/Presentation.pptx
@@ -1,38 +1,38 @@
 
 <file path=ppt/presentation.xml><?xml version="1.0" encoding="utf-8"?>
-<p:presentation xmlns:a="http://schemas.openxmlformats.org/drawingml/2006/main" xmlns:r="http://schemas.openxmlformats.org/officeDocument/2006/relationships" xmlns:mc="http://schemas.openxmlformats.org/markup-compatibility/2006" xmlns:mv="urn:schemas-microsoft-com:mac:vml" xmlns:p="http://schemas.openxmlformats.org/presentationml/2006/main" xmlns:c="http://schemas.openxmlformats.org/drawingml/2006/chart" xmlns:dgm="http://schemas.openxmlformats.org/drawingml/2006/diagram" xmlns:o="urn:schemas-microsoft-com:office:office" xmlns:v="urn:schemas-microsoft-com:vml" xmlns:pvml="urn:schemas-microsoft-com:office:powerpoint" xmlns:com="http://schemas.openxmlformats.org/drawingml/2006/compatibility" xmlns:p14="http://schemas.microsoft.com/office/powerpoint/2010/main" xmlns:p15="http://schemas.microsoft.com/office/powerpoint/2012/main" xmlns:ahyp="http://schemas.microsoft.com/office/drawing/2018/hyperlinkcolor" autoCompressPictures="0" strictFirstAndLastChars="0" saveSubsetFonts="1">
+<p:presentation xmlns:a="http://schemas.openxmlformats.org/drawingml/2006/main" xmlns:r="http://schemas.openxmlformats.org/officeDocument/2006/relationships" xmlns:p="http://schemas.openxmlformats.org/presentationml/2006/main" strictFirstAndLastChars="0" saveSubsetFonts="1" autoCompressPictures="0">
   <p:sldMasterIdLst>
-    <p:sldMasterId id="2147483659" r:id="rId4"/>
+    <p:sldMasterId id="2147483659" r:id="rId1"/>
   </p:sldMasterIdLst>
   <p:notesMasterIdLst>
-    <p:notesMasterId r:id="rId5"/>
+    <p:notesMasterId r:id="rId22"/>
   </p:notesMasterIdLst>
   <p:sldIdLst>
-    <p:sldId id="256" r:id="rId6"/>
-    <p:sldId id="257" r:id="rId7"/>
-    <p:sldId id="258" r:id="rId8"/>
-    <p:sldId id="259" r:id="rId9"/>
-    <p:sldId id="260" r:id="rId10"/>
-    <p:sldId id="261" r:id="rId11"/>
-    <p:sldId id="262" r:id="rId12"/>
-    <p:sldId id="263" r:id="rId13"/>
-    <p:sldId id="264" r:id="rId14"/>
-    <p:sldId id="265" r:id="rId15"/>
-    <p:sldId id="266" r:id="rId16"/>
-    <p:sldId id="267" r:id="rId17"/>
-    <p:sldId id="268" r:id="rId18"/>
-    <p:sldId id="269" r:id="rId19"/>
-    <p:sldId id="270" r:id="rId20"/>
-    <p:sldId id="271" r:id="rId21"/>
-    <p:sldId id="272" r:id="rId22"/>
-    <p:sldId id="273" r:id="rId23"/>
-    <p:sldId id="274" r:id="rId24"/>
-    <p:sldId id="275" r:id="rId25"/>
+    <p:sldId id="256" r:id="rId2"/>
+    <p:sldId id="257" r:id="rId3"/>
+    <p:sldId id="258" r:id="rId4"/>
+    <p:sldId id="259" r:id="rId5"/>
+    <p:sldId id="260" r:id="rId6"/>
+    <p:sldId id="261" r:id="rId7"/>
+    <p:sldId id="262" r:id="rId8"/>
+    <p:sldId id="263" r:id="rId9"/>
+    <p:sldId id="264" r:id="rId10"/>
+    <p:sldId id="265" r:id="rId11"/>
+    <p:sldId id="266" r:id="rId12"/>
+    <p:sldId id="267" r:id="rId13"/>
+    <p:sldId id="268" r:id="rId14"/>
+    <p:sldId id="269" r:id="rId15"/>
+    <p:sldId id="270" r:id="rId16"/>
+    <p:sldId id="271" r:id="rId17"/>
+    <p:sldId id="272" r:id="rId18"/>
+    <p:sldId id="273" r:id="rId19"/>
+    <p:sldId id="274" r:id="rId20"/>
+    <p:sldId id="275" r:id="rId21"/>
   </p:sldIdLst>
-  <p:sldSz cy="5143500" cx="9144000"/>
+  <p:sldSz cx="9144000" cy="5143500" type="screen16x9"/>
   <p:notesSz cx="6858000" cy="9144000"/>
   <p:defaultTextStyle>
-    <a:defPPr lvl="0" marR="0" rtl="0" algn="l">
+    <a:defPPr marR="0" lvl="0" algn="l" rtl="0">
       <a:lnSpc>
         <a:spcPct val="100000"/>
       </a:lnSpc>
@@ -43,7 +43,7 @@
         <a:spcPts val="0"/>
       </a:spcAft>
     </a:defPPr>
-    <a:lvl1pPr lvl="0" marR="0" rtl="0" algn="l">
+    <a:lvl1pPr marR="0" lvl="0" algn="l" rtl="0">
       <a:lnSpc>
         <a:spcPct val="100000"/>
       </a:lnSpc>
@@ -57,7 +57,7 @@
         <a:srgbClr val="000000"/>
       </a:buClr>
       <a:buFont typeface="Arial"/>
-      <a:defRPr b="0" i="0" sz="1400" u="none" cap="none" strike="noStrike">
+      <a:defRPr sz="1400" b="0" i="0" u="none" strike="noStrike" cap="none">
         <a:solidFill>
           <a:srgbClr val="000000"/>
         </a:solidFill>
@@ -67,7 +67,7 @@
         <a:sym typeface="Arial"/>
       </a:defRPr>
     </a:lvl1pPr>
-    <a:lvl2pPr lvl="1" marR="0" rtl="0" algn="l">
+    <a:lvl2pPr marR="0" lvl="1" algn="l" rtl="0">
       <a:lnSpc>
         <a:spcPct val="100000"/>
       </a:lnSpc>
@@ -81,7 +81,7 @@
         <a:srgbClr val="000000"/>
       </a:buClr>
       <a:buFont typeface="Arial"/>
-      <a:defRPr b="0" i="0" sz="1400" u="none" cap="none" strike="noStrike">
+      <a:defRPr sz="1400" b="0" i="0" u="none" strike="noStrike" cap="none">
         <a:solidFill>
           <a:srgbClr val="000000"/>
         </a:solidFill>
@@ -91,7 +91,7 @@
         <a:sym typeface="Arial"/>
       </a:defRPr>
     </a:lvl2pPr>
-    <a:lvl3pPr lvl="2" marR="0" rtl="0" algn="l">
+    <a:lvl3pPr marR="0" lvl="2" algn="l" rtl="0">
       <a:lnSpc>
         <a:spcPct val="100000"/>
       </a:lnSpc>
@@ -105,7 +105,7 @@
         <a:srgbClr val="000000"/>
       </a:buClr>
       <a:buFont typeface="Arial"/>
-      <a:defRPr b="0" i="0" sz="1400" u="none" cap="none" strike="noStrike">
+      <a:defRPr sz="1400" b="0" i="0" u="none" strike="noStrike" cap="none">
         <a:solidFill>
           <a:srgbClr val="000000"/>
         </a:solidFill>
@@ -115,7 +115,7 @@
         <a:sym typeface="Arial"/>
       </a:defRPr>
     </a:lvl3pPr>
-    <a:lvl4pPr lvl="3" marR="0" rtl="0" algn="l">
+    <a:lvl4pPr marR="0" lvl="3" algn="l" rtl="0">
       <a:lnSpc>
         <a:spcPct val="100000"/>
       </a:lnSpc>
@@ -129,7 +129,7 @@
         <a:srgbClr val="000000"/>
       </a:buClr>
       <a:buFont typeface="Arial"/>
-      <a:defRPr b="0" i="0" sz="1400" u="none" cap="none" strike="noStrike">
+      <a:defRPr sz="1400" b="0" i="0" u="none" strike="noStrike" cap="none">
         <a:solidFill>
           <a:srgbClr val="000000"/>
         </a:solidFill>
@@ -139,7 +139,7 @@
         <a:sym typeface="Arial"/>
       </a:defRPr>
     </a:lvl4pPr>
-    <a:lvl5pPr lvl="4" marR="0" rtl="0" algn="l">
+    <a:lvl5pPr marR="0" lvl="4" algn="l" rtl="0">
       <a:lnSpc>
         <a:spcPct val="100000"/>
       </a:lnSpc>
@@ -153,7 +153,7 @@
         <a:srgbClr val="000000"/>
       </a:buClr>
       <a:buFont typeface="Arial"/>
-      <a:defRPr b="0" i="0" sz="1400" u="none" cap="none" strike="noStrike">
+      <a:defRPr sz="1400" b="0" i="0" u="none" strike="noStrike" cap="none">
         <a:solidFill>
           <a:srgbClr val="000000"/>
         </a:solidFill>
@@ -163,7 +163,7 @@
         <a:sym typeface="Arial"/>
       </a:defRPr>
     </a:lvl5pPr>
-    <a:lvl6pPr lvl="5" marR="0" rtl="0" algn="l">
+    <a:lvl6pPr marR="0" lvl="5" algn="l" rtl="0">
       <a:lnSpc>
         <a:spcPct val="100000"/>
       </a:lnSpc>
@@ -177,7 +177,7 @@
         <a:srgbClr val="000000"/>
       </a:buClr>
       <a:buFont typeface="Arial"/>
-      <a:defRPr b="0" i="0" sz="1400" u="none" cap="none" strike="noStrike">
+      <a:defRPr sz="1400" b="0" i="0" u="none" strike="noStrike" cap="none">
         <a:solidFill>
           <a:srgbClr val="000000"/>
         </a:solidFill>
@@ -187,7 +187,7 @@
         <a:sym typeface="Arial"/>
       </a:defRPr>
     </a:lvl6pPr>
-    <a:lvl7pPr lvl="6" marR="0" rtl="0" algn="l">
+    <a:lvl7pPr marR="0" lvl="6" algn="l" rtl="0">
       <a:lnSpc>
         <a:spcPct val="100000"/>
       </a:lnSpc>
@@ -201,7 +201,7 @@
         <a:srgbClr val="000000"/>
       </a:buClr>
       <a:buFont typeface="Arial"/>
-      <a:defRPr b="0" i="0" sz="1400" u="none" cap="none" strike="noStrike">
+      <a:defRPr sz="1400" b="0" i="0" u="none" strike="noStrike" cap="none">
         <a:solidFill>
           <a:srgbClr val="000000"/>
         </a:solidFill>
@@ -211,7 +211,7 @@
         <a:sym typeface="Arial"/>
       </a:defRPr>
     </a:lvl7pPr>
-    <a:lvl8pPr lvl="7" marR="0" rtl="0" algn="l">
+    <a:lvl8pPr marR="0" lvl="7" algn="l" rtl="0">
       <a:lnSpc>
         <a:spcPct val="100000"/>
       </a:lnSpc>
@@ -225,7 +225,7 @@
         <a:srgbClr val="000000"/>
       </a:buClr>
       <a:buFont typeface="Arial"/>
-      <a:defRPr b="0" i="0" sz="1400" u="none" cap="none" strike="noStrike">
+      <a:defRPr sz="1400" b="0" i="0" u="none" strike="noStrike" cap="none">
         <a:solidFill>
           <a:srgbClr val="000000"/>
         </a:solidFill>
@@ -235,7 +235,7 @@
         <a:sym typeface="Arial"/>
       </a:defRPr>
     </a:lvl8pPr>
-    <a:lvl9pPr lvl="8" marR="0" rtl="0" algn="l">
+    <a:lvl9pPr marR="0" lvl="8" algn="l" rtl="0">
       <a:lnSpc>
         <a:spcPct val="100000"/>
       </a:lnSpc>
@@ -249,7 +249,7 @@
         <a:srgbClr val="000000"/>
       </a:buClr>
       <a:buFont typeface="Arial"/>
-      <a:defRPr b="0" i="0" sz="1400" u="none" cap="none" strike="noStrike">
+      <a:defRPr sz="1400" b="0" i="0" u="none" strike="noStrike" cap="none">
         <a:solidFill>
           <a:srgbClr val="000000"/>
         </a:solidFill>
@@ -262,7 +262,7 @@
   </p:defaultTextStyle>
   <p:extLst>
     <p:ext uri="{EFAFB233-063F-42B5-8137-9DF3F51BA10A}">
-      <p15:sldGuideLst>
+      <p15:sldGuideLst xmlns:ahyp="http://schemas.microsoft.com/office/drawing/2018/hyperlinkcolor" xmlns:p15="http://schemas.microsoft.com/office/powerpoint/2012/main" xmlns:p14="http://schemas.microsoft.com/office/powerpoint/2010/main" xmlns:com="http://schemas.openxmlformats.org/drawingml/2006/compatibility" xmlns:pvml="urn:schemas-microsoft-com:office:powerpoint" xmlns:v="urn:schemas-microsoft-com:vml" xmlns:o="urn:schemas-microsoft-com:office:office" xmlns:dgm="http://schemas.openxmlformats.org/drawingml/2006/diagram" xmlns:c="http://schemas.openxmlformats.org/drawingml/2006/chart" xmlns:mv="urn:schemas-microsoft-com:mac:vml" xmlns:mc="http://schemas.openxmlformats.org/markup-compatibility/2006" xmlns="">
         <p15:guide id="1" orient="horz" pos="1620">
           <p15:clr>
             <a:srgbClr val="A4A3A4"/>
@@ -280,11 +280,16 @@
 </file>
 
 <file path=ppt/notesMasters/notesMaster1.xml><?xml version="1.0" encoding="utf-8"?>
-<p:notesMaster xmlns:a="http://schemas.openxmlformats.org/drawingml/2006/main" xmlns:r="http://schemas.openxmlformats.org/officeDocument/2006/relationships" xmlns:mc="http://schemas.openxmlformats.org/markup-compatibility/2006" xmlns:mv="urn:schemas-microsoft-com:mac:vml" xmlns:p="http://schemas.openxmlformats.org/presentationml/2006/main" xmlns:c="http://schemas.openxmlformats.org/drawingml/2006/chart" xmlns:dgm="http://schemas.openxmlformats.org/drawingml/2006/diagram" xmlns:o="urn:schemas-microsoft-com:office:office" xmlns:v="urn:schemas-microsoft-com:vml" xmlns:pvml="urn:schemas-microsoft-com:office:powerpoint" xmlns:com="http://schemas.openxmlformats.org/drawingml/2006/compatibility" xmlns:p14="http://schemas.microsoft.com/office/powerpoint/2010/main" xmlns:p15="http://schemas.microsoft.com/office/powerpoint/2012/main" xmlns:ahyp="http://schemas.microsoft.com/office/drawing/2018/hyperlinkcolor">
+<p:notesMaster xmlns:a="http://schemas.openxmlformats.org/drawingml/2006/main" xmlns:r="http://schemas.openxmlformats.org/officeDocument/2006/relationships" xmlns:p="http://schemas.openxmlformats.org/presentationml/2006/main">
   <p:cSld>
+    <p:bg>
+      <p:bgRef idx="1001">
+        <a:schemeClr val="bg1"/>
+      </p:bgRef>
+    </p:bg>
     <p:spTree>
       <p:nvGrpSpPr>
-        <p:cNvPr id="2" name="Shape 2"/>
+        <p:cNvPr id="1" name="Shape 2"/>
         <p:cNvGrpSpPr/>
         <p:nvPr/>
       </p:nvGrpSpPr>
@@ -299,9 +304,11 @@
       <p:sp>
         <p:nvSpPr>
           <p:cNvPr id="3" name="Google Shape;3;n"/>
-          <p:cNvSpPr/>
+          <p:cNvSpPr>
+            <a:spLocks noGrp="1" noRot="1" noChangeAspect="1"/>
+          </p:cNvSpPr>
           <p:nvPr>
-            <p:ph idx="2" type="sldImg"/>
+            <p:ph type="sldImg" idx="2"/>
           </p:nvPr>
         </p:nvSpPr>
         <p:spPr>
@@ -310,9 +317,13 @@
             <a:ext cx="6096075" cy="3429000"/>
           </a:xfrm>
           <a:custGeom>
-            <a:rect b="b" l="l" r="r" t="t"/>
+            <a:avLst/>
+            <a:gdLst/>
+            <a:ahLst/>
+            <a:cxnLst/>
+            <a:rect l="l" t="t" r="r" b="b"/>
             <a:pathLst>
-              <a:path extrusionOk="0" h="120000" w="120000">
+              <a:path w="120000" h="120000" extrusionOk="0">
                 <a:moveTo>
                   <a:pt x="0" y="0"/>
                 </a:moveTo>
@@ -330,23 +341,25 @@
             </a:pathLst>
           </a:custGeom>
           <a:noFill/>
-          <a:ln cap="flat" cmpd="sng" w="9525">
+          <a:ln w="9525" cap="flat" cmpd="sng">
             <a:solidFill>
               <a:srgbClr val="000000"/>
             </a:solidFill>
             <a:prstDash val="solid"/>
             <a:round/>
-            <a:headEnd len="sm" w="sm" type="none"/>
-            <a:tailEnd len="sm" w="sm" type="none"/>
+            <a:headEnd type="none" w="sm" len="sm"/>
+            <a:tailEnd type="none" w="sm" len="sm"/>
           </a:ln>
         </p:spPr>
       </p:sp>
       <p:sp>
         <p:nvSpPr>
           <p:cNvPr id="4" name="Google Shape;4;n"/>
-          <p:cNvSpPr txBox="1"/>
+          <p:cNvSpPr txBox="1">
+            <a:spLocks noGrp="1"/>
+          </p:cNvSpPr>
           <p:nvPr>
-            <p:ph idx="1" type="body"/>
+            <p:ph type="body" idx="1"/>
           </p:nvPr>
         </p:nvSpPr>
         <p:spPr>
@@ -363,11 +376,11 @@
           </a:ln>
         </p:spPr>
         <p:txBody>
-          <a:bodyPr anchorCtr="0" anchor="t" bIns="91425" lIns="91425" spcFirstLastPara="1" rIns="91425" wrap="square" tIns="91425">
+          <a:bodyPr spcFirstLastPara="1" wrap="square" lIns="91425" tIns="91425" rIns="91425" bIns="91425" anchor="t" anchorCtr="0">
             <a:noAutofit/>
           </a:bodyPr>
           <a:lstStyle>
-            <a:lvl1pPr indent="-298450" lvl="0" marL="457200">
+            <a:lvl1pPr marL="457200" lvl="0" indent="-298450">
               <a:spcBef>
                 <a:spcPts val="0"/>
               </a:spcBef>
@@ -378,7 +391,7 @@
               <a:buChar char="●"/>
               <a:defRPr sz="1100"/>
             </a:lvl1pPr>
-            <a:lvl2pPr indent="-298450" lvl="1" marL="914400">
+            <a:lvl2pPr marL="914400" lvl="1" indent="-298450">
               <a:spcBef>
                 <a:spcPts val="0"/>
               </a:spcBef>
@@ -389,7 +402,7 @@
               <a:buChar char="○"/>
               <a:defRPr sz="1100"/>
             </a:lvl2pPr>
-            <a:lvl3pPr indent="-298450" lvl="2" marL="1371600">
+            <a:lvl3pPr marL="1371600" lvl="2" indent="-298450">
               <a:spcBef>
                 <a:spcPts val="0"/>
               </a:spcBef>
@@ -400,7 +413,7 @@
               <a:buChar char="■"/>
               <a:defRPr sz="1100"/>
             </a:lvl3pPr>
-            <a:lvl4pPr indent="-298450" lvl="3" marL="1828800">
+            <a:lvl4pPr marL="1828800" lvl="3" indent="-298450">
               <a:spcBef>
                 <a:spcPts val="0"/>
               </a:spcBef>
@@ -411,7 +424,7 @@
               <a:buChar char="●"/>
               <a:defRPr sz="1100"/>
             </a:lvl4pPr>
-            <a:lvl5pPr indent="-298450" lvl="4" marL="2286000">
+            <a:lvl5pPr marL="2286000" lvl="4" indent="-298450">
               <a:spcBef>
                 <a:spcPts val="0"/>
               </a:spcBef>
@@ -422,7 +435,7 @@
               <a:buChar char="○"/>
               <a:defRPr sz="1100"/>
             </a:lvl5pPr>
-            <a:lvl6pPr indent="-298450" lvl="5" marL="2743200">
+            <a:lvl6pPr marL="2743200" lvl="5" indent="-298450">
               <a:spcBef>
                 <a:spcPts val="0"/>
               </a:spcBef>
@@ -433,7 +446,7 @@
               <a:buChar char="■"/>
               <a:defRPr sz="1100"/>
             </a:lvl6pPr>
-            <a:lvl7pPr indent="-298450" lvl="6" marL="3200400">
+            <a:lvl7pPr marL="3200400" lvl="6" indent="-298450">
               <a:spcBef>
                 <a:spcPts val="0"/>
               </a:spcBef>
@@ -444,7 +457,7 @@
               <a:buChar char="●"/>
               <a:defRPr sz="1100"/>
             </a:lvl7pPr>
-            <a:lvl8pPr indent="-298450" lvl="7" marL="3657600">
+            <a:lvl8pPr marL="3657600" lvl="7" indent="-298450">
               <a:spcBef>
                 <a:spcPts val="0"/>
               </a:spcBef>
@@ -455,7 +468,7 @@
               <a:buChar char="○"/>
               <a:defRPr sz="1100"/>
             </a:lvl8pPr>
-            <a:lvl9pPr indent="-298450" lvl="8" marL="4114800">
+            <a:lvl9pPr marL="4114800" lvl="8" indent="-298450">
               <a:spcBef>
                 <a:spcPts val="0"/>
               </a:spcBef>
@@ -467,14 +480,21 @@
               <a:defRPr sz="1100"/>
             </a:lvl9pPr>
           </a:lstStyle>
-          <a:p/>
+          <a:p>
+            <a:endParaRPr/>
+          </a:p>
         </p:txBody>
       </p:sp>
     </p:spTree>
+    <p:extLst>
+      <p:ext uri="{BB962C8B-B14F-4D97-AF65-F5344CB8AC3E}">
+        <p14:creationId xmlns:p14="http://schemas.microsoft.com/office/powerpoint/2010/main" val="1167830061"/>
+      </p:ext>
+    </p:extLst>
   </p:cSld>
-  <p:clrMap accent1="accent1" accent2="accent2" accent3="accent3" accent4="accent4" accent5="accent5" accent6="accent6" bg1="lt1" bg2="dk2" tx1="dk1" tx2="lt2" folHlink="folHlink" hlink="hlink"/>
+  <p:clrMap bg1="lt1" tx1="dk1" bg2="dk2" tx2="lt2" accent1="accent1" accent2="accent2" accent3="accent3" accent4="accent4" accent5="accent5" accent6="accent6" hlink="hlink" folHlink="folHlink"/>
   <p:notesStyle>
-    <a:defPPr lvl="0" marR="0" rtl="0" algn="l">
+    <a:defPPr marR="0" lvl="0" algn="l" rtl="0">
       <a:lnSpc>
         <a:spcPct val="100000"/>
       </a:lnSpc>
@@ -485,7 +505,7 @@
         <a:spcPts val="0"/>
       </a:spcAft>
     </a:defPPr>
-    <a:lvl1pPr lvl="0" marR="0" rtl="0" algn="l">
+    <a:lvl1pPr marR="0" lvl="0" algn="l" rtl="0">
       <a:lnSpc>
         <a:spcPct val="100000"/>
       </a:lnSpc>
@@ -499,7 +519,7 @@
         <a:srgbClr val="000000"/>
       </a:buClr>
       <a:buFont typeface="Arial"/>
-      <a:defRPr b="0" i="0" sz="1400" u="none" cap="none" strike="noStrike">
+      <a:defRPr sz="1400" b="0" i="0" u="none" strike="noStrike" cap="none">
         <a:solidFill>
           <a:srgbClr val="000000"/>
         </a:solidFill>
@@ -509,7 +529,7 @@
         <a:sym typeface="Arial"/>
       </a:defRPr>
     </a:lvl1pPr>
-    <a:lvl2pPr lvl="1" marR="0" rtl="0" algn="l">
+    <a:lvl2pPr marR="0" lvl="1" algn="l" rtl="0">
       <a:lnSpc>
         <a:spcPct val="100000"/>
       </a:lnSpc>
@@ -523,7 +543,7 @@
         <a:srgbClr val="000000"/>
       </a:buClr>
       <a:buFont typeface="Arial"/>
-      <a:defRPr b="0" i="0" sz="1400" u="none" cap="none" strike="noStrike">
+      <a:defRPr sz="1400" b="0" i="0" u="none" strike="noStrike" cap="none">
         <a:solidFill>
           <a:srgbClr val="000000"/>
         </a:solidFill>
@@ -533,7 +553,7 @@
         <a:sym typeface="Arial"/>
       </a:defRPr>
     </a:lvl2pPr>
-    <a:lvl3pPr lvl="2" marR="0" rtl="0" algn="l">
+    <a:lvl3pPr marR="0" lvl="2" algn="l" rtl="0">
       <a:lnSpc>
         <a:spcPct val="100000"/>
       </a:lnSpc>
@@ -547,7 +567,7 @@
         <a:srgbClr val="000000"/>
       </a:buClr>
       <a:buFont typeface="Arial"/>
-      <a:defRPr b="0" i="0" sz="1400" u="none" cap="none" strike="noStrike">
+      <a:defRPr sz="1400" b="0" i="0" u="none" strike="noStrike" cap="none">
         <a:solidFill>
           <a:srgbClr val="000000"/>
         </a:solidFill>
@@ -557,7 +577,7 @@
         <a:sym typeface="Arial"/>
       </a:defRPr>
     </a:lvl3pPr>
-    <a:lvl4pPr lvl="3" marR="0" rtl="0" algn="l">
+    <a:lvl4pPr marR="0" lvl="3" algn="l" rtl="0">
       <a:lnSpc>
         <a:spcPct val="100000"/>
       </a:lnSpc>
@@ -571,7 +591,7 @@
         <a:srgbClr val="000000"/>
       </a:buClr>
       <a:buFont typeface="Arial"/>
-      <a:defRPr b="0" i="0" sz="1400" u="none" cap="none" strike="noStrike">
+      <a:defRPr sz="1400" b="0" i="0" u="none" strike="noStrike" cap="none">
         <a:solidFill>
           <a:srgbClr val="000000"/>
         </a:solidFill>
@@ -581,7 +601,7 @@
         <a:sym typeface="Arial"/>
       </a:defRPr>
     </a:lvl4pPr>
-    <a:lvl5pPr lvl="4" marR="0" rtl="0" algn="l">
+    <a:lvl5pPr marR="0" lvl="4" algn="l" rtl="0">
       <a:lnSpc>
         <a:spcPct val="100000"/>
       </a:lnSpc>
@@ -595,7 +615,7 @@
         <a:srgbClr val="000000"/>
       </a:buClr>
       <a:buFont typeface="Arial"/>
-      <a:defRPr b="0" i="0" sz="1400" u="none" cap="none" strike="noStrike">
+      <a:defRPr sz="1400" b="0" i="0" u="none" strike="noStrike" cap="none">
         <a:solidFill>
           <a:srgbClr val="000000"/>
         </a:solidFill>
@@ -605,7 +625,7 @@
         <a:sym typeface="Arial"/>
       </a:defRPr>
     </a:lvl5pPr>
-    <a:lvl6pPr lvl="5" marR="0" rtl="0" algn="l">
+    <a:lvl6pPr marR="0" lvl="5" algn="l" rtl="0">
       <a:lnSpc>
         <a:spcPct val="100000"/>
       </a:lnSpc>
@@ -619,7 +639,7 @@
         <a:srgbClr val="000000"/>
       </a:buClr>
       <a:buFont typeface="Arial"/>
-      <a:defRPr b="0" i="0" sz="1400" u="none" cap="none" strike="noStrike">
+      <a:defRPr sz="1400" b="0" i="0" u="none" strike="noStrike" cap="none">
         <a:solidFill>
           <a:srgbClr val="000000"/>
         </a:solidFill>
@@ -629,7 +649,7 @@
         <a:sym typeface="Arial"/>
       </a:defRPr>
     </a:lvl6pPr>
-    <a:lvl7pPr lvl="6" marR="0" rtl="0" algn="l">
+    <a:lvl7pPr marR="0" lvl="6" algn="l" rtl="0">
       <a:lnSpc>
         <a:spcPct val="100000"/>
       </a:lnSpc>
@@ -643,7 +663,7 @@
         <a:srgbClr val="000000"/>
       </a:buClr>
       <a:buFont typeface="Arial"/>
-      <a:defRPr b="0" i="0" sz="1400" u="none" cap="none" strike="noStrike">
+      <a:defRPr sz="1400" b="0" i="0" u="none" strike="noStrike" cap="none">
         <a:solidFill>
           <a:srgbClr val="000000"/>
         </a:solidFill>
@@ -653,7 +673,7 @@
         <a:sym typeface="Arial"/>
       </a:defRPr>
     </a:lvl7pPr>
-    <a:lvl8pPr lvl="7" marR="0" rtl="0" algn="l">
+    <a:lvl8pPr marR="0" lvl="7" algn="l" rtl="0">
       <a:lnSpc>
         <a:spcPct val="100000"/>
       </a:lnSpc>
@@ -667,7 +687,7 @@
         <a:srgbClr val="000000"/>
       </a:buClr>
       <a:buFont typeface="Arial"/>
-      <a:defRPr b="0" i="0" sz="1400" u="none" cap="none" strike="noStrike">
+      <a:defRPr sz="1400" b="0" i="0" u="none" strike="noStrike" cap="none">
         <a:solidFill>
           <a:srgbClr val="000000"/>
         </a:solidFill>
@@ -677,7 +697,7 @@
         <a:sym typeface="Arial"/>
       </a:defRPr>
     </a:lvl8pPr>
-    <a:lvl9pPr lvl="8" marR="0" rtl="0" algn="l">
+    <a:lvl9pPr marR="0" lvl="8" algn="l" rtl="0">
       <a:lnSpc>
         <a:spcPct val="100000"/>
       </a:lnSpc>
@@ -691,7 +711,7 @@
         <a:srgbClr val="000000"/>
       </a:buClr>
       <a:buFont typeface="Arial"/>
-      <a:defRPr b="0" i="0" sz="1400" u="none" cap="none" strike="noStrike">
+      <a:defRPr sz="1400" b="0" i="0" u="none" strike="noStrike" cap="none">
         <a:solidFill>
           <a:srgbClr val="000000"/>
         </a:solidFill>
@@ -706,11 +726,11 @@
 </file>
 
 <file path=ppt/notesSlides/notesSlide1.xml><?xml version="1.0" encoding="utf-8"?>
-<p:notes xmlns:a="http://schemas.openxmlformats.org/drawingml/2006/main" xmlns:r="http://schemas.openxmlformats.org/officeDocument/2006/relationships" xmlns:mc="http://schemas.openxmlformats.org/markup-compatibility/2006" xmlns:mv="urn:schemas-microsoft-com:mac:vml" xmlns:p="http://schemas.openxmlformats.org/presentationml/2006/main" xmlns:c="http://schemas.openxmlformats.org/drawingml/2006/chart" xmlns:dgm="http://schemas.openxmlformats.org/drawingml/2006/diagram" xmlns:o="urn:schemas-microsoft-com:office:office" xmlns:v="urn:schemas-microsoft-com:vml" xmlns:pvml="urn:schemas-microsoft-com:office:powerpoint" xmlns:com="http://schemas.openxmlformats.org/drawingml/2006/compatibility" xmlns:p14="http://schemas.microsoft.com/office/powerpoint/2010/main" xmlns:p15="http://schemas.microsoft.com/office/powerpoint/2012/main" xmlns:ahyp="http://schemas.microsoft.com/office/drawing/2018/hyperlinkcolor" showMasterPhAnim="0" showMasterSp="0">
+<p:notes xmlns:a="http://schemas.openxmlformats.org/drawingml/2006/main" xmlns:r="http://schemas.openxmlformats.org/officeDocument/2006/relationships" xmlns:p="http://schemas.openxmlformats.org/presentationml/2006/main" showMasterSp="0" showMasterPhAnim="0">
   <p:cSld>
     <p:spTree>
       <p:nvGrpSpPr>
-        <p:cNvPr id="50" name="Shape 50"/>
+        <p:cNvPr id="1" name="Shape 50"/>
         <p:cNvGrpSpPr/>
         <p:nvPr/>
       </p:nvGrpSpPr>
@@ -725,20 +745,26 @@
       <p:sp>
         <p:nvSpPr>
           <p:cNvPr id="51" name="Google Shape;51;p:notes"/>
-          <p:cNvSpPr/>
+          <p:cNvSpPr>
+            <a:spLocks noGrp="1" noRot="1" noChangeAspect="1"/>
+          </p:cNvSpPr>
           <p:nvPr>
-            <p:ph idx="2" type="sldImg"/>
+            <p:ph type="sldImg" idx="2"/>
           </p:nvPr>
         </p:nvSpPr>
         <p:spPr>
           <a:xfrm>
-            <a:off x="381300" y="685800"/>
-            <a:ext cx="6096075" cy="3429000"/>
+            <a:off x="381000" y="685800"/>
+            <a:ext cx="6096000" cy="3429000"/>
           </a:xfrm>
           <a:custGeom>
-            <a:rect b="b" l="l" r="r" t="t"/>
+            <a:avLst/>
+            <a:gdLst/>
+            <a:ahLst/>
+            <a:cxnLst/>
+            <a:rect l="l" t="t" r="r" b="b"/>
             <a:pathLst>
-              <a:path extrusionOk="0" h="120000" w="120000">
+              <a:path w="120000" h="120000" extrusionOk="0">
                 <a:moveTo>
                   <a:pt x="0" y="0"/>
                 </a:moveTo>
@@ -760,9 +786,11 @@
       <p:sp>
         <p:nvSpPr>
           <p:cNvPr id="52" name="Google Shape;52;p:notes"/>
-          <p:cNvSpPr txBox="1"/>
+          <p:cNvSpPr txBox="1">
+            <a:spLocks noGrp="1"/>
+          </p:cNvSpPr>
           <p:nvPr>
-            <p:ph idx="1" type="body"/>
+            <p:ph type="body" idx="1"/>
           </p:nvPr>
         </p:nvSpPr>
         <p:spPr>
@@ -775,12 +803,12 @@
           </a:prstGeom>
         </p:spPr>
         <p:txBody>
-          <a:bodyPr anchorCtr="0" anchor="t" bIns="91425" lIns="91425" spcFirstLastPara="1" rIns="91425" wrap="square" tIns="91425">
+          <a:bodyPr spcFirstLastPara="1" wrap="square" lIns="91425" tIns="91425" rIns="91425" bIns="91425" anchor="t" anchorCtr="0">
             <a:noAutofit/>
           </a:bodyPr>
           <a:lstStyle/>
           <a:p>
-            <a:pPr indent="0" lvl="0" marL="0" rtl="0" algn="l">
+            <a:pPr marL="0" lvl="0" indent="0" algn="l" rtl="0">
               <a:spcBef>
                 <a:spcPts val="0"/>
               </a:spcBef>
@@ -789,9 +817,6 @@
               </a:spcAft>
               <a:buNone/>
             </a:pPr>
-            <a:r>
-              <a:t/>
-            </a:r>
             <a:endParaRPr/>
           </a:p>
         </p:txBody>
@@ -805,11 +830,11 @@
 </file>
 
 <file path=ppt/notesSlides/notesSlide10.xml><?xml version="1.0" encoding="utf-8"?>
-<p:notes xmlns:a="http://schemas.openxmlformats.org/drawingml/2006/main" xmlns:r="http://schemas.openxmlformats.org/officeDocument/2006/relationships" xmlns:mc="http://schemas.openxmlformats.org/markup-compatibility/2006" xmlns:mv="urn:schemas-microsoft-com:mac:vml" xmlns:p="http://schemas.openxmlformats.org/presentationml/2006/main" xmlns:c="http://schemas.openxmlformats.org/drawingml/2006/chart" xmlns:dgm="http://schemas.openxmlformats.org/drawingml/2006/diagram" xmlns:o="urn:schemas-microsoft-com:office:office" xmlns:v="urn:schemas-microsoft-com:vml" xmlns:pvml="urn:schemas-microsoft-com:office:powerpoint" xmlns:com="http://schemas.openxmlformats.org/drawingml/2006/compatibility" xmlns:p14="http://schemas.microsoft.com/office/powerpoint/2010/main" xmlns:p15="http://schemas.microsoft.com/office/powerpoint/2012/main" xmlns:ahyp="http://schemas.microsoft.com/office/drawing/2018/hyperlinkcolor" showMasterPhAnim="0" showMasterSp="0">
+<p:notes xmlns:a="http://schemas.openxmlformats.org/drawingml/2006/main" xmlns:r="http://schemas.openxmlformats.org/officeDocument/2006/relationships" xmlns:p="http://schemas.openxmlformats.org/presentationml/2006/main" showMasterSp="0" showMasterPhAnim="0">
   <p:cSld>
     <p:spTree>
       <p:nvGrpSpPr>
-        <p:cNvPr id="110" name="Shape 110"/>
+        <p:cNvPr id="1" name="Shape 110"/>
         <p:cNvGrpSpPr/>
         <p:nvPr/>
       </p:nvGrpSpPr>
@@ -824,9 +849,11 @@
       <p:sp>
         <p:nvSpPr>
           <p:cNvPr id="111" name="Google Shape;111;ga94c68aff3_0_59:notes"/>
-          <p:cNvSpPr/>
+          <p:cNvSpPr>
+            <a:spLocks noGrp="1" noRot="1" noChangeAspect="1"/>
+          </p:cNvSpPr>
           <p:nvPr>
-            <p:ph idx="2" type="sldImg"/>
+            <p:ph type="sldImg" idx="2"/>
           </p:nvPr>
         </p:nvSpPr>
         <p:spPr>
@@ -835,9 +862,13 @@
             <a:ext cx="6096000" cy="3429000"/>
           </a:xfrm>
           <a:custGeom>
-            <a:rect b="b" l="l" r="r" t="t"/>
+            <a:avLst/>
+            <a:gdLst/>
+            <a:ahLst/>
+            <a:cxnLst/>
+            <a:rect l="l" t="t" r="r" b="b"/>
             <a:pathLst>
-              <a:path extrusionOk="0" h="120000" w="120000">
+              <a:path w="120000" h="120000" extrusionOk="0">
                 <a:moveTo>
                   <a:pt x="0" y="0"/>
                 </a:moveTo>
@@ -859,9 +890,11 @@
       <p:sp>
         <p:nvSpPr>
           <p:cNvPr id="112" name="Google Shape;112;ga94c68aff3_0_59:notes"/>
-          <p:cNvSpPr txBox="1"/>
+          <p:cNvSpPr txBox="1">
+            <a:spLocks noGrp="1"/>
+          </p:cNvSpPr>
           <p:nvPr>
-            <p:ph idx="1" type="body"/>
+            <p:ph type="body" idx="1"/>
           </p:nvPr>
         </p:nvSpPr>
         <p:spPr>
@@ -874,12 +907,12 @@
           </a:prstGeom>
         </p:spPr>
         <p:txBody>
-          <a:bodyPr anchorCtr="0" anchor="t" bIns="91425" lIns="91425" spcFirstLastPara="1" rIns="91425" wrap="square" tIns="91425">
+          <a:bodyPr spcFirstLastPara="1" wrap="square" lIns="91425" tIns="91425" rIns="91425" bIns="91425" anchor="t" anchorCtr="0">
             <a:noAutofit/>
           </a:bodyPr>
           <a:lstStyle/>
           <a:p>
-            <a:pPr indent="0" lvl="0" marL="0" rtl="0" algn="l">
+            <a:pPr marL="0" lvl="0" indent="0" algn="l" rtl="0">
               <a:spcBef>
                 <a:spcPts val="0"/>
               </a:spcBef>
@@ -888,9 +921,6 @@
               </a:spcAft>
               <a:buNone/>
             </a:pPr>
-            <a:r>
-              <a:t/>
-            </a:r>
             <a:endParaRPr/>
           </a:p>
         </p:txBody>
@@ -904,11 +934,11 @@
 </file>
 
 <file path=ppt/notesSlides/notesSlide11.xml><?xml version="1.0" encoding="utf-8"?>
-<p:notes xmlns:a="http://schemas.openxmlformats.org/drawingml/2006/main" xmlns:r="http://schemas.openxmlformats.org/officeDocument/2006/relationships" xmlns:mc="http://schemas.openxmlformats.org/markup-compatibility/2006" xmlns:mv="urn:schemas-microsoft-com:mac:vml" xmlns:p="http://schemas.openxmlformats.org/presentationml/2006/main" xmlns:c="http://schemas.openxmlformats.org/drawingml/2006/chart" xmlns:dgm="http://schemas.openxmlformats.org/drawingml/2006/diagram" xmlns:o="urn:schemas-microsoft-com:office:office" xmlns:v="urn:schemas-microsoft-com:vml" xmlns:pvml="urn:schemas-microsoft-com:office:powerpoint" xmlns:com="http://schemas.openxmlformats.org/drawingml/2006/compatibility" xmlns:p14="http://schemas.microsoft.com/office/powerpoint/2010/main" xmlns:p15="http://schemas.microsoft.com/office/powerpoint/2012/main" xmlns:ahyp="http://schemas.microsoft.com/office/drawing/2018/hyperlinkcolor" showMasterPhAnim="0" showMasterSp="0">
+<p:notes xmlns:a="http://schemas.openxmlformats.org/drawingml/2006/main" xmlns:r="http://schemas.openxmlformats.org/officeDocument/2006/relationships" xmlns:p="http://schemas.openxmlformats.org/presentationml/2006/main" showMasterSp="0" showMasterPhAnim="0">
   <p:cSld>
     <p:spTree>
       <p:nvGrpSpPr>
-        <p:cNvPr id="117" name="Shape 117"/>
+        <p:cNvPr id="1" name="Shape 117"/>
         <p:cNvGrpSpPr/>
         <p:nvPr/>
       </p:nvGrpSpPr>
@@ -923,9 +953,11 @@
       <p:sp>
         <p:nvSpPr>
           <p:cNvPr id="118" name="Google Shape;118;ga94c68aff3_0_66:notes"/>
-          <p:cNvSpPr/>
+          <p:cNvSpPr>
+            <a:spLocks noGrp="1" noRot="1" noChangeAspect="1"/>
+          </p:cNvSpPr>
           <p:nvPr>
-            <p:ph idx="2" type="sldImg"/>
+            <p:ph type="sldImg" idx="2"/>
           </p:nvPr>
         </p:nvSpPr>
         <p:spPr>
@@ -934,9 +966,13 @@
             <a:ext cx="6096000" cy="3429000"/>
           </a:xfrm>
           <a:custGeom>
-            <a:rect b="b" l="l" r="r" t="t"/>
+            <a:avLst/>
+            <a:gdLst/>
+            <a:ahLst/>
+            <a:cxnLst/>
+            <a:rect l="l" t="t" r="r" b="b"/>
             <a:pathLst>
-              <a:path extrusionOk="0" h="120000" w="120000">
+              <a:path w="120000" h="120000" extrusionOk="0">
                 <a:moveTo>
                   <a:pt x="0" y="0"/>
                 </a:moveTo>
@@ -958,9 +994,11 @@
       <p:sp>
         <p:nvSpPr>
           <p:cNvPr id="119" name="Google Shape;119;ga94c68aff3_0_66:notes"/>
-          <p:cNvSpPr txBox="1"/>
+          <p:cNvSpPr txBox="1">
+            <a:spLocks noGrp="1"/>
+          </p:cNvSpPr>
           <p:nvPr>
-            <p:ph idx="1" type="body"/>
+            <p:ph type="body" idx="1"/>
           </p:nvPr>
         </p:nvSpPr>
         <p:spPr>
@@ -973,12 +1011,12 @@
           </a:prstGeom>
         </p:spPr>
         <p:txBody>
-          <a:bodyPr anchorCtr="0" anchor="t" bIns="91425" lIns="91425" spcFirstLastPara="1" rIns="91425" wrap="square" tIns="91425">
+          <a:bodyPr spcFirstLastPara="1" wrap="square" lIns="91425" tIns="91425" rIns="91425" bIns="91425" anchor="t" anchorCtr="0">
             <a:noAutofit/>
           </a:bodyPr>
           <a:lstStyle/>
           <a:p>
-            <a:pPr indent="0" lvl="0" marL="0" rtl="0" algn="l">
+            <a:pPr marL="0" lvl="0" indent="0" algn="l" rtl="0">
               <a:spcBef>
                 <a:spcPts val="0"/>
               </a:spcBef>
@@ -987,9 +1025,6 @@
               </a:spcAft>
               <a:buNone/>
             </a:pPr>
-            <a:r>
-              <a:t/>
-            </a:r>
             <a:endParaRPr/>
           </a:p>
         </p:txBody>
@@ -1003,11 +1038,11 @@
 </file>
 
 <file path=ppt/notesSlides/notesSlide12.xml><?xml version="1.0" encoding="utf-8"?>
-<p:notes xmlns:a="http://schemas.openxmlformats.org/drawingml/2006/main" xmlns:r="http://schemas.openxmlformats.org/officeDocument/2006/relationships" xmlns:mc="http://schemas.openxmlformats.org/markup-compatibility/2006" xmlns:mv="urn:schemas-microsoft-com:mac:vml" xmlns:p="http://schemas.openxmlformats.org/presentationml/2006/main" xmlns:c="http://schemas.openxmlformats.org/drawingml/2006/chart" xmlns:dgm="http://schemas.openxmlformats.org/drawingml/2006/diagram" xmlns:o="urn:schemas-microsoft-com:office:office" xmlns:v="urn:schemas-microsoft-com:vml" xmlns:pvml="urn:schemas-microsoft-com:office:powerpoint" xmlns:com="http://schemas.openxmlformats.org/drawingml/2006/compatibility" xmlns:p14="http://schemas.microsoft.com/office/powerpoint/2010/main" xmlns:p15="http://schemas.microsoft.com/office/powerpoint/2012/main" xmlns:ahyp="http://schemas.microsoft.com/office/drawing/2018/hyperlinkcolor" showMasterPhAnim="0" showMasterSp="0">
+<p:notes xmlns:a="http://schemas.openxmlformats.org/drawingml/2006/main" xmlns:r="http://schemas.openxmlformats.org/officeDocument/2006/relationships" xmlns:p="http://schemas.openxmlformats.org/presentationml/2006/main" showMasterSp="0" showMasterPhAnim="0">
   <p:cSld>
     <p:spTree>
       <p:nvGrpSpPr>
-        <p:cNvPr id="123" name="Shape 123"/>
+        <p:cNvPr id="1" name="Shape 123"/>
         <p:cNvGrpSpPr/>
         <p:nvPr/>
       </p:nvGrpSpPr>
@@ -1022,9 +1057,11 @@
       <p:sp>
         <p:nvSpPr>
           <p:cNvPr id="124" name="Google Shape;124;ga94c68aff3_0_72:notes"/>
-          <p:cNvSpPr/>
+          <p:cNvSpPr>
+            <a:spLocks noGrp="1" noRot="1" noChangeAspect="1"/>
+          </p:cNvSpPr>
           <p:nvPr>
-            <p:ph idx="2" type="sldImg"/>
+            <p:ph type="sldImg" idx="2"/>
           </p:nvPr>
         </p:nvSpPr>
         <p:spPr>
@@ -1033,9 +1070,13 @@
             <a:ext cx="6096000" cy="3429000"/>
           </a:xfrm>
           <a:custGeom>
-            <a:rect b="b" l="l" r="r" t="t"/>
+            <a:avLst/>
+            <a:gdLst/>
+            <a:ahLst/>
+            <a:cxnLst/>
+            <a:rect l="l" t="t" r="r" b="b"/>
             <a:pathLst>
-              <a:path extrusionOk="0" h="120000" w="120000">
+              <a:path w="120000" h="120000" extrusionOk="0">
                 <a:moveTo>
                   <a:pt x="0" y="0"/>
                 </a:moveTo>
@@ -1057,9 +1098,11 @@
       <p:sp>
         <p:nvSpPr>
           <p:cNvPr id="125" name="Google Shape;125;ga94c68aff3_0_72:notes"/>
-          <p:cNvSpPr txBox="1"/>
+          <p:cNvSpPr txBox="1">
+            <a:spLocks noGrp="1"/>
+          </p:cNvSpPr>
           <p:nvPr>
-            <p:ph idx="1" type="body"/>
+            <p:ph type="body" idx="1"/>
           </p:nvPr>
         </p:nvSpPr>
         <p:spPr>
@@ -1072,12 +1115,12 @@
           </a:prstGeom>
         </p:spPr>
         <p:txBody>
-          <a:bodyPr anchorCtr="0" anchor="t" bIns="91425" lIns="91425" spcFirstLastPara="1" rIns="91425" wrap="square" tIns="91425">
+          <a:bodyPr spcFirstLastPara="1" wrap="square" lIns="91425" tIns="91425" rIns="91425" bIns="91425" anchor="t" anchorCtr="0">
             <a:noAutofit/>
           </a:bodyPr>
           <a:lstStyle/>
           <a:p>
-            <a:pPr indent="0" lvl="0" marL="0" rtl="0" algn="l">
+            <a:pPr marL="0" lvl="0" indent="0" algn="l" rtl="0">
               <a:spcBef>
                 <a:spcPts val="0"/>
               </a:spcBef>
@@ -1086,9 +1129,6 @@
               </a:spcAft>
               <a:buNone/>
             </a:pPr>
-            <a:r>
-              <a:t/>
-            </a:r>
             <a:endParaRPr/>
           </a:p>
         </p:txBody>
@@ -1102,11 +1142,11 @@
 </file>
 
 <file path=ppt/notesSlides/notesSlide13.xml><?xml version="1.0" encoding="utf-8"?>
-<p:notes xmlns:a="http://schemas.openxmlformats.org/drawingml/2006/main" xmlns:r="http://schemas.openxmlformats.org/officeDocument/2006/relationships" xmlns:mc="http://schemas.openxmlformats.org/markup-compatibility/2006" xmlns:mv="urn:schemas-microsoft-com:mac:vml" xmlns:p="http://schemas.openxmlformats.org/presentationml/2006/main" xmlns:c="http://schemas.openxmlformats.org/drawingml/2006/chart" xmlns:dgm="http://schemas.openxmlformats.org/drawingml/2006/diagram" xmlns:o="urn:schemas-microsoft-com:office:office" xmlns:v="urn:schemas-microsoft-com:vml" xmlns:pvml="urn:schemas-microsoft-com:office:powerpoint" xmlns:com="http://schemas.openxmlformats.org/drawingml/2006/compatibility" xmlns:p14="http://schemas.microsoft.com/office/powerpoint/2010/main" xmlns:p15="http://schemas.microsoft.com/office/powerpoint/2012/main" xmlns:ahyp="http://schemas.microsoft.com/office/drawing/2018/hyperlinkcolor" showMasterPhAnim="0" showMasterSp="0">
+<p:notes xmlns:a="http://schemas.openxmlformats.org/drawingml/2006/main" xmlns:r="http://schemas.openxmlformats.org/officeDocument/2006/relationships" xmlns:p="http://schemas.openxmlformats.org/presentationml/2006/main" showMasterSp="0" showMasterPhAnim="0">
   <p:cSld>
     <p:spTree>
       <p:nvGrpSpPr>
-        <p:cNvPr id="134" name="Shape 134"/>
+        <p:cNvPr id="1" name="Shape 134"/>
         <p:cNvGrpSpPr/>
         <p:nvPr/>
       </p:nvGrpSpPr>
@@ -1121,9 +1161,11 @@
       <p:sp>
         <p:nvSpPr>
           <p:cNvPr id="135" name="Google Shape;135;ga94c68aff3_0_91:notes"/>
-          <p:cNvSpPr/>
+          <p:cNvSpPr>
+            <a:spLocks noGrp="1" noRot="1" noChangeAspect="1"/>
+          </p:cNvSpPr>
           <p:nvPr>
-            <p:ph idx="2" type="sldImg"/>
+            <p:ph type="sldImg" idx="2"/>
           </p:nvPr>
         </p:nvSpPr>
         <p:spPr>
@@ -1132,9 +1174,13 @@
             <a:ext cx="6096000" cy="3429000"/>
           </a:xfrm>
           <a:custGeom>
-            <a:rect b="b" l="l" r="r" t="t"/>
+            <a:avLst/>
+            <a:gdLst/>
+            <a:ahLst/>
+            <a:cxnLst/>
+            <a:rect l="l" t="t" r="r" b="b"/>
             <a:pathLst>
-              <a:path extrusionOk="0" h="120000" w="120000">
+              <a:path w="120000" h="120000" extrusionOk="0">
                 <a:moveTo>
                   <a:pt x="0" y="0"/>
                 </a:moveTo>
@@ -1156,9 +1202,11 @@
       <p:sp>
         <p:nvSpPr>
           <p:cNvPr id="136" name="Google Shape;136;ga94c68aff3_0_91:notes"/>
-          <p:cNvSpPr txBox="1"/>
+          <p:cNvSpPr txBox="1">
+            <a:spLocks noGrp="1"/>
+          </p:cNvSpPr>
           <p:nvPr>
-            <p:ph idx="1" type="body"/>
+            <p:ph type="body" idx="1"/>
           </p:nvPr>
         </p:nvSpPr>
         <p:spPr>
@@ -1171,12 +1219,12 @@
           </a:prstGeom>
         </p:spPr>
         <p:txBody>
-          <a:bodyPr anchorCtr="0" anchor="t" bIns="91425" lIns="91425" spcFirstLastPara="1" rIns="91425" wrap="square" tIns="91425">
+          <a:bodyPr spcFirstLastPara="1" wrap="square" lIns="91425" tIns="91425" rIns="91425" bIns="91425" anchor="t" anchorCtr="0">
             <a:noAutofit/>
           </a:bodyPr>
           <a:lstStyle/>
           <a:p>
-            <a:pPr indent="0" lvl="0" marL="0" rtl="0" algn="l">
+            <a:pPr marL="0" lvl="0" indent="0" algn="l" rtl="0">
               <a:spcBef>
                 <a:spcPts val="0"/>
               </a:spcBef>
@@ -1185,9 +1233,6 @@
               </a:spcAft>
               <a:buNone/>
             </a:pPr>
-            <a:r>
-              <a:t/>
-            </a:r>
             <a:endParaRPr/>
           </a:p>
         </p:txBody>
@@ -1201,11 +1246,11 @@
 </file>
 
 <file path=ppt/notesSlides/notesSlide14.xml><?xml version="1.0" encoding="utf-8"?>
-<p:notes xmlns:a="http://schemas.openxmlformats.org/drawingml/2006/main" xmlns:r="http://schemas.openxmlformats.org/officeDocument/2006/relationships" xmlns:mc="http://schemas.openxmlformats.org/markup-compatibility/2006" xmlns:mv="urn:schemas-microsoft-com:mac:vml" xmlns:p="http://schemas.openxmlformats.org/presentationml/2006/main" xmlns:c="http://schemas.openxmlformats.org/drawingml/2006/chart" xmlns:dgm="http://schemas.openxmlformats.org/drawingml/2006/diagram" xmlns:o="urn:schemas-microsoft-com:office:office" xmlns:v="urn:schemas-microsoft-com:vml" xmlns:pvml="urn:schemas-microsoft-com:office:powerpoint" xmlns:com="http://schemas.openxmlformats.org/drawingml/2006/compatibility" xmlns:p14="http://schemas.microsoft.com/office/powerpoint/2010/main" xmlns:p15="http://schemas.microsoft.com/office/powerpoint/2012/main" xmlns:ahyp="http://schemas.microsoft.com/office/drawing/2018/hyperlinkcolor" showMasterPhAnim="0" showMasterSp="0">
+<p:notes xmlns:a="http://schemas.openxmlformats.org/drawingml/2006/main" xmlns:r="http://schemas.openxmlformats.org/officeDocument/2006/relationships" xmlns:p="http://schemas.openxmlformats.org/presentationml/2006/main" showMasterSp="0" showMasterPhAnim="0">
   <p:cSld>
     <p:spTree>
       <p:nvGrpSpPr>
-        <p:cNvPr id="140" name="Shape 140"/>
+        <p:cNvPr id="1" name="Shape 140"/>
         <p:cNvGrpSpPr/>
         <p:nvPr/>
       </p:nvGrpSpPr>
@@ -1220,9 +1265,11 @@
       <p:sp>
         <p:nvSpPr>
           <p:cNvPr id="141" name="Google Shape;141;ga94c68aff3_0_141:notes"/>
-          <p:cNvSpPr/>
+          <p:cNvSpPr>
+            <a:spLocks noGrp="1" noRot="1" noChangeAspect="1"/>
+          </p:cNvSpPr>
           <p:nvPr>
-            <p:ph idx="2" type="sldImg"/>
+            <p:ph type="sldImg" idx="2"/>
           </p:nvPr>
         </p:nvSpPr>
         <p:spPr>
@@ -1231,9 +1278,13 @@
             <a:ext cx="6096000" cy="3429000"/>
           </a:xfrm>
           <a:custGeom>
-            <a:rect b="b" l="l" r="r" t="t"/>
+            <a:avLst/>
+            <a:gdLst/>
+            <a:ahLst/>
+            <a:cxnLst/>
+            <a:rect l="l" t="t" r="r" b="b"/>
             <a:pathLst>
-              <a:path extrusionOk="0" h="120000" w="120000">
+              <a:path w="120000" h="120000" extrusionOk="0">
                 <a:moveTo>
                   <a:pt x="0" y="0"/>
                 </a:moveTo>
@@ -1255,9 +1306,11 @@
       <p:sp>
         <p:nvSpPr>
           <p:cNvPr id="142" name="Google Shape;142;ga94c68aff3_0_141:notes"/>
-          <p:cNvSpPr txBox="1"/>
+          <p:cNvSpPr txBox="1">
+            <a:spLocks noGrp="1"/>
+          </p:cNvSpPr>
           <p:nvPr>
-            <p:ph idx="1" type="body"/>
+            <p:ph type="body" idx="1"/>
           </p:nvPr>
         </p:nvSpPr>
         <p:spPr>
@@ -1270,12 +1323,12 @@
           </a:prstGeom>
         </p:spPr>
         <p:txBody>
-          <a:bodyPr anchorCtr="0" anchor="t" bIns="91425" lIns="91425" spcFirstLastPara="1" rIns="91425" wrap="square" tIns="91425">
+          <a:bodyPr spcFirstLastPara="1" wrap="square" lIns="91425" tIns="91425" rIns="91425" bIns="91425" anchor="t" anchorCtr="0">
             <a:noAutofit/>
           </a:bodyPr>
           <a:lstStyle/>
           <a:p>
-            <a:pPr indent="0" lvl="0" marL="0" rtl="0" algn="l">
+            <a:pPr marL="0" lvl="0" indent="0" algn="l" rtl="0">
               <a:spcBef>
                 <a:spcPts val="0"/>
               </a:spcBef>
@@ -1284,9 +1337,6 @@
               </a:spcAft>
               <a:buNone/>
             </a:pPr>
-            <a:r>
-              <a:t/>
-            </a:r>
             <a:endParaRPr/>
           </a:p>
         </p:txBody>
@@ -1300,11 +1350,11 @@
 </file>
 
 <file path=ppt/notesSlides/notesSlide15.xml><?xml version="1.0" encoding="utf-8"?>
-<p:notes xmlns:a="http://schemas.openxmlformats.org/drawingml/2006/main" xmlns:r="http://schemas.openxmlformats.org/officeDocument/2006/relationships" xmlns:mc="http://schemas.openxmlformats.org/markup-compatibility/2006" xmlns:mv="urn:schemas-microsoft-com:mac:vml" xmlns:p="http://schemas.openxmlformats.org/presentationml/2006/main" xmlns:c="http://schemas.openxmlformats.org/drawingml/2006/chart" xmlns:dgm="http://schemas.openxmlformats.org/drawingml/2006/diagram" xmlns:o="urn:schemas-microsoft-com:office:office" xmlns:v="urn:schemas-microsoft-com:vml" xmlns:pvml="urn:schemas-microsoft-com:office:powerpoint" xmlns:com="http://schemas.openxmlformats.org/drawingml/2006/compatibility" xmlns:p14="http://schemas.microsoft.com/office/powerpoint/2010/main" xmlns:p15="http://schemas.microsoft.com/office/powerpoint/2012/main" xmlns:ahyp="http://schemas.microsoft.com/office/drawing/2018/hyperlinkcolor" showMasterPhAnim="0" showMasterSp="0">
+<p:notes xmlns:a="http://schemas.openxmlformats.org/drawingml/2006/main" xmlns:r="http://schemas.openxmlformats.org/officeDocument/2006/relationships" xmlns:p="http://schemas.openxmlformats.org/presentationml/2006/main" showMasterSp="0" showMasterPhAnim="0">
   <p:cSld>
     <p:spTree>
       <p:nvGrpSpPr>
-        <p:cNvPr id="147" name="Shape 147"/>
+        <p:cNvPr id="1" name="Shape 147"/>
         <p:cNvGrpSpPr/>
         <p:nvPr/>
       </p:nvGrpSpPr>
@@ -1319,9 +1369,11 @@
       <p:sp>
         <p:nvSpPr>
           <p:cNvPr id="148" name="Google Shape;148;ga94c68aff3_0_84:notes"/>
-          <p:cNvSpPr/>
+          <p:cNvSpPr>
+            <a:spLocks noGrp="1" noRot="1" noChangeAspect="1"/>
+          </p:cNvSpPr>
           <p:nvPr>
-            <p:ph idx="2" type="sldImg"/>
+            <p:ph type="sldImg" idx="2"/>
           </p:nvPr>
         </p:nvSpPr>
         <p:spPr>
@@ -1330,9 +1382,13 @@
             <a:ext cx="6096000" cy="3429000"/>
           </a:xfrm>
           <a:custGeom>
-            <a:rect b="b" l="l" r="r" t="t"/>
+            <a:avLst/>
+            <a:gdLst/>
+            <a:ahLst/>
+            <a:cxnLst/>
+            <a:rect l="l" t="t" r="r" b="b"/>
             <a:pathLst>
-              <a:path extrusionOk="0" h="120000" w="120000">
+              <a:path w="120000" h="120000" extrusionOk="0">
                 <a:moveTo>
                   <a:pt x="0" y="0"/>
                 </a:moveTo>
@@ -1354,9 +1410,11 @@
       <p:sp>
         <p:nvSpPr>
           <p:cNvPr id="149" name="Google Shape;149;ga94c68aff3_0_84:notes"/>
-          <p:cNvSpPr txBox="1"/>
+          <p:cNvSpPr txBox="1">
+            <a:spLocks noGrp="1"/>
+          </p:cNvSpPr>
           <p:nvPr>
-            <p:ph idx="1" type="body"/>
+            <p:ph type="body" idx="1"/>
           </p:nvPr>
         </p:nvSpPr>
         <p:spPr>
@@ -1369,12 +1427,12 @@
           </a:prstGeom>
         </p:spPr>
         <p:txBody>
-          <a:bodyPr anchorCtr="0" anchor="t" bIns="91425" lIns="91425" spcFirstLastPara="1" rIns="91425" wrap="square" tIns="91425">
+          <a:bodyPr spcFirstLastPara="1" wrap="square" lIns="91425" tIns="91425" rIns="91425" bIns="91425" anchor="t" anchorCtr="0">
             <a:noAutofit/>
           </a:bodyPr>
           <a:lstStyle/>
           <a:p>
-            <a:pPr indent="0" lvl="0" marL="0" rtl="0" algn="l">
+            <a:pPr marL="0" lvl="0" indent="0" algn="l" rtl="0">
               <a:spcBef>
                 <a:spcPts val="0"/>
               </a:spcBef>
@@ -1383,9 +1441,6 @@
               </a:spcAft>
               <a:buNone/>
             </a:pPr>
-            <a:r>
-              <a:t/>
-            </a:r>
             <a:endParaRPr/>
           </a:p>
         </p:txBody>
@@ -1399,11 +1454,11 @@
 </file>
 
 <file path=ppt/notesSlides/notesSlide16.xml><?xml version="1.0" encoding="utf-8"?>
-<p:notes xmlns:a="http://schemas.openxmlformats.org/drawingml/2006/main" xmlns:r="http://schemas.openxmlformats.org/officeDocument/2006/relationships" xmlns:mc="http://schemas.openxmlformats.org/markup-compatibility/2006" xmlns:mv="urn:schemas-microsoft-com:mac:vml" xmlns:p="http://schemas.openxmlformats.org/presentationml/2006/main" xmlns:c="http://schemas.openxmlformats.org/drawingml/2006/chart" xmlns:dgm="http://schemas.openxmlformats.org/drawingml/2006/diagram" xmlns:o="urn:schemas-microsoft-com:office:office" xmlns:v="urn:schemas-microsoft-com:vml" xmlns:pvml="urn:schemas-microsoft-com:office:powerpoint" xmlns:com="http://schemas.openxmlformats.org/drawingml/2006/compatibility" xmlns:p14="http://schemas.microsoft.com/office/powerpoint/2010/main" xmlns:p15="http://schemas.microsoft.com/office/powerpoint/2012/main" xmlns:ahyp="http://schemas.microsoft.com/office/drawing/2018/hyperlinkcolor" showMasterPhAnim="0" showMasterSp="0">
+<p:notes xmlns:a="http://schemas.openxmlformats.org/drawingml/2006/main" xmlns:r="http://schemas.openxmlformats.org/officeDocument/2006/relationships" xmlns:p="http://schemas.openxmlformats.org/presentationml/2006/main" showMasterSp="0" showMasterPhAnim="0">
   <p:cSld>
     <p:spTree>
       <p:nvGrpSpPr>
-        <p:cNvPr id="154" name="Shape 154"/>
+        <p:cNvPr id="1" name="Shape 154"/>
         <p:cNvGrpSpPr/>
         <p:nvPr/>
       </p:nvGrpSpPr>
@@ -1418,9 +1473,11 @@
       <p:sp>
         <p:nvSpPr>
           <p:cNvPr id="155" name="Google Shape;155;ga94c68aff3_0_100:notes"/>
-          <p:cNvSpPr/>
+          <p:cNvSpPr>
+            <a:spLocks noGrp="1" noRot="1" noChangeAspect="1"/>
+          </p:cNvSpPr>
           <p:nvPr>
-            <p:ph idx="2" type="sldImg"/>
+            <p:ph type="sldImg" idx="2"/>
           </p:nvPr>
         </p:nvSpPr>
         <p:spPr>
@@ -1429,9 +1486,13 @@
             <a:ext cx="6096000" cy="3429000"/>
           </a:xfrm>
           <a:custGeom>
-            <a:rect b="b" l="l" r="r" t="t"/>
+            <a:avLst/>
+            <a:gdLst/>
+            <a:ahLst/>
+            <a:cxnLst/>
+            <a:rect l="l" t="t" r="r" b="b"/>
             <a:pathLst>
-              <a:path extrusionOk="0" h="120000" w="120000">
+              <a:path w="120000" h="120000" extrusionOk="0">
                 <a:moveTo>
                   <a:pt x="0" y="0"/>
                 </a:moveTo>
@@ -1453,9 +1514,11 @@
       <p:sp>
         <p:nvSpPr>
           <p:cNvPr id="156" name="Google Shape;156;ga94c68aff3_0_100:notes"/>
-          <p:cNvSpPr txBox="1"/>
+          <p:cNvSpPr txBox="1">
+            <a:spLocks noGrp="1"/>
+          </p:cNvSpPr>
           <p:nvPr>
-            <p:ph idx="1" type="body"/>
+            <p:ph type="body" idx="1"/>
           </p:nvPr>
         </p:nvSpPr>
         <p:spPr>
@@ -1468,12 +1531,12 @@
           </a:prstGeom>
         </p:spPr>
         <p:txBody>
-          <a:bodyPr anchorCtr="0" anchor="t" bIns="91425" lIns="91425" spcFirstLastPara="1" rIns="91425" wrap="square" tIns="91425">
+          <a:bodyPr spcFirstLastPara="1" wrap="square" lIns="91425" tIns="91425" rIns="91425" bIns="91425" anchor="t" anchorCtr="0">
             <a:noAutofit/>
           </a:bodyPr>
           <a:lstStyle/>
           <a:p>
-            <a:pPr indent="0" lvl="0" marL="0" rtl="0" algn="l">
+            <a:pPr marL="0" lvl="0" indent="0" algn="l" rtl="0">
               <a:spcBef>
                 <a:spcPts val="0"/>
               </a:spcBef>
@@ -1482,9 +1545,6 @@
               </a:spcAft>
               <a:buNone/>
             </a:pPr>
-            <a:r>
-              <a:t/>
-            </a:r>
             <a:endParaRPr/>
           </a:p>
         </p:txBody>
@@ -1498,11 +1558,11 @@
 </file>
 
 <file path=ppt/notesSlides/notesSlide17.xml><?xml version="1.0" encoding="utf-8"?>
-<p:notes xmlns:a="http://schemas.openxmlformats.org/drawingml/2006/main" xmlns:r="http://schemas.openxmlformats.org/officeDocument/2006/relationships" xmlns:mc="http://schemas.openxmlformats.org/markup-compatibility/2006" xmlns:mv="urn:schemas-microsoft-com:mac:vml" xmlns:p="http://schemas.openxmlformats.org/presentationml/2006/main" xmlns:c="http://schemas.openxmlformats.org/drawingml/2006/chart" xmlns:dgm="http://schemas.openxmlformats.org/drawingml/2006/diagram" xmlns:o="urn:schemas-microsoft-com:office:office" xmlns:v="urn:schemas-microsoft-com:vml" xmlns:pvml="urn:schemas-microsoft-com:office:powerpoint" xmlns:com="http://schemas.openxmlformats.org/drawingml/2006/compatibility" xmlns:p14="http://schemas.microsoft.com/office/powerpoint/2010/main" xmlns:p15="http://schemas.microsoft.com/office/powerpoint/2012/main" xmlns:ahyp="http://schemas.microsoft.com/office/drawing/2018/hyperlinkcolor" showMasterPhAnim="0" showMasterSp="0">
+<p:notes xmlns:a="http://schemas.openxmlformats.org/drawingml/2006/main" xmlns:r="http://schemas.openxmlformats.org/officeDocument/2006/relationships" xmlns:p="http://schemas.openxmlformats.org/presentationml/2006/main" showMasterSp="0" showMasterPhAnim="0">
   <p:cSld>
     <p:spTree>
       <p:nvGrpSpPr>
-        <p:cNvPr id="161" name="Shape 161"/>
+        <p:cNvPr id="1" name="Shape 161"/>
         <p:cNvGrpSpPr/>
         <p:nvPr/>
       </p:nvGrpSpPr>
@@ -1517,9 +1577,11 @@
       <p:sp>
         <p:nvSpPr>
           <p:cNvPr id="162" name="Google Shape;162;ga94c68aff3_0_107:notes"/>
-          <p:cNvSpPr/>
+          <p:cNvSpPr>
+            <a:spLocks noGrp="1" noRot="1" noChangeAspect="1"/>
+          </p:cNvSpPr>
           <p:nvPr>
-            <p:ph idx="2" type="sldImg"/>
+            <p:ph type="sldImg" idx="2"/>
           </p:nvPr>
         </p:nvSpPr>
         <p:spPr>
@@ -1528,9 +1590,13 @@
             <a:ext cx="6096000" cy="3429000"/>
           </a:xfrm>
           <a:custGeom>
-            <a:rect b="b" l="l" r="r" t="t"/>
+            <a:avLst/>
+            <a:gdLst/>
+            <a:ahLst/>
+            <a:cxnLst/>
+            <a:rect l="l" t="t" r="r" b="b"/>
             <a:pathLst>
-              <a:path extrusionOk="0" h="120000" w="120000">
+              <a:path w="120000" h="120000" extrusionOk="0">
                 <a:moveTo>
                   <a:pt x="0" y="0"/>
                 </a:moveTo>
@@ -1552,9 +1618,11 @@
       <p:sp>
         <p:nvSpPr>
           <p:cNvPr id="163" name="Google Shape;163;ga94c68aff3_0_107:notes"/>
-          <p:cNvSpPr txBox="1"/>
+          <p:cNvSpPr txBox="1">
+            <a:spLocks noGrp="1"/>
+          </p:cNvSpPr>
           <p:nvPr>
-            <p:ph idx="1" type="body"/>
+            <p:ph type="body" idx="1"/>
           </p:nvPr>
         </p:nvSpPr>
         <p:spPr>
@@ -1567,12 +1635,12 @@
           </a:prstGeom>
         </p:spPr>
         <p:txBody>
-          <a:bodyPr anchorCtr="0" anchor="t" bIns="91425" lIns="91425" spcFirstLastPara="1" rIns="91425" wrap="square" tIns="91425">
+          <a:bodyPr spcFirstLastPara="1" wrap="square" lIns="91425" tIns="91425" rIns="91425" bIns="91425" anchor="t" anchorCtr="0">
             <a:noAutofit/>
           </a:bodyPr>
           <a:lstStyle/>
           <a:p>
-            <a:pPr indent="0" lvl="0" marL="0" rtl="0" algn="l">
+            <a:pPr marL="0" lvl="0" indent="0" algn="l" rtl="0">
               <a:spcBef>
                 <a:spcPts val="0"/>
               </a:spcBef>
@@ -1581,9 +1649,6 @@
               </a:spcAft>
               <a:buNone/>
             </a:pPr>
-            <a:r>
-              <a:t/>
-            </a:r>
             <a:endParaRPr/>
           </a:p>
         </p:txBody>
@@ -1597,11 +1662,11 @@
 </file>
 
 <file path=ppt/notesSlides/notesSlide18.xml><?xml version="1.0" encoding="utf-8"?>
-<p:notes xmlns:a="http://schemas.openxmlformats.org/drawingml/2006/main" xmlns:r="http://schemas.openxmlformats.org/officeDocument/2006/relationships" xmlns:mc="http://schemas.openxmlformats.org/markup-compatibility/2006" xmlns:mv="urn:schemas-microsoft-com:mac:vml" xmlns:p="http://schemas.openxmlformats.org/presentationml/2006/main" xmlns:c="http://schemas.openxmlformats.org/drawingml/2006/chart" xmlns:dgm="http://schemas.openxmlformats.org/drawingml/2006/diagram" xmlns:o="urn:schemas-microsoft-com:office:office" xmlns:v="urn:schemas-microsoft-com:vml" xmlns:pvml="urn:schemas-microsoft-com:office:powerpoint" xmlns:com="http://schemas.openxmlformats.org/drawingml/2006/compatibility" xmlns:p14="http://schemas.microsoft.com/office/powerpoint/2010/main" xmlns:p15="http://schemas.microsoft.com/office/powerpoint/2012/main" xmlns:ahyp="http://schemas.microsoft.com/office/drawing/2018/hyperlinkcolor" showMasterPhAnim="0" showMasterSp="0">
+<p:notes xmlns:a="http://schemas.openxmlformats.org/drawingml/2006/main" xmlns:r="http://schemas.openxmlformats.org/officeDocument/2006/relationships" xmlns:p="http://schemas.openxmlformats.org/presentationml/2006/main" showMasterSp="0" showMasterPhAnim="0">
   <p:cSld>
     <p:spTree>
       <p:nvGrpSpPr>
-        <p:cNvPr id="167" name="Shape 167"/>
+        <p:cNvPr id="1" name="Shape 167"/>
         <p:cNvGrpSpPr/>
         <p:nvPr/>
       </p:nvGrpSpPr>
@@ -1616,9 +1681,11 @@
       <p:sp>
         <p:nvSpPr>
           <p:cNvPr id="168" name="Google Shape;168;ga94c68aff3_0_113:notes"/>
-          <p:cNvSpPr/>
+          <p:cNvSpPr>
+            <a:spLocks noGrp="1" noRot="1" noChangeAspect="1"/>
+          </p:cNvSpPr>
           <p:nvPr>
-            <p:ph idx="2" type="sldImg"/>
+            <p:ph type="sldImg" idx="2"/>
           </p:nvPr>
         </p:nvSpPr>
         <p:spPr>
@@ -1627,9 +1694,13 @@
             <a:ext cx="6096000" cy="3429000"/>
           </a:xfrm>
           <a:custGeom>
-            <a:rect b="b" l="l" r="r" t="t"/>
+            <a:avLst/>
+            <a:gdLst/>
+            <a:ahLst/>
+            <a:cxnLst/>
+            <a:rect l="l" t="t" r="r" b="b"/>
             <a:pathLst>
-              <a:path extrusionOk="0" h="120000" w="120000">
+              <a:path w="120000" h="120000" extrusionOk="0">
                 <a:moveTo>
                   <a:pt x="0" y="0"/>
                 </a:moveTo>
@@ -1651,9 +1722,11 @@
       <p:sp>
         <p:nvSpPr>
           <p:cNvPr id="169" name="Google Shape;169;ga94c68aff3_0_113:notes"/>
-          <p:cNvSpPr txBox="1"/>
+          <p:cNvSpPr txBox="1">
+            <a:spLocks noGrp="1"/>
+          </p:cNvSpPr>
           <p:nvPr>
-            <p:ph idx="1" type="body"/>
+            <p:ph type="body" idx="1"/>
           </p:nvPr>
         </p:nvSpPr>
         <p:spPr>
@@ -1666,12 +1739,12 @@
           </a:prstGeom>
         </p:spPr>
         <p:txBody>
-          <a:bodyPr anchorCtr="0" anchor="t" bIns="91425" lIns="91425" spcFirstLastPara="1" rIns="91425" wrap="square" tIns="91425">
+          <a:bodyPr spcFirstLastPara="1" wrap="square" lIns="91425" tIns="91425" rIns="91425" bIns="91425" anchor="t" anchorCtr="0">
             <a:noAutofit/>
           </a:bodyPr>
           <a:lstStyle/>
           <a:p>
-            <a:pPr indent="0" lvl="0" marL="0" rtl="0" algn="l">
+            <a:pPr marL="0" lvl="0" indent="0" algn="l" rtl="0">
               <a:spcBef>
                 <a:spcPts val="0"/>
               </a:spcBef>
@@ -1680,9 +1753,6 @@
               </a:spcAft>
               <a:buNone/>
             </a:pPr>
-            <a:r>
-              <a:t/>
-            </a:r>
             <a:endParaRPr/>
           </a:p>
         </p:txBody>
@@ -1696,11 +1766,11 @@
 </file>
 
 <file path=ppt/notesSlides/notesSlide19.xml><?xml version="1.0" encoding="utf-8"?>
-<p:notes xmlns:a="http://schemas.openxmlformats.org/drawingml/2006/main" xmlns:r="http://schemas.openxmlformats.org/officeDocument/2006/relationships" xmlns:mc="http://schemas.openxmlformats.org/markup-compatibility/2006" xmlns:mv="urn:schemas-microsoft-com:mac:vml" xmlns:p="http://schemas.openxmlformats.org/presentationml/2006/main" xmlns:c="http://schemas.openxmlformats.org/drawingml/2006/chart" xmlns:dgm="http://schemas.openxmlformats.org/drawingml/2006/diagram" xmlns:o="urn:schemas-microsoft-com:office:office" xmlns:v="urn:schemas-microsoft-com:vml" xmlns:pvml="urn:schemas-microsoft-com:office:powerpoint" xmlns:com="http://schemas.openxmlformats.org/drawingml/2006/compatibility" xmlns:p14="http://schemas.microsoft.com/office/powerpoint/2010/main" xmlns:p15="http://schemas.microsoft.com/office/powerpoint/2012/main" xmlns:ahyp="http://schemas.microsoft.com/office/drawing/2018/hyperlinkcolor" showMasterPhAnim="0" showMasterSp="0">
+<p:notes xmlns:a="http://schemas.openxmlformats.org/drawingml/2006/main" xmlns:r="http://schemas.openxmlformats.org/officeDocument/2006/relationships" xmlns:p="http://schemas.openxmlformats.org/presentationml/2006/main" showMasterSp="0" showMasterPhAnim="0">
   <p:cSld>
     <p:spTree>
       <p:nvGrpSpPr>
-        <p:cNvPr id="174" name="Shape 174"/>
+        <p:cNvPr id="1" name="Shape 174"/>
         <p:cNvGrpSpPr/>
         <p:nvPr/>
       </p:nvGrpSpPr>
@@ -1715,9 +1785,11 @@
       <p:sp>
         <p:nvSpPr>
           <p:cNvPr id="175" name="Google Shape;175;ga94c68aff3_0_119:notes"/>
-          <p:cNvSpPr/>
+          <p:cNvSpPr>
+            <a:spLocks noGrp="1" noRot="1" noChangeAspect="1"/>
+          </p:cNvSpPr>
           <p:nvPr>
-            <p:ph idx="2" type="sldImg"/>
+            <p:ph type="sldImg" idx="2"/>
           </p:nvPr>
         </p:nvSpPr>
         <p:spPr>
@@ -1726,9 +1798,13 @@
             <a:ext cx="6096000" cy="3429000"/>
           </a:xfrm>
           <a:custGeom>
-            <a:rect b="b" l="l" r="r" t="t"/>
+            <a:avLst/>
+            <a:gdLst/>
+            <a:ahLst/>
+            <a:cxnLst/>
+            <a:rect l="l" t="t" r="r" b="b"/>
             <a:pathLst>
-              <a:path extrusionOk="0" h="120000" w="120000">
+              <a:path w="120000" h="120000" extrusionOk="0">
                 <a:moveTo>
                   <a:pt x="0" y="0"/>
                 </a:moveTo>
@@ -1750,9 +1826,11 @@
       <p:sp>
         <p:nvSpPr>
           <p:cNvPr id="176" name="Google Shape;176;ga94c68aff3_0_119:notes"/>
-          <p:cNvSpPr txBox="1"/>
+          <p:cNvSpPr txBox="1">
+            <a:spLocks noGrp="1"/>
+          </p:cNvSpPr>
           <p:nvPr>
-            <p:ph idx="1" type="body"/>
+            <p:ph type="body" idx="1"/>
           </p:nvPr>
         </p:nvSpPr>
         <p:spPr>
@@ -1765,12 +1843,12 @@
           </a:prstGeom>
         </p:spPr>
         <p:txBody>
-          <a:bodyPr anchorCtr="0" anchor="t" bIns="91425" lIns="91425" spcFirstLastPara="1" rIns="91425" wrap="square" tIns="91425">
+          <a:bodyPr spcFirstLastPara="1" wrap="square" lIns="91425" tIns="91425" rIns="91425" bIns="91425" anchor="t" anchorCtr="0">
             <a:noAutofit/>
           </a:bodyPr>
           <a:lstStyle/>
           <a:p>
-            <a:pPr indent="0" lvl="0" marL="0" rtl="0" algn="l">
+            <a:pPr marL="0" lvl="0" indent="0" algn="l" rtl="0">
               <a:spcBef>
                 <a:spcPts val="0"/>
               </a:spcBef>
@@ -1779,9 +1857,6 @@
               </a:spcAft>
               <a:buNone/>
             </a:pPr>
-            <a:r>
-              <a:t/>
-            </a:r>
             <a:endParaRPr/>
           </a:p>
         </p:txBody>
@@ -1795,11 +1870,11 @@
 </file>
 
 <file path=ppt/notesSlides/notesSlide2.xml><?xml version="1.0" encoding="utf-8"?>
-<p:notes xmlns:a="http://schemas.openxmlformats.org/drawingml/2006/main" xmlns:r="http://schemas.openxmlformats.org/officeDocument/2006/relationships" xmlns:mc="http://schemas.openxmlformats.org/markup-compatibility/2006" xmlns:mv="urn:schemas-microsoft-com:mac:vml" xmlns:p="http://schemas.openxmlformats.org/presentationml/2006/main" xmlns:c="http://schemas.openxmlformats.org/drawingml/2006/chart" xmlns:dgm="http://schemas.openxmlformats.org/drawingml/2006/diagram" xmlns:o="urn:schemas-microsoft-com:office:office" xmlns:v="urn:schemas-microsoft-com:vml" xmlns:pvml="urn:schemas-microsoft-com:office:powerpoint" xmlns:com="http://schemas.openxmlformats.org/drawingml/2006/compatibility" xmlns:p14="http://schemas.microsoft.com/office/powerpoint/2010/main" xmlns:p15="http://schemas.microsoft.com/office/powerpoint/2012/main" xmlns:ahyp="http://schemas.microsoft.com/office/drawing/2018/hyperlinkcolor" showMasterPhAnim="0" showMasterSp="0">
+<p:notes xmlns:a="http://schemas.openxmlformats.org/drawingml/2006/main" xmlns:r="http://schemas.openxmlformats.org/officeDocument/2006/relationships" xmlns:p="http://schemas.openxmlformats.org/presentationml/2006/main" showMasterSp="0" showMasterPhAnim="0">
   <p:cSld>
     <p:spTree>
       <p:nvGrpSpPr>
-        <p:cNvPr id="56" name="Shape 56"/>
+        <p:cNvPr id="1" name="Shape 56"/>
         <p:cNvGrpSpPr/>
         <p:nvPr/>
       </p:nvGrpSpPr>
@@ -1814,9 +1889,11 @@
       <p:sp>
         <p:nvSpPr>
           <p:cNvPr id="57" name="Google Shape;57;ga94c68aff3_0_5:notes"/>
-          <p:cNvSpPr/>
+          <p:cNvSpPr>
+            <a:spLocks noGrp="1" noRot="1" noChangeAspect="1"/>
+          </p:cNvSpPr>
           <p:nvPr>
-            <p:ph idx="2" type="sldImg"/>
+            <p:ph type="sldImg" idx="2"/>
           </p:nvPr>
         </p:nvSpPr>
         <p:spPr>
@@ -1825,9 +1902,13 @@
             <a:ext cx="6096000" cy="3429000"/>
           </a:xfrm>
           <a:custGeom>
-            <a:rect b="b" l="l" r="r" t="t"/>
+            <a:avLst/>
+            <a:gdLst/>
+            <a:ahLst/>
+            <a:cxnLst/>
+            <a:rect l="l" t="t" r="r" b="b"/>
             <a:pathLst>
-              <a:path extrusionOk="0" h="120000" w="120000">
+              <a:path w="120000" h="120000" extrusionOk="0">
                 <a:moveTo>
                   <a:pt x="0" y="0"/>
                 </a:moveTo>
@@ -1849,9 +1930,11 @@
       <p:sp>
         <p:nvSpPr>
           <p:cNvPr id="58" name="Google Shape;58;ga94c68aff3_0_5:notes"/>
-          <p:cNvSpPr txBox="1"/>
+          <p:cNvSpPr txBox="1">
+            <a:spLocks noGrp="1"/>
+          </p:cNvSpPr>
           <p:nvPr>
-            <p:ph idx="1" type="body"/>
+            <p:ph type="body" idx="1"/>
           </p:nvPr>
         </p:nvSpPr>
         <p:spPr>
@@ -1864,12 +1947,12 @@
           </a:prstGeom>
         </p:spPr>
         <p:txBody>
-          <a:bodyPr anchorCtr="0" anchor="t" bIns="91425" lIns="91425" spcFirstLastPara="1" rIns="91425" wrap="square" tIns="91425">
+          <a:bodyPr spcFirstLastPara="1" wrap="square" lIns="91425" tIns="91425" rIns="91425" bIns="91425" anchor="t" anchorCtr="0">
             <a:noAutofit/>
           </a:bodyPr>
           <a:lstStyle/>
           <a:p>
-            <a:pPr indent="0" lvl="0" marL="0" rtl="0" algn="l">
+            <a:pPr marL="0" lvl="0" indent="0" algn="l" rtl="0">
               <a:spcBef>
                 <a:spcPts val="0"/>
               </a:spcBef>
@@ -1878,9 +1961,6 @@
               </a:spcAft>
               <a:buNone/>
             </a:pPr>
-            <a:r>
-              <a:t/>
-            </a:r>
             <a:endParaRPr/>
           </a:p>
         </p:txBody>
@@ -1894,11 +1974,11 @@
 </file>
 
 <file path=ppt/notesSlides/notesSlide20.xml><?xml version="1.0" encoding="utf-8"?>
-<p:notes xmlns:a="http://schemas.openxmlformats.org/drawingml/2006/main" xmlns:r="http://schemas.openxmlformats.org/officeDocument/2006/relationships" xmlns:mc="http://schemas.openxmlformats.org/markup-compatibility/2006" xmlns:mv="urn:schemas-microsoft-com:mac:vml" xmlns:p="http://schemas.openxmlformats.org/presentationml/2006/main" xmlns:c="http://schemas.openxmlformats.org/drawingml/2006/chart" xmlns:dgm="http://schemas.openxmlformats.org/drawingml/2006/diagram" xmlns:o="urn:schemas-microsoft-com:office:office" xmlns:v="urn:schemas-microsoft-com:vml" xmlns:pvml="urn:schemas-microsoft-com:office:powerpoint" xmlns:com="http://schemas.openxmlformats.org/drawingml/2006/compatibility" xmlns:p14="http://schemas.microsoft.com/office/powerpoint/2010/main" xmlns:p15="http://schemas.microsoft.com/office/powerpoint/2012/main" xmlns:ahyp="http://schemas.microsoft.com/office/drawing/2018/hyperlinkcolor" showMasterPhAnim="0" showMasterSp="0">
+<p:notes xmlns:a="http://schemas.openxmlformats.org/drawingml/2006/main" xmlns:r="http://schemas.openxmlformats.org/officeDocument/2006/relationships" xmlns:p="http://schemas.openxmlformats.org/presentationml/2006/main" showMasterSp="0" showMasterPhAnim="0">
   <p:cSld>
     <p:spTree>
       <p:nvGrpSpPr>
-        <p:cNvPr id="181" name="Shape 181"/>
+        <p:cNvPr id="1" name="Shape 181"/>
         <p:cNvGrpSpPr/>
         <p:nvPr/>
       </p:nvGrpSpPr>
@@ -1913,20 +1993,26 @@
       <p:sp>
         <p:nvSpPr>
           <p:cNvPr id="182" name="Google Shape;182;ga94c68aff3_0_126:notes"/>
-          <p:cNvSpPr/>
+          <p:cNvSpPr>
+            <a:spLocks noGrp="1" noRot="1" noChangeAspect="1"/>
+          </p:cNvSpPr>
           <p:nvPr>
-            <p:ph idx="2" type="sldImg"/>
+            <p:ph type="sldImg" idx="2"/>
           </p:nvPr>
         </p:nvSpPr>
         <p:spPr>
           <a:xfrm>
-            <a:off x="381300" y="685800"/>
+            <a:off x="381000" y="685800"/>
             <a:ext cx="6096000" cy="3429000"/>
           </a:xfrm>
           <a:custGeom>
-            <a:rect b="b" l="l" r="r" t="t"/>
+            <a:avLst/>
+            <a:gdLst/>
+            <a:ahLst/>
+            <a:cxnLst/>
+            <a:rect l="l" t="t" r="r" b="b"/>
             <a:pathLst>
-              <a:path extrusionOk="0" h="120000" w="120000">
+              <a:path w="120000" h="120000" extrusionOk="0">
                 <a:moveTo>
                   <a:pt x="0" y="0"/>
                 </a:moveTo>
@@ -1948,9 +2034,11 @@
       <p:sp>
         <p:nvSpPr>
           <p:cNvPr id="183" name="Google Shape;183;ga94c68aff3_0_126:notes"/>
-          <p:cNvSpPr txBox="1"/>
+          <p:cNvSpPr txBox="1">
+            <a:spLocks noGrp="1"/>
+          </p:cNvSpPr>
           <p:nvPr>
-            <p:ph idx="1" type="body"/>
+            <p:ph type="body" idx="1"/>
           </p:nvPr>
         </p:nvSpPr>
         <p:spPr>
@@ -1963,12 +2051,12 @@
           </a:prstGeom>
         </p:spPr>
         <p:txBody>
-          <a:bodyPr anchorCtr="0" anchor="t" bIns="91425" lIns="91425" spcFirstLastPara="1" rIns="91425" wrap="square" tIns="91425">
+          <a:bodyPr spcFirstLastPara="1" wrap="square" lIns="91425" tIns="91425" rIns="91425" bIns="91425" anchor="t" anchorCtr="0">
             <a:noAutofit/>
           </a:bodyPr>
           <a:lstStyle/>
           <a:p>
-            <a:pPr indent="0" lvl="0" marL="0" rtl="0" algn="l">
+            <a:pPr marL="0" lvl="0" indent="0" algn="l" rtl="0">
               <a:spcBef>
                 <a:spcPts val="0"/>
               </a:spcBef>
@@ -1977,9 +2065,6 @@
               </a:spcAft>
               <a:buNone/>
             </a:pPr>
-            <a:r>
-              <a:t/>
-            </a:r>
             <a:endParaRPr/>
           </a:p>
         </p:txBody>
@@ -1993,11 +2078,11 @@
 </file>
 
 <file path=ppt/notesSlides/notesSlide3.xml><?xml version="1.0" encoding="utf-8"?>
-<p:notes xmlns:a="http://schemas.openxmlformats.org/drawingml/2006/main" xmlns:r="http://schemas.openxmlformats.org/officeDocument/2006/relationships" xmlns:mc="http://schemas.openxmlformats.org/markup-compatibility/2006" xmlns:mv="urn:schemas-microsoft-com:mac:vml" xmlns:p="http://schemas.openxmlformats.org/presentationml/2006/main" xmlns:c="http://schemas.openxmlformats.org/drawingml/2006/chart" xmlns:dgm="http://schemas.openxmlformats.org/drawingml/2006/diagram" xmlns:o="urn:schemas-microsoft-com:office:office" xmlns:v="urn:schemas-microsoft-com:vml" xmlns:pvml="urn:schemas-microsoft-com:office:powerpoint" xmlns:com="http://schemas.openxmlformats.org/drawingml/2006/compatibility" xmlns:p14="http://schemas.microsoft.com/office/powerpoint/2010/main" xmlns:p15="http://schemas.microsoft.com/office/powerpoint/2012/main" xmlns:ahyp="http://schemas.microsoft.com/office/drawing/2018/hyperlinkcolor" showMasterPhAnim="0" showMasterSp="0">
+<p:notes xmlns:a="http://schemas.openxmlformats.org/drawingml/2006/main" xmlns:r="http://schemas.openxmlformats.org/officeDocument/2006/relationships" xmlns:p="http://schemas.openxmlformats.org/presentationml/2006/main" showMasterSp="0" showMasterPhAnim="0">
   <p:cSld>
     <p:spTree>
       <p:nvGrpSpPr>
-        <p:cNvPr id="63" name="Shape 63"/>
+        <p:cNvPr id="1" name="Shape 63"/>
         <p:cNvGrpSpPr/>
         <p:nvPr/>
       </p:nvGrpSpPr>
@@ -2012,9 +2097,11 @@
       <p:sp>
         <p:nvSpPr>
           <p:cNvPr id="64" name="Google Shape;64;ga94c68aff3_0_0:notes"/>
-          <p:cNvSpPr/>
+          <p:cNvSpPr>
+            <a:spLocks noGrp="1" noRot="1" noChangeAspect="1"/>
+          </p:cNvSpPr>
           <p:nvPr>
-            <p:ph idx="2" type="sldImg"/>
+            <p:ph type="sldImg" idx="2"/>
           </p:nvPr>
         </p:nvSpPr>
         <p:spPr>
@@ -2023,9 +2110,13 @@
             <a:ext cx="6096000" cy="3429000"/>
           </a:xfrm>
           <a:custGeom>
-            <a:rect b="b" l="l" r="r" t="t"/>
+            <a:avLst/>
+            <a:gdLst/>
+            <a:ahLst/>
+            <a:cxnLst/>
+            <a:rect l="l" t="t" r="r" b="b"/>
             <a:pathLst>
-              <a:path extrusionOk="0" h="120000" w="120000">
+              <a:path w="120000" h="120000" extrusionOk="0">
                 <a:moveTo>
                   <a:pt x="0" y="0"/>
                 </a:moveTo>
@@ -2047,9 +2138,11 @@
       <p:sp>
         <p:nvSpPr>
           <p:cNvPr id="65" name="Google Shape;65;ga94c68aff3_0_0:notes"/>
-          <p:cNvSpPr txBox="1"/>
+          <p:cNvSpPr txBox="1">
+            <a:spLocks noGrp="1"/>
+          </p:cNvSpPr>
           <p:nvPr>
-            <p:ph idx="1" type="body"/>
+            <p:ph type="body" idx="1"/>
           </p:nvPr>
         </p:nvSpPr>
         <p:spPr>
@@ -2062,12 +2155,12 @@
           </a:prstGeom>
         </p:spPr>
         <p:txBody>
-          <a:bodyPr anchorCtr="0" anchor="t" bIns="91425" lIns="91425" spcFirstLastPara="1" rIns="91425" wrap="square" tIns="91425">
+          <a:bodyPr spcFirstLastPara="1" wrap="square" lIns="91425" tIns="91425" rIns="91425" bIns="91425" anchor="t" anchorCtr="0">
             <a:noAutofit/>
           </a:bodyPr>
           <a:lstStyle/>
           <a:p>
-            <a:pPr indent="0" lvl="0" marL="0" rtl="0" algn="l">
+            <a:pPr marL="0" lvl="0" indent="0" algn="l" rtl="0">
               <a:spcBef>
                 <a:spcPts val="0"/>
               </a:spcBef>
@@ -2076,9 +2169,6 @@
               </a:spcAft>
               <a:buNone/>
             </a:pPr>
-            <a:r>
-              <a:t/>
-            </a:r>
             <a:endParaRPr/>
           </a:p>
         </p:txBody>
@@ -2092,11 +2182,11 @@
 </file>
 
 <file path=ppt/notesSlides/notesSlide4.xml><?xml version="1.0" encoding="utf-8"?>
-<p:notes xmlns:a="http://schemas.openxmlformats.org/drawingml/2006/main" xmlns:r="http://schemas.openxmlformats.org/officeDocument/2006/relationships" xmlns:mc="http://schemas.openxmlformats.org/markup-compatibility/2006" xmlns:mv="urn:schemas-microsoft-com:mac:vml" xmlns:p="http://schemas.openxmlformats.org/presentationml/2006/main" xmlns:c="http://schemas.openxmlformats.org/drawingml/2006/chart" xmlns:dgm="http://schemas.openxmlformats.org/drawingml/2006/diagram" xmlns:o="urn:schemas-microsoft-com:office:office" xmlns:v="urn:schemas-microsoft-com:vml" xmlns:pvml="urn:schemas-microsoft-com:office:powerpoint" xmlns:com="http://schemas.openxmlformats.org/drawingml/2006/compatibility" xmlns:p14="http://schemas.microsoft.com/office/powerpoint/2010/main" xmlns:p15="http://schemas.microsoft.com/office/powerpoint/2012/main" xmlns:ahyp="http://schemas.microsoft.com/office/drawing/2018/hyperlinkcolor" showMasterPhAnim="0" showMasterSp="0">
+<p:notes xmlns:a="http://schemas.openxmlformats.org/drawingml/2006/main" xmlns:r="http://schemas.openxmlformats.org/officeDocument/2006/relationships" xmlns:p="http://schemas.openxmlformats.org/presentationml/2006/main" showMasterSp="0" showMasterPhAnim="0">
   <p:cSld>
     <p:spTree>
       <p:nvGrpSpPr>
-        <p:cNvPr id="70" name="Shape 70"/>
+        <p:cNvPr id="1" name="Shape 70"/>
         <p:cNvGrpSpPr/>
         <p:nvPr/>
       </p:nvGrpSpPr>
@@ -2111,9 +2201,11 @@
       <p:sp>
         <p:nvSpPr>
           <p:cNvPr id="71" name="Google Shape;71;ga94c68aff3_0_14:notes"/>
-          <p:cNvSpPr/>
+          <p:cNvSpPr>
+            <a:spLocks noGrp="1" noRot="1" noChangeAspect="1"/>
+          </p:cNvSpPr>
           <p:nvPr>
-            <p:ph idx="2" type="sldImg"/>
+            <p:ph type="sldImg" idx="2"/>
           </p:nvPr>
         </p:nvSpPr>
         <p:spPr>
@@ -2122,9 +2214,13 @@
             <a:ext cx="6096000" cy="3429000"/>
           </a:xfrm>
           <a:custGeom>
-            <a:rect b="b" l="l" r="r" t="t"/>
+            <a:avLst/>
+            <a:gdLst/>
+            <a:ahLst/>
+            <a:cxnLst/>
+            <a:rect l="l" t="t" r="r" b="b"/>
             <a:pathLst>
-              <a:path extrusionOk="0" h="120000" w="120000">
+              <a:path w="120000" h="120000" extrusionOk="0">
                 <a:moveTo>
                   <a:pt x="0" y="0"/>
                 </a:moveTo>
@@ -2146,9 +2242,11 @@
       <p:sp>
         <p:nvSpPr>
           <p:cNvPr id="72" name="Google Shape;72;ga94c68aff3_0_14:notes"/>
-          <p:cNvSpPr txBox="1"/>
+          <p:cNvSpPr txBox="1">
+            <a:spLocks noGrp="1"/>
+          </p:cNvSpPr>
           <p:nvPr>
-            <p:ph idx="1" type="body"/>
+            <p:ph type="body" idx="1"/>
           </p:nvPr>
         </p:nvSpPr>
         <p:spPr>
@@ -2161,12 +2259,12 @@
           </a:prstGeom>
         </p:spPr>
         <p:txBody>
-          <a:bodyPr anchorCtr="0" anchor="t" bIns="91425" lIns="91425" spcFirstLastPara="1" rIns="91425" wrap="square" tIns="91425">
+          <a:bodyPr spcFirstLastPara="1" wrap="square" lIns="91425" tIns="91425" rIns="91425" bIns="91425" anchor="t" anchorCtr="0">
             <a:noAutofit/>
           </a:bodyPr>
           <a:lstStyle/>
           <a:p>
-            <a:pPr indent="0" lvl="0" marL="0" rtl="0" algn="l">
+            <a:pPr marL="0" lvl="0" indent="0" algn="l" rtl="0">
               <a:spcBef>
                 <a:spcPts val="0"/>
               </a:spcBef>
@@ -2175,9 +2273,6 @@
               </a:spcAft>
               <a:buNone/>
             </a:pPr>
-            <a:r>
-              <a:t/>
-            </a:r>
             <a:endParaRPr/>
           </a:p>
         </p:txBody>
@@ -2191,11 +2286,11 @@
 </file>
 
 <file path=ppt/notesSlides/notesSlide5.xml><?xml version="1.0" encoding="utf-8"?>
-<p:notes xmlns:a="http://schemas.openxmlformats.org/drawingml/2006/main" xmlns:r="http://schemas.openxmlformats.org/officeDocument/2006/relationships" xmlns:mc="http://schemas.openxmlformats.org/markup-compatibility/2006" xmlns:mv="urn:schemas-microsoft-com:mac:vml" xmlns:p="http://schemas.openxmlformats.org/presentationml/2006/main" xmlns:c="http://schemas.openxmlformats.org/drawingml/2006/chart" xmlns:dgm="http://schemas.openxmlformats.org/drawingml/2006/diagram" xmlns:o="urn:schemas-microsoft-com:office:office" xmlns:v="urn:schemas-microsoft-com:vml" xmlns:pvml="urn:schemas-microsoft-com:office:powerpoint" xmlns:com="http://schemas.openxmlformats.org/drawingml/2006/compatibility" xmlns:p14="http://schemas.microsoft.com/office/powerpoint/2010/main" xmlns:p15="http://schemas.microsoft.com/office/powerpoint/2012/main" xmlns:ahyp="http://schemas.microsoft.com/office/drawing/2018/hyperlinkcolor" showMasterPhAnim="0" showMasterSp="0">
+<p:notes xmlns:a="http://schemas.openxmlformats.org/drawingml/2006/main" xmlns:r="http://schemas.openxmlformats.org/officeDocument/2006/relationships" xmlns:p="http://schemas.openxmlformats.org/presentationml/2006/main" showMasterSp="0" showMasterPhAnim="0">
   <p:cSld>
     <p:spTree>
       <p:nvGrpSpPr>
-        <p:cNvPr id="77" name="Shape 77"/>
+        <p:cNvPr id="1" name="Shape 77"/>
         <p:cNvGrpSpPr/>
         <p:nvPr/>
       </p:nvGrpSpPr>
@@ -2210,9 +2305,11 @@
       <p:sp>
         <p:nvSpPr>
           <p:cNvPr id="78" name="Google Shape;78;ga94c68aff3_0_24:notes"/>
-          <p:cNvSpPr/>
+          <p:cNvSpPr>
+            <a:spLocks noGrp="1" noRot="1" noChangeAspect="1"/>
+          </p:cNvSpPr>
           <p:nvPr>
-            <p:ph idx="2" type="sldImg"/>
+            <p:ph type="sldImg" idx="2"/>
           </p:nvPr>
         </p:nvSpPr>
         <p:spPr>
@@ -2221,9 +2318,13 @@
             <a:ext cx="6096000" cy="3429000"/>
           </a:xfrm>
           <a:custGeom>
-            <a:rect b="b" l="l" r="r" t="t"/>
+            <a:avLst/>
+            <a:gdLst/>
+            <a:ahLst/>
+            <a:cxnLst/>
+            <a:rect l="l" t="t" r="r" b="b"/>
             <a:pathLst>
-              <a:path extrusionOk="0" h="120000" w="120000">
+              <a:path w="120000" h="120000" extrusionOk="0">
                 <a:moveTo>
                   <a:pt x="0" y="0"/>
                 </a:moveTo>
@@ -2245,9 +2346,11 @@
       <p:sp>
         <p:nvSpPr>
           <p:cNvPr id="79" name="Google Shape;79;ga94c68aff3_0_24:notes"/>
-          <p:cNvSpPr txBox="1"/>
+          <p:cNvSpPr txBox="1">
+            <a:spLocks noGrp="1"/>
+          </p:cNvSpPr>
           <p:nvPr>
-            <p:ph idx="1" type="body"/>
+            <p:ph type="body" idx="1"/>
           </p:nvPr>
         </p:nvSpPr>
         <p:spPr>
@@ -2260,12 +2363,12 @@
           </a:prstGeom>
         </p:spPr>
         <p:txBody>
-          <a:bodyPr anchorCtr="0" anchor="t" bIns="91425" lIns="91425" spcFirstLastPara="1" rIns="91425" wrap="square" tIns="91425">
+          <a:bodyPr spcFirstLastPara="1" wrap="square" lIns="91425" tIns="91425" rIns="91425" bIns="91425" anchor="t" anchorCtr="0">
             <a:noAutofit/>
           </a:bodyPr>
           <a:lstStyle/>
           <a:p>
-            <a:pPr indent="0" lvl="0" marL="0" rtl="0" algn="l">
+            <a:pPr marL="0" lvl="0" indent="0" algn="l" rtl="0">
               <a:spcBef>
                 <a:spcPts val="0"/>
               </a:spcBef>
@@ -2274,9 +2377,6 @@
               </a:spcAft>
               <a:buNone/>
             </a:pPr>
-            <a:r>
-              <a:t/>
-            </a:r>
             <a:endParaRPr/>
           </a:p>
         </p:txBody>
@@ -2290,11 +2390,11 @@
 </file>
 
 <file path=ppt/notesSlides/notesSlide6.xml><?xml version="1.0" encoding="utf-8"?>
-<p:notes xmlns:a="http://schemas.openxmlformats.org/drawingml/2006/main" xmlns:r="http://schemas.openxmlformats.org/officeDocument/2006/relationships" xmlns:mc="http://schemas.openxmlformats.org/markup-compatibility/2006" xmlns:mv="urn:schemas-microsoft-com:mac:vml" xmlns:p="http://schemas.openxmlformats.org/presentationml/2006/main" xmlns:c="http://schemas.openxmlformats.org/drawingml/2006/chart" xmlns:dgm="http://schemas.openxmlformats.org/drawingml/2006/diagram" xmlns:o="urn:schemas-microsoft-com:office:office" xmlns:v="urn:schemas-microsoft-com:vml" xmlns:pvml="urn:schemas-microsoft-com:office:powerpoint" xmlns:com="http://schemas.openxmlformats.org/drawingml/2006/compatibility" xmlns:p14="http://schemas.microsoft.com/office/powerpoint/2010/main" xmlns:p15="http://schemas.microsoft.com/office/powerpoint/2012/main" xmlns:ahyp="http://schemas.microsoft.com/office/drawing/2018/hyperlinkcolor" showMasterPhAnim="0" showMasterSp="0">
+<p:notes xmlns:a="http://schemas.openxmlformats.org/drawingml/2006/main" xmlns:r="http://schemas.openxmlformats.org/officeDocument/2006/relationships" xmlns:p="http://schemas.openxmlformats.org/presentationml/2006/main" showMasterSp="0" showMasterPhAnim="0">
   <p:cSld>
     <p:spTree>
       <p:nvGrpSpPr>
-        <p:cNvPr id="84" name="Shape 84"/>
+        <p:cNvPr id="1" name="Shape 84"/>
         <p:cNvGrpSpPr/>
         <p:nvPr/>
       </p:nvGrpSpPr>
@@ -2309,9 +2409,11 @@
       <p:sp>
         <p:nvSpPr>
           <p:cNvPr id="85" name="Google Shape;85;ga94c68aff3_0_33:notes"/>
-          <p:cNvSpPr/>
+          <p:cNvSpPr>
+            <a:spLocks noGrp="1" noRot="1" noChangeAspect="1"/>
+          </p:cNvSpPr>
           <p:nvPr>
-            <p:ph idx="2" type="sldImg"/>
+            <p:ph type="sldImg" idx="2"/>
           </p:nvPr>
         </p:nvSpPr>
         <p:spPr>
@@ -2320,9 +2422,13 @@
             <a:ext cx="6096000" cy="3429000"/>
           </a:xfrm>
           <a:custGeom>
-            <a:rect b="b" l="l" r="r" t="t"/>
+            <a:avLst/>
+            <a:gdLst/>
+            <a:ahLst/>
+            <a:cxnLst/>
+            <a:rect l="l" t="t" r="r" b="b"/>
             <a:pathLst>
-              <a:path extrusionOk="0" h="120000" w="120000">
+              <a:path w="120000" h="120000" extrusionOk="0">
                 <a:moveTo>
                   <a:pt x="0" y="0"/>
                 </a:moveTo>
@@ -2344,9 +2450,11 @@
       <p:sp>
         <p:nvSpPr>
           <p:cNvPr id="86" name="Google Shape;86;ga94c68aff3_0_33:notes"/>
-          <p:cNvSpPr txBox="1"/>
+          <p:cNvSpPr txBox="1">
+            <a:spLocks noGrp="1"/>
+          </p:cNvSpPr>
           <p:nvPr>
-            <p:ph idx="1" type="body"/>
+            <p:ph type="body" idx="1"/>
           </p:nvPr>
         </p:nvSpPr>
         <p:spPr>
@@ -2359,12 +2467,12 @@
           </a:prstGeom>
         </p:spPr>
         <p:txBody>
-          <a:bodyPr anchorCtr="0" anchor="t" bIns="91425" lIns="91425" spcFirstLastPara="1" rIns="91425" wrap="square" tIns="91425">
+          <a:bodyPr spcFirstLastPara="1" wrap="square" lIns="91425" tIns="91425" rIns="91425" bIns="91425" anchor="t" anchorCtr="0">
             <a:noAutofit/>
           </a:bodyPr>
           <a:lstStyle/>
           <a:p>
-            <a:pPr indent="0" lvl="0" marL="0" rtl="0" algn="l">
+            <a:pPr marL="0" lvl="0" indent="0" algn="l" rtl="0">
               <a:spcBef>
                 <a:spcPts val="0"/>
               </a:spcBef>
@@ -2373,9 +2481,6 @@
               </a:spcAft>
               <a:buNone/>
             </a:pPr>
-            <a:r>
-              <a:t/>
-            </a:r>
             <a:endParaRPr/>
           </a:p>
         </p:txBody>
@@ -2389,11 +2494,11 @@
 </file>
 
 <file path=ppt/notesSlides/notesSlide7.xml><?xml version="1.0" encoding="utf-8"?>
-<p:notes xmlns:a="http://schemas.openxmlformats.org/drawingml/2006/main" xmlns:r="http://schemas.openxmlformats.org/officeDocument/2006/relationships" xmlns:mc="http://schemas.openxmlformats.org/markup-compatibility/2006" xmlns:mv="urn:schemas-microsoft-com:mac:vml" xmlns:p="http://schemas.openxmlformats.org/presentationml/2006/main" xmlns:c="http://schemas.openxmlformats.org/drawingml/2006/chart" xmlns:dgm="http://schemas.openxmlformats.org/drawingml/2006/diagram" xmlns:o="urn:schemas-microsoft-com:office:office" xmlns:v="urn:schemas-microsoft-com:vml" xmlns:pvml="urn:schemas-microsoft-com:office:powerpoint" xmlns:com="http://schemas.openxmlformats.org/drawingml/2006/compatibility" xmlns:p14="http://schemas.microsoft.com/office/powerpoint/2010/main" xmlns:p15="http://schemas.microsoft.com/office/powerpoint/2012/main" xmlns:ahyp="http://schemas.microsoft.com/office/drawing/2018/hyperlinkcolor" showMasterPhAnim="0" showMasterSp="0">
+<p:notes xmlns:a="http://schemas.openxmlformats.org/drawingml/2006/main" xmlns:r="http://schemas.openxmlformats.org/officeDocument/2006/relationships" xmlns:p="http://schemas.openxmlformats.org/presentationml/2006/main" showMasterSp="0" showMasterPhAnim="0">
   <p:cSld>
     <p:spTree>
       <p:nvGrpSpPr>
-        <p:cNvPr id="91" name="Shape 91"/>
+        <p:cNvPr id="1" name="Shape 91"/>
         <p:cNvGrpSpPr/>
         <p:nvPr/>
       </p:nvGrpSpPr>
@@ -2408,9 +2513,11 @@
       <p:sp>
         <p:nvSpPr>
           <p:cNvPr id="92" name="Google Shape;92;ga94c68aff3_0_39:notes"/>
-          <p:cNvSpPr/>
+          <p:cNvSpPr>
+            <a:spLocks noGrp="1" noRot="1" noChangeAspect="1"/>
+          </p:cNvSpPr>
           <p:nvPr>
-            <p:ph idx="2" type="sldImg"/>
+            <p:ph type="sldImg" idx="2"/>
           </p:nvPr>
         </p:nvSpPr>
         <p:spPr>
@@ -2419,9 +2526,13 @@
             <a:ext cx="6096000" cy="3429000"/>
           </a:xfrm>
           <a:custGeom>
-            <a:rect b="b" l="l" r="r" t="t"/>
+            <a:avLst/>
+            <a:gdLst/>
+            <a:ahLst/>
+            <a:cxnLst/>
+            <a:rect l="l" t="t" r="r" b="b"/>
             <a:pathLst>
-              <a:path extrusionOk="0" h="120000" w="120000">
+              <a:path w="120000" h="120000" extrusionOk="0">
                 <a:moveTo>
                   <a:pt x="0" y="0"/>
                 </a:moveTo>
@@ -2443,9 +2554,11 @@
       <p:sp>
         <p:nvSpPr>
           <p:cNvPr id="93" name="Google Shape;93;ga94c68aff3_0_39:notes"/>
-          <p:cNvSpPr txBox="1"/>
+          <p:cNvSpPr txBox="1">
+            <a:spLocks noGrp="1"/>
+          </p:cNvSpPr>
           <p:nvPr>
-            <p:ph idx="1" type="body"/>
+            <p:ph type="body" idx="1"/>
           </p:nvPr>
         </p:nvSpPr>
         <p:spPr>
@@ -2458,12 +2571,12 @@
           </a:prstGeom>
         </p:spPr>
         <p:txBody>
-          <a:bodyPr anchorCtr="0" anchor="t" bIns="91425" lIns="91425" spcFirstLastPara="1" rIns="91425" wrap="square" tIns="91425">
+          <a:bodyPr spcFirstLastPara="1" wrap="square" lIns="91425" tIns="91425" rIns="91425" bIns="91425" anchor="t" anchorCtr="0">
             <a:noAutofit/>
           </a:bodyPr>
           <a:lstStyle/>
           <a:p>
-            <a:pPr indent="0" lvl="0" marL="0" rtl="0" algn="l">
+            <a:pPr marL="0" lvl="0" indent="0" algn="l" rtl="0">
               <a:spcBef>
                 <a:spcPts val="0"/>
               </a:spcBef>
@@ -2472,9 +2585,6 @@
               </a:spcAft>
               <a:buNone/>
             </a:pPr>
-            <a:r>
-              <a:t/>
-            </a:r>
             <a:endParaRPr/>
           </a:p>
         </p:txBody>
@@ -2488,11 +2598,11 @@
 </file>
 
 <file path=ppt/notesSlides/notesSlide8.xml><?xml version="1.0" encoding="utf-8"?>
-<p:notes xmlns:a="http://schemas.openxmlformats.org/drawingml/2006/main" xmlns:r="http://schemas.openxmlformats.org/officeDocument/2006/relationships" xmlns:mc="http://schemas.openxmlformats.org/markup-compatibility/2006" xmlns:mv="urn:schemas-microsoft-com:mac:vml" xmlns:p="http://schemas.openxmlformats.org/presentationml/2006/main" xmlns:c="http://schemas.openxmlformats.org/drawingml/2006/chart" xmlns:dgm="http://schemas.openxmlformats.org/drawingml/2006/diagram" xmlns:o="urn:schemas-microsoft-com:office:office" xmlns:v="urn:schemas-microsoft-com:vml" xmlns:pvml="urn:schemas-microsoft-com:office:powerpoint" xmlns:com="http://schemas.openxmlformats.org/drawingml/2006/compatibility" xmlns:p14="http://schemas.microsoft.com/office/powerpoint/2010/main" xmlns:p15="http://schemas.microsoft.com/office/powerpoint/2012/main" xmlns:ahyp="http://schemas.microsoft.com/office/drawing/2018/hyperlinkcolor" showMasterPhAnim="0" showMasterSp="0">
+<p:notes xmlns:a="http://schemas.openxmlformats.org/drawingml/2006/main" xmlns:r="http://schemas.openxmlformats.org/officeDocument/2006/relationships" xmlns:p="http://schemas.openxmlformats.org/presentationml/2006/main" showMasterSp="0" showMasterPhAnim="0">
   <p:cSld>
     <p:spTree>
       <p:nvGrpSpPr>
-        <p:cNvPr id="97" name="Shape 97"/>
+        <p:cNvPr id="1" name="Shape 97"/>
         <p:cNvGrpSpPr/>
         <p:nvPr/>
       </p:nvGrpSpPr>
@@ -2507,9 +2617,11 @@
       <p:sp>
         <p:nvSpPr>
           <p:cNvPr id="98" name="Google Shape;98;ga94c68aff3_0_46:notes"/>
-          <p:cNvSpPr/>
+          <p:cNvSpPr>
+            <a:spLocks noGrp="1" noRot="1" noChangeAspect="1"/>
+          </p:cNvSpPr>
           <p:nvPr>
-            <p:ph idx="2" type="sldImg"/>
+            <p:ph type="sldImg" idx="2"/>
           </p:nvPr>
         </p:nvSpPr>
         <p:spPr>
@@ -2518,9 +2630,13 @@
             <a:ext cx="6096000" cy="3429000"/>
           </a:xfrm>
           <a:custGeom>
-            <a:rect b="b" l="l" r="r" t="t"/>
+            <a:avLst/>
+            <a:gdLst/>
+            <a:ahLst/>
+            <a:cxnLst/>
+            <a:rect l="l" t="t" r="r" b="b"/>
             <a:pathLst>
-              <a:path extrusionOk="0" h="120000" w="120000">
+              <a:path w="120000" h="120000" extrusionOk="0">
                 <a:moveTo>
                   <a:pt x="0" y="0"/>
                 </a:moveTo>
@@ -2542,9 +2658,11 @@
       <p:sp>
         <p:nvSpPr>
           <p:cNvPr id="99" name="Google Shape;99;ga94c68aff3_0_46:notes"/>
-          <p:cNvSpPr txBox="1"/>
+          <p:cNvSpPr txBox="1">
+            <a:spLocks noGrp="1"/>
+          </p:cNvSpPr>
           <p:nvPr>
-            <p:ph idx="1" type="body"/>
+            <p:ph type="body" idx="1"/>
           </p:nvPr>
         </p:nvSpPr>
         <p:spPr>
@@ -2557,12 +2675,12 @@
           </a:prstGeom>
         </p:spPr>
         <p:txBody>
-          <a:bodyPr anchorCtr="0" anchor="t" bIns="91425" lIns="91425" spcFirstLastPara="1" rIns="91425" wrap="square" tIns="91425">
+          <a:bodyPr spcFirstLastPara="1" wrap="square" lIns="91425" tIns="91425" rIns="91425" bIns="91425" anchor="t" anchorCtr="0">
             <a:noAutofit/>
           </a:bodyPr>
           <a:lstStyle/>
           <a:p>
-            <a:pPr indent="0" lvl="0" marL="0" rtl="0" algn="l">
+            <a:pPr marL="0" lvl="0" indent="0" algn="l" rtl="0">
               <a:spcBef>
                 <a:spcPts val="0"/>
               </a:spcBef>
@@ -2571,9 +2689,6 @@
               </a:spcAft>
               <a:buNone/>
             </a:pPr>
-            <a:r>
-              <a:t/>
-            </a:r>
             <a:endParaRPr/>
           </a:p>
         </p:txBody>
@@ -2587,11 +2702,11 @@
 </file>
 
 <file path=ppt/notesSlides/notesSlide9.xml><?xml version="1.0" encoding="utf-8"?>
-<p:notes xmlns:a="http://schemas.openxmlformats.org/drawingml/2006/main" xmlns:r="http://schemas.openxmlformats.org/officeDocument/2006/relationships" xmlns:mc="http://schemas.openxmlformats.org/markup-compatibility/2006" xmlns:mv="urn:schemas-microsoft-com:mac:vml" xmlns:p="http://schemas.openxmlformats.org/presentationml/2006/main" xmlns:c="http://schemas.openxmlformats.org/drawingml/2006/chart" xmlns:dgm="http://schemas.openxmlformats.org/drawingml/2006/diagram" xmlns:o="urn:schemas-microsoft-com:office:office" xmlns:v="urn:schemas-microsoft-com:vml" xmlns:pvml="urn:schemas-microsoft-com:office:powerpoint" xmlns:com="http://schemas.openxmlformats.org/drawingml/2006/compatibility" xmlns:p14="http://schemas.microsoft.com/office/powerpoint/2010/main" xmlns:p15="http://schemas.microsoft.com/office/powerpoint/2012/main" xmlns:ahyp="http://schemas.microsoft.com/office/drawing/2018/hyperlinkcolor" showMasterPhAnim="0" showMasterSp="0">
+<p:notes xmlns:a="http://schemas.openxmlformats.org/drawingml/2006/main" xmlns:r="http://schemas.openxmlformats.org/officeDocument/2006/relationships" xmlns:p="http://schemas.openxmlformats.org/presentationml/2006/main" showMasterSp="0" showMasterPhAnim="0">
   <p:cSld>
     <p:spTree>
       <p:nvGrpSpPr>
-        <p:cNvPr id="104" name="Shape 104"/>
+        <p:cNvPr id="1" name="Shape 104"/>
         <p:cNvGrpSpPr/>
         <p:nvPr/>
       </p:nvGrpSpPr>
@@ -2606,9 +2721,11 @@
       <p:sp>
         <p:nvSpPr>
           <p:cNvPr id="105" name="Google Shape;105;ga94c68aff3_0_53:notes"/>
-          <p:cNvSpPr/>
+          <p:cNvSpPr>
+            <a:spLocks noGrp="1" noRot="1" noChangeAspect="1"/>
+          </p:cNvSpPr>
           <p:nvPr>
-            <p:ph idx="2" type="sldImg"/>
+            <p:ph type="sldImg" idx="2"/>
           </p:nvPr>
         </p:nvSpPr>
         <p:spPr>
@@ -2617,9 +2734,13 @@
             <a:ext cx="6096000" cy="3429000"/>
           </a:xfrm>
           <a:custGeom>
-            <a:rect b="b" l="l" r="r" t="t"/>
+            <a:avLst/>
+            <a:gdLst/>
+            <a:ahLst/>
+            <a:cxnLst/>
+            <a:rect l="l" t="t" r="r" b="b"/>
             <a:pathLst>
-              <a:path extrusionOk="0" h="120000" w="120000">
+              <a:path w="120000" h="120000" extrusionOk="0">
                 <a:moveTo>
                   <a:pt x="0" y="0"/>
                 </a:moveTo>
@@ -2641,9 +2762,11 @@
       <p:sp>
         <p:nvSpPr>
           <p:cNvPr id="106" name="Google Shape;106;ga94c68aff3_0_53:notes"/>
-          <p:cNvSpPr txBox="1"/>
+          <p:cNvSpPr txBox="1">
+            <a:spLocks noGrp="1"/>
+          </p:cNvSpPr>
           <p:nvPr>
-            <p:ph idx="1" type="body"/>
+            <p:ph type="body" idx="1"/>
           </p:nvPr>
         </p:nvSpPr>
         <p:spPr>
@@ -2656,12 +2779,12 @@
           </a:prstGeom>
         </p:spPr>
         <p:txBody>
-          <a:bodyPr anchorCtr="0" anchor="t" bIns="91425" lIns="91425" spcFirstLastPara="1" rIns="91425" wrap="square" tIns="91425">
+          <a:bodyPr spcFirstLastPara="1" wrap="square" lIns="91425" tIns="91425" rIns="91425" bIns="91425" anchor="t" anchorCtr="0">
             <a:noAutofit/>
           </a:bodyPr>
           <a:lstStyle/>
           <a:p>
-            <a:pPr indent="0" lvl="0" marL="0" rtl="0" algn="l">
+            <a:pPr marL="0" lvl="0" indent="0" algn="l" rtl="0">
               <a:spcBef>
                 <a:spcPts val="0"/>
               </a:spcBef>
@@ -2670,9 +2793,6 @@
               </a:spcAft>
               <a:buNone/>
             </a:pPr>
-            <a:r>
-              <a:t/>
-            </a:r>
             <a:endParaRPr/>
           </a:p>
         </p:txBody>
@@ -2686,11 +2806,11 @@
 </file>
 
 <file path=ppt/slideLayouts/slideLayout1.xml><?xml version="1.0" encoding="utf-8"?>
-<p:sldLayout xmlns:a="http://schemas.openxmlformats.org/drawingml/2006/main" xmlns:r="http://schemas.openxmlformats.org/officeDocument/2006/relationships" xmlns:mc="http://schemas.openxmlformats.org/markup-compatibility/2006" xmlns:mv="urn:schemas-microsoft-com:mac:vml" xmlns:p="http://schemas.openxmlformats.org/presentationml/2006/main" xmlns:c="http://schemas.openxmlformats.org/drawingml/2006/chart" xmlns:dgm="http://schemas.openxmlformats.org/drawingml/2006/diagram" xmlns:o="urn:schemas-microsoft-com:office:office" xmlns:v="urn:schemas-microsoft-com:vml" xmlns:pvml="urn:schemas-microsoft-com:office:powerpoint" xmlns:com="http://schemas.openxmlformats.org/drawingml/2006/compatibility" xmlns:p14="http://schemas.microsoft.com/office/powerpoint/2010/main" xmlns:p15="http://schemas.microsoft.com/office/powerpoint/2012/main" xmlns:ahyp="http://schemas.microsoft.com/office/drawing/2018/hyperlinkcolor" matchingName="Title slide" type="title">
+<p:sldLayout xmlns:a="http://schemas.openxmlformats.org/drawingml/2006/main" xmlns:r="http://schemas.openxmlformats.org/officeDocument/2006/relationships" xmlns:p="http://schemas.openxmlformats.org/presentationml/2006/main" matchingName="Title slide" type="title">
   <p:cSld name="TITLE">
     <p:spTree>
       <p:nvGrpSpPr>
-        <p:cNvPr id="9" name="Shape 9"/>
+        <p:cNvPr id="1" name="Shape 9"/>
         <p:cNvGrpSpPr/>
         <p:nvPr/>
       </p:nvGrpSpPr>
@@ -2705,7 +2825,9 @@
       <p:sp>
         <p:nvSpPr>
           <p:cNvPr id="10" name="Google Shape;10;p2"/>
-          <p:cNvSpPr txBox="1"/>
+          <p:cNvSpPr txBox="1">
+            <a:spLocks noGrp="1"/>
+          </p:cNvSpPr>
           <p:nvPr>
             <p:ph type="ctrTitle"/>
           </p:nvPr>
@@ -2720,7 +2842,7 @@
           </a:prstGeom>
         </p:spPr>
         <p:txBody>
-          <a:bodyPr anchorCtr="0" anchor="b" bIns="91425" lIns="91425" spcFirstLastPara="1" rIns="91425" wrap="square" tIns="91425">
+          <a:bodyPr spcFirstLastPara="1" wrap="square" lIns="91425" tIns="91425" rIns="91425" bIns="91425" anchor="b" anchorCtr="0">
             <a:noAutofit/>
           </a:bodyPr>
           <a:lstStyle>
@@ -2824,15 +2946,19 @@
               <a:defRPr sz="5200"/>
             </a:lvl9pPr>
           </a:lstStyle>
-          <a:p/>
+          <a:p>
+            <a:endParaRPr/>
+          </a:p>
         </p:txBody>
       </p:sp>
       <p:sp>
         <p:nvSpPr>
           <p:cNvPr id="11" name="Google Shape;11;p2"/>
-          <p:cNvSpPr txBox="1"/>
+          <p:cNvSpPr txBox="1">
+            <a:spLocks noGrp="1"/>
+          </p:cNvSpPr>
           <p:nvPr>
-            <p:ph idx="1" type="subTitle"/>
+            <p:ph type="subTitle" idx="1"/>
           </p:nvPr>
         </p:nvSpPr>
         <p:spPr>
@@ -2845,7 +2971,7 @@
           </a:prstGeom>
         </p:spPr>
         <p:txBody>
-          <a:bodyPr anchorCtr="0" anchor="t" bIns="91425" lIns="91425" spcFirstLastPara="1" rIns="91425" wrap="square" tIns="91425">
+          <a:bodyPr spcFirstLastPara="1" wrap="square" lIns="91425" tIns="91425" rIns="91425" bIns="91425" anchor="t" anchorCtr="0">
             <a:noAutofit/>
           </a:bodyPr>
           <a:lstStyle>
@@ -2976,15 +3102,19 @@
               <a:defRPr sz="2800"/>
             </a:lvl9pPr>
           </a:lstStyle>
-          <a:p/>
+          <a:p>
+            <a:endParaRPr/>
+          </a:p>
         </p:txBody>
       </p:sp>
       <p:sp>
         <p:nvSpPr>
           <p:cNvPr id="12" name="Google Shape;12;p2"/>
-          <p:cNvSpPr txBox="1"/>
+          <p:cNvSpPr txBox="1">
+            <a:spLocks noGrp="1"/>
+          </p:cNvSpPr>
           <p:nvPr>
-            <p:ph idx="12" type="sldNum"/>
+            <p:ph type="sldNum" idx="12"/>
           </p:nvPr>
         </p:nvSpPr>
         <p:spPr>
@@ -2997,7 +3127,7 @@
           </a:prstGeom>
         </p:spPr>
         <p:txBody>
-          <a:bodyPr anchorCtr="0" anchor="ctr" bIns="91425" lIns="91425" spcFirstLastPara="1" rIns="91425" wrap="square" tIns="91425">
+          <a:bodyPr spcFirstLastPara="1" wrap="square" lIns="91425" tIns="91425" rIns="91425" bIns="91425" anchor="ctr" anchorCtr="0">
             <a:noAutofit/>
           </a:bodyPr>
           <a:lstStyle>
@@ -3039,7 +3169,7 @@
             </a:lvl9pPr>
           </a:lstStyle>
           <a:p>
-            <a:pPr indent="0" lvl="0" marL="0" rtl="0" algn="r">
+            <a:pPr marL="0" lvl="0" indent="0" algn="r" rtl="0">
               <a:spcBef>
                 <a:spcPts val="0"/>
               </a:spcBef>
@@ -3065,11 +3195,11 @@
 </file>
 
 <file path=ppt/slideLayouts/slideLayout10.xml><?xml version="1.0" encoding="utf-8"?>
-<p:sldLayout xmlns:a="http://schemas.openxmlformats.org/drawingml/2006/main" xmlns:r="http://schemas.openxmlformats.org/officeDocument/2006/relationships" xmlns:mc="http://schemas.openxmlformats.org/markup-compatibility/2006" xmlns:mv="urn:schemas-microsoft-com:mac:vml" xmlns:p="http://schemas.openxmlformats.org/presentationml/2006/main" xmlns:c="http://schemas.openxmlformats.org/drawingml/2006/chart" xmlns:dgm="http://schemas.openxmlformats.org/drawingml/2006/diagram" xmlns:o="urn:schemas-microsoft-com:office:office" xmlns:v="urn:schemas-microsoft-com:vml" xmlns:pvml="urn:schemas-microsoft-com:office:powerpoint" xmlns:com="http://schemas.openxmlformats.org/drawingml/2006/compatibility" xmlns:p14="http://schemas.microsoft.com/office/powerpoint/2010/main" xmlns:p15="http://schemas.microsoft.com/office/powerpoint/2012/main" xmlns:ahyp="http://schemas.microsoft.com/office/drawing/2018/hyperlinkcolor" matchingName="Big number">
+<p:sldLayout xmlns:a="http://schemas.openxmlformats.org/drawingml/2006/main" xmlns:r="http://schemas.openxmlformats.org/officeDocument/2006/relationships" xmlns:p="http://schemas.openxmlformats.org/presentationml/2006/main" matchingName="Big number">
   <p:cSld name="BIG_NUMBER">
     <p:spTree>
       <p:nvGrpSpPr>
-        <p:cNvPr id="44" name="Shape 44"/>
+        <p:cNvPr id="1" name="Shape 44"/>
         <p:cNvGrpSpPr/>
         <p:nvPr/>
       </p:nvGrpSpPr>
@@ -3084,9 +3214,11 @@
       <p:sp>
         <p:nvSpPr>
           <p:cNvPr id="45" name="Google Shape;45;p11"/>
-          <p:cNvSpPr txBox="1"/>
+          <p:cNvSpPr txBox="1">
+            <a:spLocks noGrp="1"/>
+          </p:cNvSpPr>
           <p:nvPr>
-            <p:ph hasCustomPrompt="1" type="title"/>
+            <p:ph type="title" hasCustomPrompt="1"/>
           </p:nvPr>
         </p:nvSpPr>
         <p:spPr>
@@ -3099,7 +3231,7 @@
           </a:prstGeom>
         </p:spPr>
         <p:txBody>
-          <a:bodyPr anchorCtr="0" anchor="b" bIns="91425" lIns="91425" spcFirstLastPara="1" rIns="91425" wrap="square" tIns="91425">
+          <a:bodyPr spcFirstLastPara="1" wrap="square" lIns="91425" tIns="91425" rIns="91425" bIns="91425" anchor="b" anchorCtr="0">
             <a:noAutofit/>
           </a:bodyPr>
           <a:lstStyle>
@@ -3213,9 +3345,11 @@
       <p:sp>
         <p:nvSpPr>
           <p:cNvPr id="46" name="Google Shape;46;p11"/>
-          <p:cNvSpPr txBox="1"/>
+          <p:cNvSpPr txBox="1">
+            <a:spLocks noGrp="1"/>
+          </p:cNvSpPr>
           <p:nvPr>
-            <p:ph idx="1" type="body"/>
+            <p:ph type="body" idx="1"/>
           </p:nvPr>
         </p:nvSpPr>
         <p:spPr>
@@ -3228,11 +3362,11 @@
           </a:prstGeom>
         </p:spPr>
         <p:txBody>
-          <a:bodyPr anchorCtr="0" anchor="t" bIns="91425" lIns="91425" spcFirstLastPara="1" rIns="91425" wrap="square" tIns="91425">
+          <a:bodyPr spcFirstLastPara="1" wrap="square" lIns="91425" tIns="91425" rIns="91425" bIns="91425" anchor="t" anchorCtr="0">
             <a:noAutofit/>
           </a:bodyPr>
           <a:lstStyle>
-            <a:lvl1pPr indent="-342900" lvl="0" marL="457200" algn="ctr">
+            <a:lvl1pPr marL="457200" lvl="0" indent="-342900" algn="ctr">
               <a:spcBef>
                 <a:spcPts val="0"/>
               </a:spcBef>
@@ -3243,7 +3377,7 @@
               <a:buChar char="●"/>
               <a:defRPr/>
             </a:lvl1pPr>
-            <a:lvl2pPr indent="-317500" lvl="1" marL="914400" algn="ctr">
+            <a:lvl2pPr marL="914400" lvl="1" indent="-317500" algn="ctr">
               <a:spcBef>
                 <a:spcPts val="1600"/>
               </a:spcBef>
@@ -3254,7 +3388,7 @@
               <a:buChar char="○"/>
               <a:defRPr/>
             </a:lvl2pPr>
-            <a:lvl3pPr indent="-317500" lvl="2" marL="1371600" algn="ctr">
+            <a:lvl3pPr marL="1371600" lvl="2" indent="-317500" algn="ctr">
               <a:spcBef>
                 <a:spcPts val="1600"/>
               </a:spcBef>
@@ -3265,7 +3399,7 @@
               <a:buChar char="■"/>
               <a:defRPr/>
             </a:lvl3pPr>
-            <a:lvl4pPr indent="-317500" lvl="3" marL="1828800" algn="ctr">
+            <a:lvl4pPr marL="1828800" lvl="3" indent="-317500" algn="ctr">
               <a:spcBef>
                 <a:spcPts val="1600"/>
               </a:spcBef>
@@ -3276,7 +3410,7 @@
               <a:buChar char="●"/>
               <a:defRPr/>
             </a:lvl4pPr>
-            <a:lvl5pPr indent="-317500" lvl="4" marL="2286000" algn="ctr">
+            <a:lvl5pPr marL="2286000" lvl="4" indent="-317500" algn="ctr">
               <a:spcBef>
                 <a:spcPts val="1600"/>
               </a:spcBef>
@@ -3287,7 +3421,7 @@
               <a:buChar char="○"/>
               <a:defRPr/>
             </a:lvl5pPr>
-            <a:lvl6pPr indent="-317500" lvl="5" marL="2743200" algn="ctr">
+            <a:lvl6pPr marL="2743200" lvl="5" indent="-317500" algn="ctr">
               <a:spcBef>
                 <a:spcPts val="1600"/>
               </a:spcBef>
@@ -3298,7 +3432,7 @@
               <a:buChar char="■"/>
               <a:defRPr/>
             </a:lvl6pPr>
-            <a:lvl7pPr indent="-317500" lvl="6" marL="3200400" algn="ctr">
+            <a:lvl7pPr marL="3200400" lvl="6" indent="-317500" algn="ctr">
               <a:spcBef>
                 <a:spcPts val="1600"/>
               </a:spcBef>
@@ -3309,7 +3443,7 @@
               <a:buChar char="●"/>
               <a:defRPr/>
             </a:lvl7pPr>
-            <a:lvl8pPr indent="-317500" lvl="7" marL="3657600" algn="ctr">
+            <a:lvl8pPr marL="3657600" lvl="7" indent="-317500" algn="ctr">
               <a:spcBef>
                 <a:spcPts val="1600"/>
               </a:spcBef>
@@ -3320,7 +3454,7 @@
               <a:buChar char="○"/>
               <a:defRPr/>
             </a:lvl8pPr>
-            <a:lvl9pPr indent="-317500" lvl="8" marL="4114800" algn="ctr">
+            <a:lvl9pPr marL="4114800" lvl="8" indent="-317500" algn="ctr">
               <a:spcBef>
                 <a:spcPts val="1600"/>
               </a:spcBef>
@@ -3332,15 +3466,19 @@
               <a:defRPr/>
             </a:lvl9pPr>
           </a:lstStyle>
-          <a:p/>
+          <a:p>
+            <a:endParaRPr/>
+          </a:p>
         </p:txBody>
       </p:sp>
       <p:sp>
         <p:nvSpPr>
           <p:cNvPr id="47" name="Google Shape;47;p11"/>
-          <p:cNvSpPr txBox="1"/>
+          <p:cNvSpPr txBox="1">
+            <a:spLocks noGrp="1"/>
+          </p:cNvSpPr>
           <p:nvPr>
-            <p:ph idx="12" type="sldNum"/>
+            <p:ph type="sldNum" idx="12"/>
           </p:nvPr>
         </p:nvSpPr>
         <p:spPr>
@@ -3353,7 +3491,7 @@
           </a:prstGeom>
         </p:spPr>
         <p:txBody>
-          <a:bodyPr anchorCtr="0" anchor="ctr" bIns="91425" lIns="91425" spcFirstLastPara="1" rIns="91425" wrap="square" tIns="91425">
+          <a:bodyPr spcFirstLastPara="1" wrap="square" lIns="91425" tIns="91425" rIns="91425" bIns="91425" anchor="ctr" anchorCtr="0">
             <a:noAutofit/>
           </a:bodyPr>
           <a:lstStyle>
@@ -3395,7 +3533,7 @@
             </a:lvl9pPr>
           </a:lstStyle>
           <a:p>
-            <a:pPr indent="0" lvl="0" marL="0" rtl="0" algn="r">
+            <a:pPr marL="0" lvl="0" indent="0" algn="r" rtl="0">
               <a:spcBef>
                 <a:spcPts val="0"/>
               </a:spcBef>
@@ -3421,11 +3559,11 @@
 </file>
 
 <file path=ppt/slideLayouts/slideLayout11.xml><?xml version="1.0" encoding="utf-8"?>
-<p:sldLayout xmlns:a="http://schemas.openxmlformats.org/drawingml/2006/main" xmlns:r="http://schemas.openxmlformats.org/officeDocument/2006/relationships" xmlns:mc="http://schemas.openxmlformats.org/markup-compatibility/2006" xmlns:mv="urn:schemas-microsoft-com:mac:vml" xmlns:p="http://schemas.openxmlformats.org/presentationml/2006/main" xmlns:c="http://schemas.openxmlformats.org/drawingml/2006/chart" xmlns:dgm="http://schemas.openxmlformats.org/drawingml/2006/diagram" xmlns:o="urn:schemas-microsoft-com:office:office" xmlns:v="urn:schemas-microsoft-com:vml" xmlns:pvml="urn:schemas-microsoft-com:office:powerpoint" xmlns:com="http://schemas.openxmlformats.org/drawingml/2006/compatibility" xmlns:p14="http://schemas.microsoft.com/office/powerpoint/2010/main" xmlns:p15="http://schemas.microsoft.com/office/powerpoint/2012/main" xmlns:ahyp="http://schemas.microsoft.com/office/drawing/2018/hyperlinkcolor" matchingName="Blank" type="blank">
+<p:sldLayout xmlns:a="http://schemas.openxmlformats.org/drawingml/2006/main" xmlns:r="http://schemas.openxmlformats.org/officeDocument/2006/relationships" xmlns:p="http://schemas.openxmlformats.org/presentationml/2006/main" matchingName="Blank" type="blank">
   <p:cSld name="BLANK">
     <p:spTree>
       <p:nvGrpSpPr>
-        <p:cNvPr id="48" name="Shape 48"/>
+        <p:cNvPr id="1" name="Shape 48"/>
         <p:cNvGrpSpPr/>
         <p:nvPr/>
       </p:nvGrpSpPr>
@@ -3440,9 +3578,11 @@
       <p:sp>
         <p:nvSpPr>
           <p:cNvPr id="49" name="Google Shape;49;p12"/>
-          <p:cNvSpPr txBox="1"/>
+          <p:cNvSpPr txBox="1">
+            <a:spLocks noGrp="1"/>
+          </p:cNvSpPr>
           <p:nvPr>
-            <p:ph idx="12" type="sldNum"/>
+            <p:ph type="sldNum" idx="12"/>
           </p:nvPr>
         </p:nvSpPr>
         <p:spPr>
@@ -3455,7 +3595,7 @@
           </a:prstGeom>
         </p:spPr>
         <p:txBody>
-          <a:bodyPr anchorCtr="0" anchor="ctr" bIns="91425" lIns="91425" spcFirstLastPara="1" rIns="91425" wrap="square" tIns="91425">
+          <a:bodyPr spcFirstLastPara="1" wrap="square" lIns="91425" tIns="91425" rIns="91425" bIns="91425" anchor="ctr" anchorCtr="0">
             <a:noAutofit/>
           </a:bodyPr>
           <a:lstStyle>
@@ -3497,7 +3637,7 @@
             </a:lvl9pPr>
           </a:lstStyle>
           <a:p>
-            <a:pPr indent="0" lvl="0" marL="0" rtl="0" algn="r">
+            <a:pPr marL="0" lvl="0" indent="0" algn="r" rtl="0">
               <a:spcBef>
                 <a:spcPts val="0"/>
               </a:spcBef>
@@ -3523,11 +3663,11 @@
 </file>
 
 <file path=ppt/slideLayouts/slideLayout2.xml><?xml version="1.0" encoding="utf-8"?>
-<p:sldLayout xmlns:a="http://schemas.openxmlformats.org/drawingml/2006/main" xmlns:r="http://schemas.openxmlformats.org/officeDocument/2006/relationships" xmlns:mc="http://schemas.openxmlformats.org/markup-compatibility/2006" xmlns:mv="urn:schemas-microsoft-com:mac:vml" xmlns:p="http://schemas.openxmlformats.org/presentationml/2006/main" xmlns:c="http://schemas.openxmlformats.org/drawingml/2006/chart" xmlns:dgm="http://schemas.openxmlformats.org/drawingml/2006/diagram" xmlns:o="urn:schemas-microsoft-com:office:office" xmlns:v="urn:schemas-microsoft-com:vml" xmlns:pvml="urn:schemas-microsoft-com:office:powerpoint" xmlns:com="http://schemas.openxmlformats.org/drawingml/2006/compatibility" xmlns:p14="http://schemas.microsoft.com/office/powerpoint/2010/main" xmlns:p15="http://schemas.microsoft.com/office/powerpoint/2012/main" xmlns:ahyp="http://schemas.microsoft.com/office/drawing/2018/hyperlinkcolor" matchingName="Section header" type="secHead">
+<p:sldLayout xmlns:a="http://schemas.openxmlformats.org/drawingml/2006/main" xmlns:r="http://schemas.openxmlformats.org/officeDocument/2006/relationships" xmlns:p="http://schemas.openxmlformats.org/presentationml/2006/main" matchingName="Section header" type="secHead">
   <p:cSld name="SECTION_HEADER">
     <p:spTree>
       <p:nvGrpSpPr>
-        <p:cNvPr id="13" name="Shape 13"/>
+        <p:cNvPr id="1" name="Shape 13"/>
         <p:cNvGrpSpPr/>
         <p:nvPr/>
       </p:nvGrpSpPr>
@@ -3542,7 +3682,9 @@
       <p:sp>
         <p:nvSpPr>
           <p:cNvPr id="14" name="Google Shape;14;p3"/>
-          <p:cNvSpPr txBox="1"/>
+          <p:cNvSpPr txBox="1">
+            <a:spLocks noGrp="1"/>
+          </p:cNvSpPr>
           <p:nvPr>
             <p:ph type="title"/>
           </p:nvPr>
@@ -3557,7 +3699,7 @@
           </a:prstGeom>
         </p:spPr>
         <p:txBody>
-          <a:bodyPr anchorCtr="0" anchor="ctr" bIns="91425" lIns="91425" spcFirstLastPara="1" rIns="91425" wrap="square" tIns="91425">
+          <a:bodyPr spcFirstLastPara="1" wrap="square" lIns="91425" tIns="91425" rIns="91425" bIns="91425" anchor="ctr" anchorCtr="0">
             <a:noAutofit/>
           </a:bodyPr>
           <a:lstStyle>
@@ -3661,15 +3803,19 @@
               <a:defRPr sz="3600"/>
             </a:lvl9pPr>
           </a:lstStyle>
-          <a:p/>
+          <a:p>
+            <a:endParaRPr/>
+          </a:p>
         </p:txBody>
       </p:sp>
       <p:sp>
         <p:nvSpPr>
           <p:cNvPr id="15" name="Google Shape;15;p3"/>
-          <p:cNvSpPr txBox="1"/>
+          <p:cNvSpPr txBox="1">
+            <a:spLocks noGrp="1"/>
+          </p:cNvSpPr>
           <p:nvPr>
-            <p:ph idx="12" type="sldNum"/>
+            <p:ph type="sldNum" idx="12"/>
           </p:nvPr>
         </p:nvSpPr>
         <p:spPr>
@@ -3682,7 +3828,7 @@
           </a:prstGeom>
         </p:spPr>
         <p:txBody>
-          <a:bodyPr anchorCtr="0" anchor="ctr" bIns="91425" lIns="91425" spcFirstLastPara="1" rIns="91425" wrap="square" tIns="91425">
+          <a:bodyPr spcFirstLastPara="1" wrap="square" lIns="91425" tIns="91425" rIns="91425" bIns="91425" anchor="ctr" anchorCtr="0">
             <a:noAutofit/>
           </a:bodyPr>
           <a:lstStyle>
@@ -3724,7 +3870,7 @@
             </a:lvl9pPr>
           </a:lstStyle>
           <a:p>
-            <a:pPr indent="0" lvl="0" marL="0" rtl="0" algn="r">
+            <a:pPr marL="0" lvl="0" indent="0" algn="r" rtl="0">
               <a:spcBef>
                 <a:spcPts val="0"/>
               </a:spcBef>
@@ -3750,11 +3896,11 @@
 </file>
 
 <file path=ppt/slideLayouts/slideLayout3.xml><?xml version="1.0" encoding="utf-8"?>
-<p:sldLayout xmlns:a="http://schemas.openxmlformats.org/drawingml/2006/main" xmlns:r="http://schemas.openxmlformats.org/officeDocument/2006/relationships" xmlns:mc="http://schemas.openxmlformats.org/markup-compatibility/2006" xmlns:mv="urn:schemas-microsoft-com:mac:vml" xmlns:p="http://schemas.openxmlformats.org/presentationml/2006/main" xmlns:c="http://schemas.openxmlformats.org/drawingml/2006/chart" xmlns:dgm="http://schemas.openxmlformats.org/drawingml/2006/diagram" xmlns:o="urn:schemas-microsoft-com:office:office" xmlns:v="urn:schemas-microsoft-com:vml" xmlns:pvml="urn:schemas-microsoft-com:office:powerpoint" xmlns:com="http://schemas.openxmlformats.org/drawingml/2006/compatibility" xmlns:p14="http://schemas.microsoft.com/office/powerpoint/2010/main" xmlns:p15="http://schemas.microsoft.com/office/powerpoint/2012/main" xmlns:ahyp="http://schemas.microsoft.com/office/drawing/2018/hyperlinkcolor" matchingName="Title and body" type="tx">
+<p:sldLayout xmlns:a="http://schemas.openxmlformats.org/drawingml/2006/main" xmlns:r="http://schemas.openxmlformats.org/officeDocument/2006/relationships" xmlns:p="http://schemas.openxmlformats.org/presentationml/2006/main" matchingName="Title and body" type="tx">
   <p:cSld name="TITLE_AND_BODY">
     <p:spTree>
       <p:nvGrpSpPr>
-        <p:cNvPr id="16" name="Shape 16"/>
+        <p:cNvPr id="1" name="Shape 16"/>
         <p:cNvGrpSpPr/>
         <p:nvPr/>
       </p:nvGrpSpPr>
@@ -3769,7 +3915,9 @@
       <p:sp>
         <p:nvSpPr>
           <p:cNvPr id="17" name="Google Shape;17;p4"/>
-          <p:cNvSpPr txBox="1"/>
+          <p:cNvSpPr txBox="1">
+            <a:spLocks noGrp="1"/>
+          </p:cNvSpPr>
           <p:nvPr>
             <p:ph type="title"/>
           </p:nvPr>
@@ -3784,7 +3932,7 @@
           </a:prstGeom>
         </p:spPr>
         <p:txBody>
-          <a:bodyPr anchorCtr="0" anchor="t" bIns="91425" lIns="91425" spcFirstLastPara="1" rIns="91425" wrap="square" tIns="91425">
+          <a:bodyPr spcFirstLastPara="1" wrap="square" lIns="91425" tIns="91425" rIns="91425" bIns="91425" anchor="t" anchorCtr="0">
             <a:noAutofit/>
           </a:bodyPr>
           <a:lstStyle>
@@ -3888,15 +4036,19 @@
               <a:defRPr/>
             </a:lvl9pPr>
           </a:lstStyle>
-          <a:p/>
+          <a:p>
+            <a:endParaRPr/>
+          </a:p>
         </p:txBody>
       </p:sp>
       <p:sp>
         <p:nvSpPr>
           <p:cNvPr id="18" name="Google Shape;18;p4"/>
-          <p:cNvSpPr txBox="1"/>
+          <p:cNvSpPr txBox="1">
+            <a:spLocks noGrp="1"/>
+          </p:cNvSpPr>
           <p:nvPr>
-            <p:ph idx="1" type="body"/>
+            <p:ph type="body" idx="1"/>
           </p:nvPr>
         </p:nvSpPr>
         <p:spPr>
@@ -3909,11 +4061,11 @@
           </a:prstGeom>
         </p:spPr>
         <p:txBody>
-          <a:bodyPr anchorCtr="0" anchor="t" bIns="91425" lIns="91425" spcFirstLastPara="1" rIns="91425" wrap="square" tIns="91425">
+          <a:bodyPr spcFirstLastPara="1" wrap="square" lIns="91425" tIns="91425" rIns="91425" bIns="91425" anchor="t" anchorCtr="0">
             <a:noAutofit/>
           </a:bodyPr>
           <a:lstStyle>
-            <a:lvl1pPr indent="-342900" lvl="0" marL="457200">
+            <a:lvl1pPr marL="457200" lvl="0" indent="-342900">
               <a:spcBef>
                 <a:spcPts val="0"/>
               </a:spcBef>
@@ -3924,7 +4076,7 @@
               <a:buChar char="●"/>
               <a:defRPr/>
             </a:lvl1pPr>
-            <a:lvl2pPr indent="-317500" lvl="1" marL="914400">
+            <a:lvl2pPr marL="914400" lvl="1" indent="-317500">
               <a:spcBef>
                 <a:spcPts val="1600"/>
               </a:spcBef>
@@ -3935,7 +4087,7 @@
               <a:buChar char="○"/>
               <a:defRPr/>
             </a:lvl2pPr>
-            <a:lvl3pPr indent="-317500" lvl="2" marL="1371600">
+            <a:lvl3pPr marL="1371600" lvl="2" indent="-317500">
               <a:spcBef>
                 <a:spcPts val="1600"/>
               </a:spcBef>
@@ -3946,7 +4098,7 @@
               <a:buChar char="■"/>
               <a:defRPr/>
             </a:lvl3pPr>
-            <a:lvl4pPr indent="-317500" lvl="3" marL="1828800">
+            <a:lvl4pPr marL="1828800" lvl="3" indent="-317500">
               <a:spcBef>
                 <a:spcPts val="1600"/>
               </a:spcBef>
@@ -3957,7 +4109,7 @@
               <a:buChar char="●"/>
               <a:defRPr/>
             </a:lvl4pPr>
-            <a:lvl5pPr indent="-317500" lvl="4" marL="2286000">
+            <a:lvl5pPr marL="2286000" lvl="4" indent="-317500">
               <a:spcBef>
                 <a:spcPts val="1600"/>
               </a:spcBef>
@@ -3968,7 +4120,7 @@
               <a:buChar char="○"/>
               <a:defRPr/>
             </a:lvl5pPr>
-            <a:lvl6pPr indent="-317500" lvl="5" marL="2743200">
+            <a:lvl6pPr marL="2743200" lvl="5" indent="-317500">
               <a:spcBef>
                 <a:spcPts val="1600"/>
               </a:spcBef>
@@ -3979,7 +4131,7 @@
               <a:buChar char="■"/>
               <a:defRPr/>
             </a:lvl6pPr>
-            <a:lvl7pPr indent="-317500" lvl="6" marL="3200400">
+            <a:lvl7pPr marL="3200400" lvl="6" indent="-317500">
               <a:spcBef>
                 <a:spcPts val="1600"/>
               </a:spcBef>
@@ -3990,7 +4142,7 @@
               <a:buChar char="●"/>
               <a:defRPr/>
             </a:lvl7pPr>
-            <a:lvl8pPr indent="-317500" lvl="7" marL="3657600">
+            <a:lvl8pPr marL="3657600" lvl="7" indent="-317500">
               <a:spcBef>
                 <a:spcPts val="1600"/>
               </a:spcBef>
@@ -4001,7 +4153,7 @@
               <a:buChar char="○"/>
               <a:defRPr/>
             </a:lvl8pPr>
-            <a:lvl9pPr indent="-317500" lvl="8" marL="4114800">
+            <a:lvl9pPr marL="4114800" lvl="8" indent="-317500">
               <a:spcBef>
                 <a:spcPts val="1600"/>
               </a:spcBef>
@@ -4013,15 +4165,19 @@
               <a:defRPr/>
             </a:lvl9pPr>
           </a:lstStyle>
-          <a:p/>
+          <a:p>
+            <a:endParaRPr/>
+          </a:p>
         </p:txBody>
       </p:sp>
       <p:sp>
         <p:nvSpPr>
           <p:cNvPr id="19" name="Google Shape;19;p4"/>
-          <p:cNvSpPr txBox="1"/>
+          <p:cNvSpPr txBox="1">
+            <a:spLocks noGrp="1"/>
+          </p:cNvSpPr>
           <p:nvPr>
-            <p:ph idx="12" type="sldNum"/>
+            <p:ph type="sldNum" idx="12"/>
           </p:nvPr>
         </p:nvSpPr>
         <p:spPr>
@@ -4034,7 +4190,7 @@
           </a:prstGeom>
         </p:spPr>
         <p:txBody>
-          <a:bodyPr anchorCtr="0" anchor="ctr" bIns="91425" lIns="91425" spcFirstLastPara="1" rIns="91425" wrap="square" tIns="91425">
+          <a:bodyPr spcFirstLastPara="1" wrap="square" lIns="91425" tIns="91425" rIns="91425" bIns="91425" anchor="ctr" anchorCtr="0">
             <a:noAutofit/>
           </a:bodyPr>
           <a:lstStyle>
@@ -4076,7 +4232,7 @@
             </a:lvl9pPr>
           </a:lstStyle>
           <a:p>
-            <a:pPr indent="0" lvl="0" marL="0" rtl="0" algn="r">
+            <a:pPr marL="0" lvl="0" indent="0" algn="r" rtl="0">
               <a:spcBef>
                 <a:spcPts val="0"/>
               </a:spcBef>
@@ -4102,11 +4258,11 @@
 </file>
 
 <file path=ppt/slideLayouts/slideLayout4.xml><?xml version="1.0" encoding="utf-8"?>
-<p:sldLayout xmlns:a="http://schemas.openxmlformats.org/drawingml/2006/main" xmlns:r="http://schemas.openxmlformats.org/officeDocument/2006/relationships" xmlns:mc="http://schemas.openxmlformats.org/markup-compatibility/2006" xmlns:mv="urn:schemas-microsoft-com:mac:vml" xmlns:p="http://schemas.openxmlformats.org/presentationml/2006/main" xmlns:c="http://schemas.openxmlformats.org/drawingml/2006/chart" xmlns:dgm="http://schemas.openxmlformats.org/drawingml/2006/diagram" xmlns:o="urn:schemas-microsoft-com:office:office" xmlns:v="urn:schemas-microsoft-com:vml" xmlns:pvml="urn:schemas-microsoft-com:office:powerpoint" xmlns:com="http://schemas.openxmlformats.org/drawingml/2006/compatibility" xmlns:p14="http://schemas.microsoft.com/office/powerpoint/2010/main" xmlns:p15="http://schemas.microsoft.com/office/powerpoint/2012/main" xmlns:ahyp="http://schemas.microsoft.com/office/drawing/2018/hyperlinkcolor" matchingName="Title and two columns" type="twoColTx">
+<p:sldLayout xmlns:a="http://schemas.openxmlformats.org/drawingml/2006/main" xmlns:r="http://schemas.openxmlformats.org/officeDocument/2006/relationships" xmlns:p="http://schemas.openxmlformats.org/presentationml/2006/main" matchingName="Title and two columns" type="twoColTx">
   <p:cSld name="TITLE_AND_TWO_COLUMNS">
     <p:spTree>
       <p:nvGrpSpPr>
-        <p:cNvPr id="20" name="Shape 20"/>
+        <p:cNvPr id="1" name="Shape 20"/>
         <p:cNvGrpSpPr/>
         <p:nvPr/>
       </p:nvGrpSpPr>
@@ -4121,7 +4277,9 @@
       <p:sp>
         <p:nvSpPr>
           <p:cNvPr id="21" name="Google Shape;21;p5"/>
-          <p:cNvSpPr txBox="1"/>
+          <p:cNvSpPr txBox="1">
+            <a:spLocks noGrp="1"/>
+          </p:cNvSpPr>
           <p:nvPr>
             <p:ph type="title"/>
           </p:nvPr>
@@ -4136,7 +4294,7 @@
           </a:prstGeom>
         </p:spPr>
         <p:txBody>
-          <a:bodyPr anchorCtr="0" anchor="t" bIns="91425" lIns="91425" spcFirstLastPara="1" rIns="91425" wrap="square" tIns="91425">
+          <a:bodyPr spcFirstLastPara="1" wrap="square" lIns="91425" tIns="91425" rIns="91425" bIns="91425" anchor="t" anchorCtr="0">
             <a:noAutofit/>
           </a:bodyPr>
           <a:lstStyle>
@@ -4240,15 +4398,19 @@
               <a:defRPr/>
             </a:lvl9pPr>
           </a:lstStyle>
-          <a:p/>
+          <a:p>
+            <a:endParaRPr/>
+          </a:p>
         </p:txBody>
       </p:sp>
       <p:sp>
         <p:nvSpPr>
           <p:cNvPr id="22" name="Google Shape;22;p5"/>
-          <p:cNvSpPr txBox="1"/>
+          <p:cNvSpPr txBox="1">
+            <a:spLocks noGrp="1"/>
+          </p:cNvSpPr>
           <p:nvPr>
-            <p:ph idx="1" type="body"/>
+            <p:ph type="body" idx="1"/>
           </p:nvPr>
         </p:nvSpPr>
         <p:spPr>
@@ -4261,11 +4423,11 @@
           </a:prstGeom>
         </p:spPr>
         <p:txBody>
-          <a:bodyPr anchorCtr="0" anchor="t" bIns="91425" lIns="91425" spcFirstLastPara="1" rIns="91425" wrap="square" tIns="91425">
+          <a:bodyPr spcFirstLastPara="1" wrap="square" lIns="91425" tIns="91425" rIns="91425" bIns="91425" anchor="t" anchorCtr="0">
             <a:noAutofit/>
           </a:bodyPr>
           <a:lstStyle>
-            <a:lvl1pPr indent="-317500" lvl="0" marL="457200">
+            <a:lvl1pPr marL="457200" lvl="0" indent="-317500">
               <a:spcBef>
                 <a:spcPts val="0"/>
               </a:spcBef>
@@ -4276,7 +4438,7 @@
               <a:buChar char="●"/>
               <a:defRPr sz="1400"/>
             </a:lvl1pPr>
-            <a:lvl2pPr indent="-304800" lvl="1" marL="914400">
+            <a:lvl2pPr marL="914400" lvl="1" indent="-304800">
               <a:spcBef>
                 <a:spcPts val="1600"/>
               </a:spcBef>
@@ -4287,7 +4449,7 @@
               <a:buChar char="○"/>
               <a:defRPr sz="1200"/>
             </a:lvl2pPr>
-            <a:lvl3pPr indent="-304800" lvl="2" marL="1371600">
+            <a:lvl3pPr marL="1371600" lvl="2" indent="-304800">
               <a:spcBef>
                 <a:spcPts val="1600"/>
               </a:spcBef>
@@ -4298,7 +4460,7 @@
               <a:buChar char="■"/>
               <a:defRPr sz="1200"/>
             </a:lvl3pPr>
-            <a:lvl4pPr indent="-304800" lvl="3" marL="1828800">
+            <a:lvl4pPr marL="1828800" lvl="3" indent="-304800">
               <a:spcBef>
                 <a:spcPts val="1600"/>
               </a:spcBef>
@@ -4309,7 +4471,7 @@
               <a:buChar char="●"/>
               <a:defRPr sz="1200"/>
             </a:lvl4pPr>
-            <a:lvl5pPr indent="-304800" lvl="4" marL="2286000">
+            <a:lvl5pPr marL="2286000" lvl="4" indent="-304800">
               <a:spcBef>
                 <a:spcPts val="1600"/>
               </a:spcBef>
@@ -4320,7 +4482,7 @@
               <a:buChar char="○"/>
               <a:defRPr sz="1200"/>
             </a:lvl5pPr>
-            <a:lvl6pPr indent="-304800" lvl="5" marL="2743200">
+            <a:lvl6pPr marL="2743200" lvl="5" indent="-304800">
               <a:spcBef>
                 <a:spcPts val="1600"/>
               </a:spcBef>
@@ -4331,7 +4493,7 @@
               <a:buChar char="■"/>
               <a:defRPr sz="1200"/>
             </a:lvl6pPr>
-            <a:lvl7pPr indent="-304800" lvl="6" marL="3200400">
+            <a:lvl7pPr marL="3200400" lvl="6" indent="-304800">
               <a:spcBef>
                 <a:spcPts val="1600"/>
               </a:spcBef>
@@ -4342,7 +4504,7 @@
               <a:buChar char="●"/>
               <a:defRPr sz="1200"/>
             </a:lvl7pPr>
-            <a:lvl8pPr indent="-304800" lvl="7" marL="3657600">
+            <a:lvl8pPr marL="3657600" lvl="7" indent="-304800">
               <a:spcBef>
                 <a:spcPts val="1600"/>
               </a:spcBef>
@@ -4353,7 +4515,7 @@
               <a:buChar char="○"/>
               <a:defRPr sz="1200"/>
             </a:lvl8pPr>
-            <a:lvl9pPr indent="-304800" lvl="8" marL="4114800">
+            <a:lvl9pPr marL="4114800" lvl="8" indent="-304800">
               <a:spcBef>
                 <a:spcPts val="1600"/>
               </a:spcBef>
@@ -4365,15 +4527,19 @@
               <a:defRPr sz="1200"/>
             </a:lvl9pPr>
           </a:lstStyle>
-          <a:p/>
+          <a:p>
+            <a:endParaRPr/>
+          </a:p>
         </p:txBody>
       </p:sp>
       <p:sp>
         <p:nvSpPr>
           <p:cNvPr id="23" name="Google Shape;23;p5"/>
-          <p:cNvSpPr txBox="1"/>
+          <p:cNvSpPr txBox="1">
+            <a:spLocks noGrp="1"/>
+          </p:cNvSpPr>
           <p:nvPr>
-            <p:ph idx="2" type="body"/>
+            <p:ph type="body" idx="2"/>
           </p:nvPr>
         </p:nvSpPr>
         <p:spPr>
@@ -4386,11 +4552,11 @@
           </a:prstGeom>
         </p:spPr>
         <p:txBody>
-          <a:bodyPr anchorCtr="0" anchor="t" bIns="91425" lIns="91425" spcFirstLastPara="1" rIns="91425" wrap="square" tIns="91425">
+          <a:bodyPr spcFirstLastPara="1" wrap="square" lIns="91425" tIns="91425" rIns="91425" bIns="91425" anchor="t" anchorCtr="0">
             <a:noAutofit/>
           </a:bodyPr>
           <a:lstStyle>
-            <a:lvl1pPr indent="-317500" lvl="0" marL="457200">
+            <a:lvl1pPr marL="457200" lvl="0" indent="-317500">
               <a:spcBef>
                 <a:spcPts val="0"/>
               </a:spcBef>
@@ -4401,7 +4567,7 @@
               <a:buChar char="●"/>
               <a:defRPr sz="1400"/>
             </a:lvl1pPr>
-            <a:lvl2pPr indent="-304800" lvl="1" marL="914400">
+            <a:lvl2pPr marL="914400" lvl="1" indent="-304800">
               <a:spcBef>
                 <a:spcPts val="1600"/>
               </a:spcBef>
@@ -4412,7 +4578,7 @@
               <a:buChar char="○"/>
               <a:defRPr sz="1200"/>
             </a:lvl2pPr>
-            <a:lvl3pPr indent="-304800" lvl="2" marL="1371600">
+            <a:lvl3pPr marL="1371600" lvl="2" indent="-304800">
               <a:spcBef>
                 <a:spcPts val="1600"/>
               </a:spcBef>
@@ -4423,7 +4589,7 @@
               <a:buChar char="■"/>
               <a:defRPr sz="1200"/>
             </a:lvl3pPr>
-            <a:lvl4pPr indent="-304800" lvl="3" marL="1828800">
+            <a:lvl4pPr marL="1828800" lvl="3" indent="-304800">
               <a:spcBef>
                 <a:spcPts val="1600"/>
               </a:spcBef>
@@ -4434,7 +4600,7 @@
               <a:buChar char="●"/>
               <a:defRPr sz="1200"/>
             </a:lvl4pPr>
-            <a:lvl5pPr indent="-304800" lvl="4" marL="2286000">
+            <a:lvl5pPr marL="2286000" lvl="4" indent="-304800">
               <a:spcBef>
                 <a:spcPts val="1600"/>
               </a:spcBef>
@@ -4445,7 +4611,7 @@
               <a:buChar char="○"/>
               <a:defRPr sz="1200"/>
             </a:lvl5pPr>
-            <a:lvl6pPr indent="-304800" lvl="5" marL="2743200">
+            <a:lvl6pPr marL="2743200" lvl="5" indent="-304800">
               <a:spcBef>
                 <a:spcPts val="1600"/>
               </a:spcBef>
@@ -4456,7 +4622,7 @@
               <a:buChar char="■"/>
               <a:defRPr sz="1200"/>
             </a:lvl6pPr>
-            <a:lvl7pPr indent="-304800" lvl="6" marL="3200400">
+            <a:lvl7pPr marL="3200400" lvl="6" indent="-304800">
               <a:spcBef>
                 <a:spcPts val="1600"/>
               </a:spcBef>
@@ -4467,7 +4633,7 @@
               <a:buChar char="●"/>
               <a:defRPr sz="1200"/>
             </a:lvl7pPr>
-            <a:lvl8pPr indent="-304800" lvl="7" marL="3657600">
+            <a:lvl8pPr marL="3657600" lvl="7" indent="-304800">
               <a:spcBef>
                 <a:spcPts val="1600"/>
               </a:spcBef>
@@ -4478,7 +4644,7 @@
               <a:buChar char="○"/>
               <a:defRPr sz="1200"/>
             </a:lvl8pPr>
-            <a:lvl9pPr indent="-304800" lvl="8" marL="4114800">
+            <a:lvl9pPr marL="4114800" lvl="8" indent="-304800">
               <a:spcBef>
                 <a:spcPts val="1600"/>
               </a:spcBef>
@@ -4490,15 +4656,19 @@
               <a:defRPr sz="1200"/>
             </a:lvl9pPr>
           </a:lstStyle>
-          <a:p/>
+          <a:p>
+            <a:endParaRPr/>
+          </a:p>
         </p:txBody>
       </p:sp>
       <p:sp>
         <p:nvSpPr>
           <p:cNvPr id="24" name="Google Shape;24;p5"/>
-          <p:cNvSpPr txBox="1"/>
+          <p:cNvSpPr txBox="1">
+            <a:spLocks noGrp="1"/>
+          </p:cNvSpPr>
           <p:nvPr>
-            <p:ph idx="12" type="sldNum"/>
+            <p:ph type="sldNum" idx="12"/>
           </p:nvPr>
         </p:nvSpPr>
         <p:spPr>
@@ -4511,7 +4681,7 @@
           </a:prstGeom>
         </p:spPr>
         <p:txBody>
-          <a:bodyPr anchorCtr="0" anchor="ctr" bIns="91425" lIns="91425" spcFirstLastPara="1" rIns="91425" wrap="square" tIns="91425">
+          <a:bodyPr spcFirstLastPara="1" wrap="square" lIns="91425" tIns="91425" rIns="91425" bIns="91425" anchor="ctr" anchorCtr="0">
             <a:noAutofit/>
           </a:bodyPr>
           <a:lstStyle>
@@ -4553,7 +4723,7 @@
             </a:lvl9pPr>
           </a:lstStyle>
           <a:p>
-            <a:pPr indent="0" lvl="0" marL="0" rtl="0" algn="r">
+            <a:pPr marL="0" lvl="0" indent="0" algn="r" rtl="0">
               <a:spcBef>
                 <a:spcPts val="0"/>
               </a:spcBef>
@@ -4579,11 +4749,11 @@
 </file>
 
 <file path=ppt/slideLayouts/slideLayout5.xml><?xml version="1.0" encoding="utf-8"?>
-<p:sldLayout xmlns:a="http://schemas.openxmlformats.org/drawingml/2006/main" xmlns:r="http://schemas.openxmlformats.org/officeDocument/2006/relationships" xmlns:mc="http://schemas.openxmlformats.org/markup-compatibility/2006" xmlns:mv="urn:schemas-microsoft-com:mac:vml" xmlns:p="http://schemas.openxmlformats.org/presentationml/2006/main" xmlns:c="http://schemas.openxmlformats.org/drawingml/2006/chart" xmlns:dgm="http://schemas.openxmlformats.org/drawingml/2006/diagram" xmlns:o="urn:schemas-microsoft-com:office:office" xmlns:v="urn:schemas-microsoft-com:vml" xmlns:pvml="urn:schemas-microsoft-com:office:powerpoint" xmlns:com="http://schemas.openxmlformats.org/drawingml/2006/compatibility" xmlns:p14="http://schemas.microsoft.com/office/powerpoint/2010/main" xmlns:p15="http://schemas.microsoft.com/office/powerpoint/2012/main" xmlns:ahyp="http://schemas.microsoft.com/office/drawing/2018/hyperlinkcolor" matchingName="Title only" type="titleOnly">
+<p:sldLayout xmlns:a="http://schemas.openxmlformats.org/drawingml/2006/main" xmlns:r="http://schemas.openxmlformats.org/officeDocument/2006/relationships" xmlns:p="http://schemas.openxmlformats.org/presentationml/2006/main" matchingName="Title only" type="titleOnly">
   <p:cSld name="TITLE_ONLY">
     <p:spTree>
       <p:nvGrpSpPr>
-        <p:cNvPr id="25" name="Shape 25"/>
+        <p:cNvPr id="1" name="Shape 25"/>
         <p:cNvGrpSpPr/>
         <p:nvPr/>
       </p:nvGrpSpPr>
@@ -4598,7 +4768,9 @@
       <p:sp>
         <p:nvSpPr>
           <p:cNvPr id="26" name="Google Shape;26;p6"/>
-          <p:cNvSpPr txBox="1"/>
+          <p:cNvSpPr txBox="1">
+            <a:spLocks noGrp="1"/>
+          </p:cNvSpPr>
           <p:nvPr>
             <p:ph type="title"/>
           </p:nvPr>
@@ -4613,7 +4785,7 @@
           </a:prstGeom>
         </p:spPr>
         <p:txBody>
-          <a:bodyPr anchorCtr="0" anchor="t" bIns="91425" lIns="91425" spcFirstLastPara="1" rIns="91425" wrap="square" tIns="91425">
+          <a:bodyPr spcFirstLastPara="1" wrap="square" lIns="91425" tIns="91425" rIns="91425" bIns="91425" anchor="t" anchorCtr="0">
             <a:noAutofit/>
           </a:bodyPr>
           <a:lstStyle>
@@ -4717,15 +4889,19 @@
               <a:defRPr/>
             </a:lvl9pPr>
           </a:lstStyle>
-          <a:p/>
+          <a:p>
+            <a:endParaRPr/>
+          </a:p>
         </p:txBody>
       </p:sp>
       <p:sp>
         <p:nvSpPr>
           <p:cNvPr id="27" name="Google Shape;27;p6"/>
-          <p:cNvSpPr txBox="1"/>
+          <p:cNvSpPr txBox="1">
+            <a:spLocks noGrp="1"/>
+          </p:cNvSpPr>
           <p:nvPr>
-            <p:ph idx="12" type="sldNum"/>
+            <p:ph type="sldNum" idx="12"/>
           </p:nvPr>
         </p:nvSpPr>
         <p:spPr>
@@ -4738,7 +4914,7 @@
           </a:prstGeom>
         </p:spPr>
         <p:txBody>
-          <a:bodyPr anchorCtr="0" anchor="ctr" bIns="91425" lIns="91425" spcFirstLastPara="1" rIns="91425" wrap="square" tIns="91425">
+          <a:bodyPr spcFirstLastPara="1" wrap="square" lIns="91425" tIns="91425" rIns="91425" bIns="91425" anchor="ctr" anchorCtr="0">
             <a:noAutofit/>
           </a:bodyPr>
           <a:lstStyle>
@@ -4780,7 +4956,7 @@
             </a:lvl9pPr>
           </a:lstStyle>
           <a:p>
-            <a:pPr indent="0" lvl="0" marL="0" rtl="0" algn="r">
+            <a:pPr marL="0" lvl="0" indent="0" algn="r" rtl="0">
               <a:spcBef>
                 <a:spcPts val="0"/>
               </a:spcBef>
@@ -4806,11 +4982,11 @@
 </file>
 
 <file path=ppt/slideLayouts/slideLayout6.xml><?xml version="1.0" encoding="utf-8"?>
-<p:sldLayout xmlns:a="http://schemas.openxmlformats.org/drawingml/2006/main" xmlns:r="http://schemas.openxmlformats.org/officeDocument/2006/relationships" xmlns:mc="http://schemas.openxmlformats.org/markup-compatibility/2006" xmlns:mv="urn:schemas-microsoft-com:mac:vml" xmlns:p="http://schemas.openxmlformats.org/presentationml/2006/main" xmlns:c="http://schemas.openxmlformats.org/drawingml/2006/chart" xmlns:dgm="http://schemas.openxmlformats.org/drawingml/2006/diagram" xmlns:o="urn:schemas-microsoft-com:office:office" xmlns:v="urn:schemas-microsoft-com:vml" xmlns:pvml="urn:schemas-microsoft-com:office:powerpoint" xmlns:com="http://schemas.openxmlformats.org/drawingml/2006/compatibility" xmlns:p14="http://schemas.microsoft.com/office/powerpoint/2010/main" xmlns:p15="http://schemas.microsoft.com/office/powerpoint/2012/main" xmlns:ahyp="http://schemas.microsoft.com/office/drawing/2018/hyperlinkcolor" matchingName="One column text">
+<p:sldLayout xmlns:a="http://schemas.openxmlformats.org/drawingml/2006/main" xmlns:r="http://schemas.openxmlformats.org/officeDocument/2006/relationships" xmlns:p="http://schemas.openxmlformats.org/presentationml/2006/main" matchingName="One column text">
   <p:cSld name="ONE_COLUMN_TEXT">
     <p:spTree>
       <p:nvGrpSpPr>
-        <p:cNvPr id="28" name="Shape 28"/>
+        <p:cNvPr id="1" name="Shape 28"/>
         <p:cNvGrpSpPr/>
         <p:nvPr/>
       </p:nvGrpSpPr>
@@ -4825,7 +5001,9 @@
       <p:sp>
         <p:nvSpPr>
           <p:cNvPr id="29" name="Google Shape;29;p7"/>
-          <p:cNvSpPr txBox="1"/>
+          <p:cNvSpPr txBox="1">
+            <a:spLocks noGrp="1"/>
+          </p:cNvSpPr>
           <p:nvPr>
             <p:ph type="title"/>
           </p:nvPr>
@@ -4840,7 +5018,7 @@
           </a:prstGeom>
         </p:spPr>
         <p:txBody>
-          <a:bodyPr anchorCtr="0" anchor="b" bIns="91425" lIns="91425" spcFirstLastPara="1" rIns="91425" wrap="square" tIns="91425">
+          <a:bodyPr spcFirstLastPara="1" wrap="square" lIns="91425" tIns="91425" rIns="91425" bIns="91425" anchor="b" anchorCtr="0">
             <a:noAutofit/>
           </a:bodyPr>
           <a:lstStyle>
@@ -4944,15 +5122,19 @@
               <a:defRPr sz="2400"/>
             </a:lvl9pPr>
           </a:lstStyle>
-          <a:p/>
+          <a:p>
+            <a:endParaRPr/>
+          </a:p>
         </p:txBody>
       </p:sp>
       <p:sp>
         <p:nvSpPr>
           <p:cNvPr id="30" name="Google Shape;30;p7"/>
-          <p:cNvSpPr txBox="1"/>
+          <p:cNvSpPr txBox="1">
+            <a:spLocks noGrp="1"/>
+          </p:cNvSpPr>
           <p:nvPr>
-            <p:ph idx="1" type="body"/>
+            <p:ph type="body" idx="1"/>
           </p:nvPr>
         </p:nvSpPr>
         <p:spPr>
@@ -4965,11 +5147,11 @@
           </a:prstGeom>
         </p:spPr>
         <p:txBody>
-          <a:bodyPr anchorCtr="0" anchor="t" bIns="91425" lIns="91425" spcFirstLastPara="1" rIns="91425" wrap="square" tIns="91425">
+          <a:bodyPr spcFirstLastPara="1" wrap="square" lIns="91425" tIns="91425" rIns="91425" bIns="91425" anchor="t" anchorCtr="0">
             <a:noAutofit/>
           </a:bodyPr>
           <a:lstStyle>
-            <a:lvl1pPr indent="-304800" lvl="0" marL="457200">
+            <a:lvl1pPr marL="457200" lvl="0" indent="-304800">
               <a:spcBef>
                 <a:spcPts val="0"/>
               </a:spcBef>
@@ -4980,7 +5162,7 @@
               <a:buChar char="●"/>
               <a:defRPr sz="1200"/>
             </a:lvl1pPr>
-            <a:lvl2pPr indent="-304800" lvl="1" marL="914400">
+            <a:lvl2pPr marL="914400" lvl="1" indent="-304800">
               <a:spcBef>
                 <a:spcPts val="1600"/>
               </a:spcBef>
@@ -4991,7 +5173,7 @@
               <a:buChar char="○"/>
               <a:defRPr sz="1200"/>
             </a:lvl2pPr>
-            <a:lvl3pPr indent="-304800" lvl="2" marL="1371600">
+            <a:lvl3pPr marL="1371600" lvl="2" indent="-304800">
               <a:spcBef>
                 <a:spcPts val="1600"/>
               </a:spcBef>
@@ -5002,7 +5184,7 @@
               <a:buChar char="■"/>
               <a:defRPr sz="1200"/>
             </a:lvl3pPr>
-            <a:lvl4pPr indent="-304800" lvl="3" marL="1828800">
+            <a:lvl4pPr marL="1828800" lvl="3" indent="-304800">
               <a:spcBef>
                 <a:spcPts val="1600"/>
               </a:spcBef>
@@ -5013,7 +5195,7 @@
               <a:buChar char="●"/>
               <a:defRPr sz="1200"/>
             </a:lvl4pPr>
-            <a:lvl5pPr indent="-304800" lvl="4" marL="2286000">
+            <a:lvl5pPr marL="2286000" lvl="4" indent="-304800">
               <a:spcBef>
                 <a:spcPts val="1600"/>
               </a:spcBef>
@@ -5024,7 +5206,7 @@
               <a:buChar char="○"/>
               <a:defRPr sz="1200"/>
             </a:lvl5pPr>
-            <a:lvl6pPr indent="-304800" lvl="5" marL="2743200">
+            <a:lvl6pPr marL="2743200" lvl="5" indent="-304800">
               <a:spcBef>
                 <a:spcPts val="1600"/>
               </a:spcBef>
@@ -5035,7 +5217,7 @@
               <a:buChar char="■"/>
               <a:defRPr sz="1200"/>
             </a:lvl6pPr>
-            <a:lvl7pPr indent="-304800" lvl="6" marL="3200400">
+            <a:lvl7pPr marL="3200400" lvl="6" indent="-304800">
               <a:spcBef>
                 <a:spcPts val="1600"/>
               </a:spcBef>
@@ -5046,7 +5228,7 @@
               <a:buChar char="●"/>
               <a:defRPr sz="1200"/>
             </a:lvl7pPr>
-            <a:lvl8pPr indent="-304800" lvl="7" marL="3657600">
+            <a:lvl8pPr marL="3657600" lvl="7" indent="-304800">
               <a:spcBef>
                 <a:spcPts val="1600"/>
               </a:spcBef>
@@ -5057,7 +5239,7 @@
               <a:buChar char="○"/>
               <a:defRPr sz="1200"/>
             </a:lvl8pPr>
-            <a:lvl9pPr indent="-304800" lvl="8" marL="4114800">
+            <a:lvl9pPr marL="4114800" lvl="8" indent="-304800">
               <a:spcBef>
                 <a:spcPts val="1600"/>
               </a:spcBef>
@@ -5069,15 +5251,19 @@
               <a:defRPr sz="1200"/>
             </a:lvl9pPr>
           </a:lstStyle>
-          <a:p/>
+          <a:p>
+            <a:endParaRPr/>
+          </a:p>
         </p:txBody>
       </p:sp>
       <p:sp>
         <p:nvSpPr>
           <p:cNvPr id="31" name="Google Shape;31;p7"/>
-          <p:cNvSpPr txBox="1"/>
+          <p:cNvSpPr txBox="1">
+            <a:spLocks noGrp="1"/>
+          </p:cNvSpPr>
           <p:nvPr>
-            <p:ph idx="12" type="sldNum"/>
+            <p:ph type="sldNum" idx="12"/>
           </p:nvPr>
         </p:nvSpPr>
         <p:spPr>
@@ -5090,7 +5276,7 @@
           </a:prstGeom>
         </p:spPr>
         <p:txBody>
-          <a:bodyPr anchorCtr="0" anchor="ctr" bIns="91425" lIns="91425" spcFirstLastPara="1" rIns="91425" wrap="square" tIns="91425">
+          <a:bodyPr spcFirstLastPara="1" wrap="square" lIns="91425" tIns="91425" rIns="91425" bIns="91425" anchor="ctr" anchorCtr="0">
             <a:noAutofit/>
           </a:bodyPr>
           <a:lstStyle>
@@ -5132,7 +5318,7 @@
             </a:lvl9pPr>
           </a:lstStyle>
           <a:p>
-            <a:pPr indent="0" lvl="0" marL="0" rtl="0" algn="r">
+            <a:pPr marL="0" lvl="0" indent="0" algn="r" rtl="0">
               <a:spcBef>
                 <a:spcPts val="0"/>
               </a:spcBef>
@@ -5158,11 +5344,11 @@
 </file>
 
 <file path=ppt/slideLayouts/slideLayout7.xml><?xml version="1.0" encoding="utf-8"?>
-<p:sldLayout xmlns:a="http://schemas.openxmlformats.org/drawingml/2006/main" xmlns:r="http://schemas.openxmlformats.org/officeDocument/2006/relationships" xmlns:mc="http://schemas.openxmlformats.org/markup-compatibility/2006" xmlns:mv="urn:schemas-microsoft-com:mac:vml" xmlns:p="http://schemas.openxmlformats.org/presentationml/2006/main" xmlns:c="http://schemas.openxmlformats.org/drawingml/2006/chart" xmlns:dgm="http://schemas.openxmlformats.org/drawingml/2006/diagram" xmlns:o="urn:schemas-microsoft-com:office:office" xmlns:v="urn:schemas-microsoft-com:vml" xmlns:pvml="urn:schemas-microsoft-com:office:powerpoint" xmlns:com="http://schemas.openxmlformats.org/drawingml/2006/compatibility" xmlns:p14="http://schemas.microsoft.com/office/powerpoint/2010/main" xmlns:p15="http://schemas.microsoft.com/office/powerpoint/2012/main" xmlns:ahyp="http://schemas.microsoft.com/office/drawing/2018/hyperlinkcolor" matchingName="Main point">
+<p:sldLayout xmlns:a="http://schemas.openxmlformats.org/drawingml/2006/main" xmlns:r="http://schemas.openxmlformats.org/officeDocument/2006/relationships" xmlns:p="http://schemas.openxmlformats.org/presentationml/2006/main" matchingName="Main point">
   <p:cSld name="MAIN_POINT">
     <p:spTree>
       <p:nvGrpSpPr>
-        <p:cNvPr id="32" name="Shape 32"/>
+        <p:cNvPr id="1" name="Shape 32"/>
         <p:cNvGrpSpPr/>
         <p:nvPr/>
       </p:nvGrpSpPr>
@@ -5177,7 +5363,9 @@
       <p:sp>
         <p:nvSpPr>
           <p:cNvPr id="33" name="Google Shape;33;p8"/>
-          <p:cNvSpPr txBox="1"/>
+          <p:cNvSpPr txBox="1">
+            <a:spLocks noGrp="1"/>
+          </p:cNvSpPr>
           <p:nvPr>
             <p:ph type="title"/>
           </p:nvPr>
@@ -5192,7 +5380,7 @@
           </a:prstGeom>
         </p:spPr>
         <p:txBody>
-          <a:bodyPr anchorCtr="0" anchor="ctr" bIns="91425" lIns="91425" spcFirstLastPara="1" rIns="91425" wrap="square" tIns="91425">
+          <a:bodyPr spcFirstLastPara="1" wrap="square" lIns="91425" tIns="91425" rIns="91425" bIns="91425" anchor="ctr" anchorCtr="0">
             <a:noAutofit/>
           </a:bodyPr>
           <a:lstStyle>
@@ -5296,15 +5484,19 @@
               <a:defRPr sz="4800"/>
             </a:lvl9pPr>
           </a:lstStyle>
-          <a:p/>
+          <a:p>
+            <a:endParaRPr/>
+          </a:p>
         </p:txBody>
       </p:sp>
       <p:sp>
         <p:nvSpPr>
           <p:cNvPr id="34" name="Google Shape;34;p8"/>
-          <p:cNvSpPr txBox="1"/>
+          <p:cNvSpPr txBox="1">
+            <a:spLocks noGrp="1"/>
+          </p:cNvSpPr>
           <p:nvPr>
-            <p:ph idx="12" type="sldNum"/>
+            <p:ph type="sldNum" idx="12"/>
           </p:nvPr>
         </p:nvSpPr>
         <p:spPr>
@@ -5317,7 +5509,7 @@
           </a:prstGeom>
         </p:spPr>
         <p:txBody>
-          <a:bodyPr anchorCtr="0" anchor="ctr" bIns="91425" lIns="91425" spcFirstLastPara="1" rIns="91425" wrap="square" tIns="91425">
+          <a:bodyPr spcFirstLastPara="1" wrap="square" lIns="91425" tIns="91425" rIns="91425" bIns="91425" anchor="ctr" anchorCtr="0">
             <a:noAutofit/>
           </a:bodyPr>
           <a:lstStyle>
@@ -5359,7 +5551,7 @@
             </a:lvl9pPr>
           </a:lstStyle>
           <a:p>
-            <a:pPr indent="0" lvl="0" marL="0" rtl="0" algn="r">
+            <a:pPr marL="0" lvl="0" indent="0" algn="r" rtl="0">
               <a:spcBef>
                 <a:spcPts val="0"/>
               </a:spcBef>
@@ -5385,11 +5577,11 @@
 </file>
 
 <file path=ppt/slideLayouts/slideLayout8.xml><?xml version="1.0" encoding="utf-8"?>
-<p:sldLayout xmlns:a="http://schemas.openxmlformats.org/drawingml/2006/main" xmlns:r="http://schemas.openxmlformats.org/officeDocument/2006/relationships" xmlns:mc="http://schemas.openxmlformats.org/markup-compatibility/2006" xmlns:mv="urn:schemas-microsoft-com:mac:vml" xmlns:p="http://schemas.openxmlformats.org/presentationml/2006/main" xmlns:c="http://schemas.openxmlformats.org/drawingml/2006/chart" xmlns:dgm="http://schemas.openxmlformats.org/drawingml/2006/diagram" xmlns:o="urn:schemas-microsoft-com:office:office" xmlns:v="urn:schemas-microsoft-com:vml" xmlns:pvml="urn:schemas-microsoft-com:office:powerpoint" xmlns:com="http://schemas.openxmlformats.org/drawingml/2006/compatibility" xmlns:p14="http://schemas.microsoft.com/office/powerpoint/2010/main" xmlns:p15="http://schemas.microsoft.com/office/powerpoint/2012/main" xmlns:ahyp="http://schemas.microsoft.com/office/drawing/2018/hyperlinkcolor" matchingName="Section title and description">
+<p:sldLayout xmlns:a="http://schemas.openxmlformats.org/drawingml/2006/main" xmlns:r="http://schemas.openxmlformats.org/officeDocument/2006/relationships" xmlns:p="http://schemas.openxmlformats.org/presentationml/2006/main" matchingName="Section title and description">
   <p:cSld name="SECTION_TITLE_AND_DESCRIPTION">
     <p:spTree>
       <p:nvGrpSpPr>
-        <p:cNvPr id="35" name="Shape 35"/>
+        <p:cNvPr id="1" name="Shape 35"/>
         <p:cNvGrpSpPr/>
         <p:nvPr/>
       </p:nvGrpSpPr>
@@ -5423,12 +5615,12 @@
           </a:ln>
         </p:spPr>
         <p:txBody>
-          <a:bodyPr anchorCtr="0" anchor="ctr" bIns="91425" lIns="91425" spcFirstLastPara="1" rIns="91425" wrap="square" tIns="91425">
+          <a:bodyPr spcFirstLastPara="1" wrap="square" lIns="91425" tIns="91425" rIns="91425" bIns="91425" anchor="ctr" anchorCtr="0">
             <a:noAutofit/>
           </a:bodyPr>
           <a:lstStyle/>
           <a:p>
-            <a:pPr indent="0" lvl="0" marL="0" rtl="0" algn="l">
+            <a:pPr marL="0" lvl="0" indent="0" algn="l" rtl="0">
               <a:spcBef>
                 <a:spcPts val="0"/>
               </a:spcBef>
@@ -5437,9 +5629,6 @@
               </a:spcAft>
               <a:buNone/>
             </a:pPr>
-            <a:r>
-              <a:t/>
-            </a:r>
             <a:endParaRPr/>
           </a:p>
         </p:txBody>
@@ -5447,7 +5636,9 @@
       <p:sp>
         <p:nvSpPr>
           <p:cNvPr id="37" name="Google Shape;37;p9"/>
-          <p:cNvSpPr txBox="1"/>
+          <p:cNvSpPr txBox="1">
+            <a:spLocks noGrp="1"/>
+          </p:cNvSpPr>
           <p:nvPr>
             <p:ph type="title"/>
           </p:nvPr>
@@ -5462,7 +5653,7 @@
           </a:prstGeom>
         </p:spPr>
         <p:txBody>
-          <a:bodyPr anchorCtr="0" anchor="b" bIns="91425" lIns="91425" spcFirstLastPara="1" rIns="91425" wrap="square" tIns="91425">
+          <a:bodyPr spcFirstLastPara="1" wrap="square" lIns="91425" tIns="91425" rIns="91425" bIns="91425" anchor="b" anchorCtr="0">
             <a:noAutofit/>
           </a:bodyPr>
           <a:lstStyle>
@@ -5566,15 +5757,19 @@
               <a:defRPr sz="4200"/>
             </a:lvl9pPr>
           </a:lstStyle>
-          <a:p/>
+          <a:p>
+            <a:endParaRPr/>
+          </a:p>
         </p:txBody>
       </p:sp>
       <p:sp>
         <p:nvSpPr>
           <p:cNvPr id="38" name="Google Shape;38;p9"/>
-          <p:cNvSpPr txBox="1"/>
+          <p:cNvSpPr txBox="1">
+            <a:spLocks noGrp="1"/>
+          </p:cNvSpPr>
           <p:nvPr>
-            <p:ph idx="1" type="subTitle"/>
+            <p:ph type="subTitle" idx="1"/>
           </p:nvPr>
         </p:nvSpPr>
         <p:spPr>
@@ -5587,7 +5782,7 @@
           </a:prstGeom>
         </p:spPr>
         <p:txBody>
-          <a:bodyPr anchorCtr="0" anchor="t" bIns="91425" lIns="91425" spcFirstLastPara="1" rIns="91425" wrap="square" tIns="91425">
+          <a:bodyPr spcFirstLastPara="1" wrap="square" lIns="91425" tIns="91425" rIns="91425" bIns="91425" anchor="t" anchorCtr="0">
             <a:noAutofit/>
           </a:bodyPr>
           <a:lstStyle>
@@ -5718,15 +5913,19 @@
               <a:defRPr sz="2100"/>
             </a:lvl9pPr>
           </a:lstStyle>
-          <a:p/>
+          <a:p>
+            <a:endParaRPr/>
+          </a:p>
         </p:txBody>
       </p:sp>
       <p:sp>
         <p:nvSpPr>
           <p:cNvPr id="39" name="Google Shape;39;p9"/>
-          <p:cNvSpPr txBox="1"/>
+          <p:cNvSpPr txBox="1">
+            <a:spLocks noGrp="1"/>
+          </p:cNvSpPr>
           <p:nvPr>
-            <p:ph idx="2" type="body"/>
+            <p:ph type="body" idx="2"/>
           </p:nvPr>
         </p:nvSpPr>
         <p:spPr>
@@ -5739,11 +5938,11 @@
           </a:prstGeom>
         </p:spPr>
         <p:txBody>
-          <a:bodyPr anchorCtr="0" anchor="ctr" bIns="91425" lIns="91425" spcFirstLastPara="1" rIns="91425" wrap="square" tIns="91425">
+          <a:bodyPr spcFirstLastPara="1" wrap="square" lIns="91425" tIns="91425" rIns="91425" bIns="91425" anchor="ctr" anchorCtr="0">
             <a:noAutofit/>
           </a:bodyPr>
           <a:lstStyle>
-            <a:lvl1pPr indent="-342900" lvl="0" marL="457200">
+            <a:lvl1pPr marL="457200" lvl="0" indent="-342900">
               <a:spcBef>
                 <a:spcPts val="0"/>
               </a:spcBef>
@@ -5754,7 +5953,7 @@
               <a:buChar char="●"/>
               <a:defRPr/>
             </a:lvl1pPr>
-            <a:lvl2pPr indent="-317500" lvl="1" marL="914400">
+            <a:lvl2pPr marL="914400" lvl="1" indent="-317500">
               <a:spcBef>
                 <a:spcPts val="1600"/>
               </a:spcBef>
@@ -5765,7 +5964,7 @@
               <a:buChar char="○"/>
               <a:defRPr/>
             </a:lvl2pPr>
-            <a:lvl3pPr indent="-317500" lvl="2" marL="1371600">
+            <a:lvl3pPr marL="1371600" lvl="2" indent="-317500">
               <a:spcBef>
                 <a:spcPts val="1600"/>
               </a:spcBef>
@@ -5776,7 +5975,7 @@
               <a:buChar char="■"/>
               <a:defRPr/>
             </a:lvl3pPr>
-            <a:lvl4pPr indent="-317500" lvl="3" marL="1828800">
+            <a:lvl4pPr marL="1828800" lvl="3" indent="-317500">
               <a:spcBef>
                 <a:spcPts val="1600"/>
               </a:spcBef>
@@ -5787,7 +5986,7 @@
               <a:buChar char="●"/>
               <a:defRPr/>
             </a:lvl4pPr>
-            <a:lvl5pPr indent="-317500" lvl="4" marL="2286000">
+            <a:lvl5pPr marL="2286000" lvl="4" indent="-317500">
               <a:spcBef>
                 <a:spcPts val="1600"/>
               </a:spcBef>
@@ -5798,7 +5997,7 @@
               <a:buChar char="○"/>
               <a:defRPr/>
             </a:lvl5pPr>
-            <a:lvl6pPr indent="-317500" lvl="5" marL="2743200">
+            <a:lvl6pPr marL="2743200" lvl="5" indent="-317500">
               <a:spcBef>
                 <a:spcPts val="1600"/>
               </a:spcBef>
@@ -5809,7 +6008,7 @@
               <a:buChar char="■"/>
               <a:defRPr/>
             </a:lvl6pPr>
-            <a:lvl7pPr indent="-317500" lvl="6" marL="3200400">
+            <a:lvl7pPr marL="3200400" lvl="6" indent="-317500">
               <a:spcBef>
                 <a:spcPts val="1600"/>
               </a:spcBef>
@@ -5820,7 +6019,7 @@
               <a:buChar char="●"/>
               <a:defRPr/>
             </a:lvl7pPr>
-            <a:lvl8pPr indent="-317500" lvl="7" marL="3657600">
+            <a:lvl8pPr marL="3657600" lvl="7" indent="-317500">
               <a:spcBef>
                 <a:spcPts val="1600"/>
               </a:spcBef>
@@ -5831,7 +6030,7 @@
               <a:buChar char="○"/>
               <a:defRPr/>
             </a:lvl8pPr>
-            <a:lvl9pPr indent="-317500" lvl="8" marL="4114800">
+            <a:lvl9pPr marL="4114800" lvl="8" indent="-317500">
               <a:spcBef>
                 <a:spcPts val="1600"/>
               </a:spcBef>
@@ -5843,15 +6042,19 @@
               <a:defRPr/>
             </a:lvl9pPr>
           </a:lstStyle>
-          <a:p/>
+          <a:p>
+            <a:endParaRPr/>
+          </a:p>
         </p:txBody>
       </p:sp>
       <p:sp>
         <p:nvSpPr>
           <p:cNvPr id="40" name="Google Shape;40;p9"/>
-          <p:cNvSpPr txBox="1"/>
+          <p:cNvSpPr txBox="1">
+            <a:spLocks noGrp="1"/>
+          </p:cNvSpPr>
           <p:nvPr>
-            <p:ph idx="12" type="sldNum"/>
+            <p:ph type="sldNum" idx="12"/>
           </p:nvPr>
         </p:nvSpPr>
         <p:spPr>
@@ -5864,7 +6067,7 @@
           </a:prstGeom>
         </p:spPr>
         <p:txBody>
-          <a:bodyPr anchorCtr="0" anchor="ctr" bIns="91425" lIns="91425" spcFirstLastPara="1" rIns="91425" wrap="square" tIns="91425">
+          <a:bodyPr spcFirstLastPara="1" wrap="square" lIns="91425" tIns="91425" rIns="91425" bIns="91425" anchor="ctr" anchorCtr="0">
             <a:noAutofit/>
           </a:bodyPr>
           <a:lstStyle>
@@ -5906,7 +6109,7 @@
             </a:lvl9pPr>
           </a:lstStyle>
           <a:p>
-            <a:pPr indent="0" lvl="0" marL="0" rtl="0" algn="r">
+            <a:pPr marL="0" lvl="0" indent="0" algn="r" rtl="0">
               <a:spcBef>
                 <a:spcPts val="0"/>
               </a:spcBef>
@@ -5932,11 +6135,11 @@
 </file>
 
 <file path=ppt/slideLayouts/slideLayout9.xml><?xml version="1.0" encoding="utf-8"?>
-<p:sldLayout xmlns:a="http://schemas.openxmlformats.org/drawingml/2006/main" xmlns:r="http://schemas.openxmlformats.org/officeDocument/2006/relationships" xmlns:mc="http://schemas.openxmlformats.org/markup-compatibility/2006" xmlns:mv="urn:schemas-microsoft-com:mac:vml" xmlns:p="http://schemas.openxmlformats.org/presentationml/2006/main" xmlns:c="http://schemas.openxmlformats.org/drawingml/2006/chart" xmlns:dgm="http://schemas.openxmlformats.org/drawingml/2006/diagram" xmlns:o="urn:schemas-microsoft-com:office:office" xmlns:v="urn:schemas-microsoft-com:vml" xmlns:pvml="urn:schemas-microsoft-com:office:powerpoint" xmlns:com="http://schemas.openxmlformats.org/drawingml/2006/compatibility" xmlns:p14="http://schemas.microsoft.com/office/powerpoint/2010/main" xmlns:p15="http://schemas.microsoft.com/office/powerpoint/2012/main" xmlns:ahyp="http://schemas.microsoft.com/office/drawing/2018/hyperlinkcolor" matchingName="Caption">
+<p:sldLayout xmlns:a="http://schemas.openxmlformats.org/drawingml/2006/main" xmlns:r="http://schemas.openxmlformats.org/officeDocument/2006/relationships" xmlns:p="http://schemas.openxmlformats.org/presentationml/2006/main" matchingName="Caption">
   <p:cSld name="CAPTION_ONLY">
     <p:spTree>
       <p:nvGrpSpPr>
-        <p:cNvPr id="41" name="Shape 41"/>
+        <p:cNvPr id="1" name="Shape 41"/>
         <p:cNvGrpSpPr/>
         <p:nvPr/>
       </p:nvGrpSpPr>
@@ -5951,9 +6154,11 @@
       <p:sp>
         <p:nvSpPr>
           <p:cNvPr id="42" name="Google Shape;42;p10"/>
-          <p:cNvSpPr txBox="1"/>
+          <p:cNvSpPr txBox="1">
+            <a:spLocks noGrp="1"/>
+          </p:cNvSpPr>
           <p:nvPr>
-            <p:ph idx="1" type="body"/>
+            <p:ph type="body" idx="1"/>
           </p:nvPr>
         </p:nvSpPr>
         <p:spPr>
@@ -5966,11 +6171,11 @@
           </a:prstGeom>
         </p:spPr>
         <p:txBody>
-          <a:bodyPr anchorCtr="0" anchor="ctr" bIns="91425" lIns="91425" spcFirstLastPara="1" rIns="91425" wrap="square" tIns="91425">
+          <a:bodyPr spcFirstLastPara="1" wrap="square" lIns="91425" tIns="91425" rIns="91425" bIns="91425" anchor="ctr" anchorCtr="0">
             <a:noAutofit/>
           </a:bodyPr>
           <a:lstStyle>
-            <a:lvl1pPr indent="-228600" lvl="0" marL="457200">
+            <a:lvl1pPr marL="457200" lvl="0" indent="-228600">
               <a:lnSpc>
                 <a:spcPct val="100000"/>
               </a:lnSpc>
@@ -5985,15 +6190,19 @@
               <a:defRPr/>
             </a:lvl1pPr>
           </a:lstStyle>
-          <a:p/>
+          <a:p>
+            <a:endParaRPr/>
+          </a:p>
         </p:txBody>
       </p:sp>
       <p:sp>
         <p:nvSpPr>
           <p:cNvPr id="43" name="Google Shape;43;p10"/>
-          <p:cNvSpPr txBox="1"/>
+          <p:cNvSpPr txBox="1">
+            <a:spLocks noGrp="1"/>
+          </p:cNvSpPr>
           <p:nvPr>
-            <p:ph idx="12" type="sldNum"/>
+            <p:ph type="sldNum" idx="12"/>
           </p:nvPr>
         </p:nvSpPr>
         <p:spPr>
@@ -6006,7 +6215,7 @@
           </a:prstGeom>
         </p:spPr>
         <p:txBody>
-          <a:bodyPr anchorCtr="0" anchor="ctr" bIns="91425" lIns="91425" spcFirstLastPara="1" rIns="91425" wrap="square" tIns="91425">
+          <a:bodyPr spcFirstLastPara="1" wrap="square" lIns="91425" tIns="91425" rIns="91425" bIns="91425" anchor="ctr" anchorCtr="0">
             <a:noAutofit/>
           </a:bodyPr>
           <a:lstStyle>
@@ -6048,7 +6257,7 @@
             </a:lvl9pPr>
           </a:lstStyle>
           <a:p>
-            <a:pPr indent="0" lvl="0" marL="0" rtl="0" algn="r">
+            <a:pPr marL="0" lvl="0" indent="0" algn="r" rtl="0">
               <a:spcBef>
                 <a:spcPts val="0"/>
               </a:spcBef>
@@ -6074,18 +6283,19 @@
 </file>
 
 <file path=ppt/slideMasters/slideMaster1.xml><?xml version="1.0" encoding="utf-8"?>
-<p:sldMaster xmlns:a="http://schemas.openxmlformats.org/drawingml/2006/main" xmlns:r="http://schemas.openxmlformats.org/officeDocument/2006/relationships" xmlns:mc="http://schemas.openxmlformats.org/markup-compatibility/2006" xmlns:mv="urn:schemas-microsoft-com:mac:vml" xmlns:p="http://schemas.openxmlformats.org/presentationml/2006/main" xmlns:c="http://schemas.openxmlformats.org/drawingml/2006/chart" xmlns:dgm="http://schemas.openxmlformats.org/drawingml/2006/diagram" xmlns:o="urn:schemas-microsoft-com:office:office" xmlns:v="urn:schemas-microsoft-com:vml" xmlns:pvml="urn:schemas-microsoft-com:office:powerpoint" xmlns:com="http://schemas.openxmlformats.org/drawingml/2006/compatibility" xmlns:p14="http://schemas.microsoft.com/office/powerpoint/2010/main" xmlns:p15="http://schemas.microsoft.com/office/powerpoint/2012/main" xmlns:ahyp="http://schemas.microsoft.com/office/drawing/2018/hyperlinkcolor">
+<p:sldMaster xmlns:a="http://schemas.openxmlformats.org/drawingml/2006/main" xmlns:r="http://schemas.openxmlformats.org/officeDocument/2006/relationships" xmlns:p="http://schemas.openxmlformats.org/presentationml/2006/main">
   <p:cSld name="simple-light-2">
     <p:bg>
       <p:bgPr>
         <a:solidFill>
           <a:schemeClr val="lt1"/>
         </a:solidFill>
+        <a:effectLst/>
       </p:bgPr>
     </p:bg>
     <p:spTree>
       <p:nvGrpSpPr>
-        <p:cNvPr id="5" name="Shape 5"/>
+        <p:cNvPr id="1" name="Shape 5"/>
         <p:cNvGrpSpPr/>
         <p:nvPr/>
       </p:nvGrpSpPr>
@@ -6100,7 +6310,9 @@
       <p:sp>
         <p:nvSpPr>
           <p:cNvPr id="6" name="Google Shape;6;p1"/>
-          <p:cNvSpPr txBox="1"/>
+          <p:cNvSpPr txBox="1">
+            <a:spLocks noGrp="1"/>
+          </p:cNvSpPr>
           <p:nvPr>
             <p:ph type="title"/>
           </p:nvPr>
@@ -6119,7 +6331,7 @@
           </a:ln>
         </p:spPr>
         <p:txBody>
-          <a:bodyPr anchorCtr="0" anchor="t" bIns="91425" lIns="91425" spcFirstLastPara="1" rIns="91425" wrap="square" tIns="91425">
+          <a:bodyPr spcFirstLastPara="1" wrap="square" lIns="91425" tIns="91425" rIns="91425" bIns="91425" anchor="t" anchorCtr="0">
             <a:noAutofit/>
           </a:bodyPr>
           <a:lstStyle>
@@ -6286,15 +6498,19 @@
               </a:defRPr>
             </a:lvl9pPr>
           </a:lstStyle>
-          <a:p/>
+          <a:p>
+            <a:endParaRPr/>
+          </a:p>
         </p:txBody>
       </p:sp>
       <p:sp>
         <p:nvSpPr>
           <p:cNvPr id="7" name="Google Shape;7;p1"/>
-          <p:cNvSpPr txBox="1"/>
+          <p:cNvSpPr txBox="1">
+            <a:spLocks noGrp="1"/>
+          </p:cNvSpPr>
           <p:nvPr>
-            <p:ph idx="1" type="body"/>
+            <p:ph type="body" idx="1"/>
           </p:nvPr>
         </p:nvSpPr>
         <p:spPr>
@@ -6311,11 +6527,11 @@
           </a:ln>
         </p:spPr>
         <p:txBody>
-          <a:bodyPr anchorCtr="0" anchor="t" bIns="91425" lIns="91425" spcFirstLastPara="1" rIns="91425" wrap="square" tIns="91425">
+          <a:bodyPr spcFirstLastPara="1" wrap="square" lIns="91425" tIns="91425" rIns="91425" bIns="91425" anchor="t" anchorCtr="0">
             <a:noAutofit/>
           </a:bodyPr>
           <a:lstStyle>
-            <a:lvl1pPr indent="-342900" lvl="0" marL="457200">
+            <a:lvl1pPr marL="457200" lvl="0" indent="-342900">
               <a:lnSpc>
                 <a:spcPct val="115000"/>
               </a:lnSpc>
@@ -6336,7 +6552,7 @@
                 </a:solidFill>
               </a:defRPr>
             </a:lvl1pPr>
-            <a:lvl2pPr indent="-317500" lvl="1" marL="914400">
+            <a:lvl2pPr marL="914400" lvl="1" indent="-317500">
               <a:lnSpc>
                 <a:spcPct val="115000"/>
               </a:lnSpc>
@@ -6357,7 +6573,7 @@
                 </a:solidFill>
               </a:defRPr>
             </a:lvl2pPr>
-            <a:lvl3pPr indent="-317500" lvl="2" marL="1371600">
+            <a:lvl3pPr marL="1371600" lvl="2" indent="-317500">
               <a:lnSpc>
                 <a:spcPct val="115000"/>
               </a:lnSpc>
@@ -6378,7 +6594,7 @@
                 </a:solidFill>
               </a:defRPr>
             </a:lvl3pPr>
-            <a:lvl4pPr indent="-317500" lvl="3" marL="1828800">
+            <a:lvl4pPr marL="1828800" lvl="3" indent="-317500">
               <a:lnSpc>
                 <a:spcPct val="115000"/>
               </a:lnSpc>
@@ -6399,7 +6615,7 @@
                 </a:solidFill>
               </a:defRPr>
             </a:lvl4pPr>
-            <a:lvl5pPr indent="-317500" lvl="4" marL="2286000">
+            <a:lvl5pPr marL="2286000" lvl="4" indent="-317500">
               <a:lnSpc>
                 <a:spcPct val="115000"/>
               </a:lnSpc>
@@ -6420,7 +6636,7 @@
                 </a:solidFill>
               </a:defRPr>
             </a:lvl5pPr>
-            <a:lvl6pPr indent="-317500" lvl="5" marL="2743200">
+            <a:lvl6pPr marL="2743200" lvl="5" indent="-317500">
               <a:lnSpc>
                 <a:spcPct val="115000"/>
               </a:lnSpc>
@@ -6441,7 +6657,7 @@
                 </a:solidFill>
               </a:defRPr>
             </a:lvl6pPr>
-            <a:lvl7pPr indent="-317500" lvl="6" marL="3200400">
+            <a:lvl7pPr marL="3200400" lvl="6" indent="-317500">
               <a:lnSpc>
                 <a:spcPct val="115000"/>
               </a:lnSpc>
@@ -6462,7 +6678,7 @@
                 </a:solidFill>
               </a:defRPr>
             </a:lvl7pPr>
-            <a:lvl8pPr indent="-317500" lvl="7" marL="3657600">
+            <a:lvl8pPr marL="3657600" lvl="7" indent="-317500">
               <a:lnSpc>
                 <a:spcPct val="115000"/>
               </a:lnSpc>
@@ -6483,7 +6699,7 @@
                 </a:solidFill>
               </a:defRPr>
             </a:lvl8pPr>
-            <a:lvl9pPr indent="-317500" lvl="8" marL="4114800">
+            <a:lvl9pPr marL="4114800" lvl="8" indent="-317500">
               <a:lnSpc>
                 <a:spcPct val="115000"/>
               </a:lnSpc>
@@ -6505,15 +6721,19 @@
               </a:defRPr>
             </a:lvl9pPr>
           </a:lstStyle>
-          <a:p/>
+          <a:p>
+            <a:endParaRPr/>
+          </a:p>
         </p:txBody>
       </p:sp>
       <p:sp>
         <p:nvSpPr>
           <p:cNvPr id="8" name="Google Shape;8;p1"/>
-          <p:cNvSpPr txBox="1"/>
+          <p:cNvSpPr txBox="1">
+            <a:spLocks noGrp="1"/>
+          </p:cNvSpPr>
           <p:nvPr>
-            <p:ph idx="12" type="sldNum"/>
+            <p:ph type="sldNum" idx="12"/>
           </p:nvPr>
         </p:nvSpPr>
         <p:spPr>
@@ -6530,7 +6750,7 @@
           </a:ln>
         </p:spPr>
         <p:txBody>
-          <a:bodyPr anchorCtr="0" anchor="ctr" bIns="91425" lIns="91425" spcFirstLastPara="1" rIns="91425" wrap="square" tIns="91425">
+          <a:bodyPr spcFirstLastPara="1" wrap="square" lIns="91425" tIns="91425" rIns="91425" bIns="91425" anchor="ctr" anchorCtr="0">
             <a:noAutofit/>
           </a:bodyPr>
           <a:lstStyle>
@@ -6608,7 +6828,7 @@
             </a:lvl9pPr>
           </a:lstStyle>
           <a:p>
-            <a:pPr indent="0" lvl="0" marL="0" rtl="0" algn="r">
+            <a:pPr marL="0" lvl="0" indent="0" algn="r" rtl="0">
               <a:spcBef>
                 <a:spcPts val="0"/>
               </a:spcBef>
@@ -6627,7 +6847,7 @@
       </p:sp>
     </p:spTree>
   </p:cSld>
-  <p:clrMap accent1="accent1" accent2="accent2" accent3="accent3" accent4="accent4" accent5="accent5" accent6="accent6" bg1="lt1" bg2="dk2" tx1="dk1" tx2="lt2" folHlink="folHlink" hlink="hlink"/>
+  <p:clrMap bg1="lt1" tx1="dk1" bg2="dk2" tx2="lt2" accent1="accent1" accent2="accent2" accent3="accent3" accent4="accent4" accent5="accent5" accent6="accent6" hlink="hlink" folHlink="folHlink"/>
   <p:sldLayoutIdLst>
     <p:sldLayoutId id="2147483648" r:id="rId1"/>
     <p:sldLayoutId id="2147483649" r:id="rId2"/>
@@ -6641,10 +6861,10 @@
     <p:sldLayoutId id="2147483657" r:id="rId10"/>
     <p:sldLayoutId id="2147483658" r:id="rId11"/>
   </p:sldLayoutIdLst>
-  <p:hf dt="0" ftr="0" hdr="0" sldNum="0"/>
+  <p:hf sldNum="0" hdr="0" ftr="0" dt="0"/>
   <p:txStyles>
     <p:titleStyle>
-      <a:defPPr lvl="0" marR="0" rtl="0" algn="l">
+      <a:defPPr marR="0" lvl="0" algn="l" rtl="0">
         <a:lnSpc>
           <a:spcPct val="100000"/>
         </a:lnSpc>
@@ -6655,7 +6875,7 @@
           <a:spcPts val="0"/>
         </a:spcAft>
       </a:defPPr>
-      <a:lvl1pPr lvl="0" marR="0" rtl="0" algn="l">
+      <a:lvl1pPr marR="0" lvl="0" algn="l" rtl="0">
         <a:lnSpc>
           <a:spcPct val="100000"/>
         </a:lnSpc>
@@ -6669,7 +6889,7 @@
           <a:srgbClr val="000000"/>
         </a:buClr>
         <a:buFont typeface="Arial"/>
-        <a:defRPr b="0" i="0" sz="1400" u="none" cap="none" strike="noStrike">
+        <a:defRPr sz="1400" b="0" i="0" u="none" strike="noStrike" cap="none">
           <a:solidFill>
             <a:srgbClr val="000000"/>
           </a:solidFill>
@@ -6679,7 +6899,7 @@
           <a:sym typeface="Arial"/>
         </a:defRPr>
       </a:lvl1pPr>
-      <a:lvl2pPr lvl="1" marR="0" rtl="0" algn="l">
+      <a:lvl2pPr marR="0" lvl="1" algn="l" rtl="0">
         <a:lnSpc>
           <a:spcPct val="100000"/>
         </a:lnSpc>
@@ -6693,7 +6913,7 @@
           <a:srgbClr val="000000"/>
         </a:buClr>
         <a:buFont typeface="Arial"/>
-        <a:defRPr b="0" i="0" sz="1400" u="none" cap="none" strike="noStrike">
+        <a:defRPr sz="1400" b="0" i="0" u="none" strike="noStrike" cap="none">
           <a:solidFill>
             <a:srgbClr val="000000"/>
           </a:solidFill>
@@ -6703,7 +6923,7 @@
           <a:sym typeface="Arial"/>
         </a:defRPr>
       </a:lvl2pPr>
-      <a:lvl3pPr lvl="2" marR="0" rtl="0" algn="l">
+      <a:lvl3pPr marR="0" lvl="2" algn="l" rtl="0">
         <a:lnSpc>
           <a:spcPct val="100000"/>
         </a:lnSpc>
@@ -6717,7 +6937,7 @@
           <a:srgbClr val="000000"/>
         </a:buClr>
         <a:buFont typeface="Arial"/>
-        <a:defRPr b="0" i="0" sz="1400" u="none" cap="none" strike="noStrike">
+        <a:defRPr sz="1400" b="0" i="0" u="none" strike="noStrike" cap="none">
           <a:solidFill>
             <a:srgbClr val="000000"/>
           </a:solidFill>
@@ -6727,7 +6947,7 @@
           <a:sym typeface="Arial"/>
         </a:defRPr>
       </a:lvl3pPr>
-      <a:lvl4pPr lvl="3" marR="0" rtl="0" algn="l">
+      <a:lvl4pPr marR="0" lvl="3" algn="l" rtl="0">
         <a:lnSpc>
           <a:spcPct val="100000"/>
         </a:lnSpc>
@@ -6741,7 +6961,7 @@
           <a:srgbClr val="000000"/>
         </a:buClr>
         <a:buFont typeface="Arial"/>
-        <a:defRPr b="0" i="0" sz="1400" u="none" cap="none" strike="noStrike">
+        <a:defRPr sz="1400" b="0" i="0" u="none" strike="noStrike" cap="none">
           <a:solidFill>
             <a:srgbClr val="000000"/>
           </a:solidFill>
@@ -6751,7 +6971,7 @@
           <a:sym typeface="Arial"/>
         </a:defRPr>
       </a:lvl4pPr>
-      <a:lvl5pPr lvl="4" marR="0" rtl="0" algn="l">
+      <a:lvl5pPr marR="0" lvl="4" algn="l" rtl="0">
         <a:lnSpc>
           <a:spcPct val="100000"/>
         </a:lnSpc>
@@ -6765,7 +6985,7 @@
           <a:srgbClr val="000000"/>
         </a:buClr>
         <a:buFont typeface="Arial"/>
-        <a:defRPr b="0" i="0" sz="1400" u="none" cap="none" strike="noStrike">
+        <a:defRPr sz="1400" b="0" i="0" u="none" strike="noStrike" cap="none">
           <a:solidFill>
             <a:srgbClr val="000000"/>
           </a:solidFill>
@@ -6775,7 +6995,7 @@
           <a:sym typeface="Arial"/>
         </a:defRPr>
       </a:lvl5pPr>
-      <a:lvl6pPr lvl="5" marR="0" rtl="0" algn="l">
+      <a:lvl6pPr marR="0" lvl="5" algn="l" rtl="0">
         <a:lnSpc>
           <a:spcPct val="100000"/>
         </a:lnSpc>
@@ -6789,7 +7009,7 @@
           <a:srgbClr val="000000"/>
         </a:buClr>
         <a:buFont typeface="Arial"/>
-        <a:defRPr b="0" i="0" sz="1400" u="none" cap="none" strike="noStrike">
+        <a:defRPr sz="1400" b="0" i="0" u="none" strike="noStrike" cap="none">
           <a:solidFill>
             <a:srgbClr val="000000"/>
           </a:solidFill>
@@ -6799,7 +7019,7 @@
           <a:sym typeface="Arial"/>
         </a:defRPr>
       </a:lvl6pPr>
-      <a:lvl7pPr lvl="6" marR="0" rtl="0" algn="l">
+      <a:lvl7pPr marR="0" lvl="6" algn="l" rtl="0">
         <a:lnSpc>
           <a:spcPct val="100000"/>
         </a:lnSpc>
@@ -6813,7 +7033,7 @@
           <a:srgbClr val="000000"/>
         </a:buClr>
         <a:buFont typeface="Arial"/>
-        <a:defRPr b="0" i="0" sz="1400" u="none" cap="none" strike="noStrike">
+        <a:defRPr sz="1400" b="0" i="0" u="none" strike="noStrike" cap="none">
           <a:solidFill>
             <a:srgbClr val="000000"/>
           </a:solidFill>
@@ -6823,7 +7043,7 @@
           <a:sym typeface="Arial"/>
         </a:defRPr>
       </a:lvl7pPr>
-      <a:lvl8pPr lvl="7" marR="0" rtl="0" algn="l">
+      <a:lvl8pPr marR="0" lvl="7" algn="l" rtl="0">
         <a:lnSpc>
           <a:spcPct val="100000"/>
         </a:lnSpc>
@@ -6837,7 +7057,7 @@
           <a:srgbClr val="000000"/>
         </a:buClr>
         <a:buFont typeface="Arial"/>
-        <a:defRPr b="0" i="0" sz="1400" u="none" cap="none" strike="noStrike">
+        <a:defRPr sz="1400" b="0" i="0" u="none" strike="noStrike" cap="none">
           <a:solidFill>
             <a:srgbClr val="000000"/>
           </a:solidFill>
@@ -6847,7 +7067,7 @@
           <a:sym typeface="Arial"/>
         </a:defRPr>
       </a:lvl8pPr>
-      <a:lvl9pPr lvl="8" marR="0" rtl="0" algn="l">
+      <a:lvl9pPr marR="0" lvl="8" algn="l" rtl="0">
         <a:lnSpc>
           <a:spcPct val="100000"/>
         </a:lnSpc>
@@ -6861,7 +7081,7 @@
           <a:srgbClr val="000000"/>
         </a:buClr>
         <a:buFont typeface="Arial"/>
-        <a:defRPr b="0" i="0" sz="1400" u="none" cap="none" strike="noStrike">
+        <a:defRPr sz="1400" b="0" i="0" u="none" strike="noStrike" cap="none">
           <a:solidFill>
             <a:srgbClr val="000000"/>
           </a:solidFill>
@@ -6873,7 +7093,7 @@
       </a:lvl9pPr>
     </p:titleStyle>
     <p:bodyStyle>
-      <a:defPPr lvl="0" marR="0" rtl="0" algn="l">
+      <a:defPPr marR="0" lvl="0" algn="l" rtl="0">
         <a:lnSpc>
           <a:spcPct val="100000"/>
         </a:lnSpc>
@@ -6884,7 +7104,7 @@
           <a:spcPts val="0"/>
         </a:spcAft>
       </a:defPPr>
-      <a:lvl1pPr lvl="0" marR="0" rtl="0" algn="l">
+      <a:lvl1pPr marR="0" lvl="0" algn="l" rtl="0">
         <a:lnSpc>
           <a:spcPct val="100000"/>
         </a:lnSpc>
@@ -6898,7 +7118,7 @@
           <a:srgbClr val="000000"/>
         </a:buClr>
         <a:buFont typeface="Arial"/>
-        <a:defRPr b="0" i="0" sz="1400" u="none" cap="none" strike="noStrike">
+        <a:defRPr sz="1400" b="0" i="0" u="none" strike="noStrike" cap="none">
           <a:solidFill>
             <a:srgbClr val="000000"/>
           </a:solidFill>
@@ -6908,7 +7128,7 @@
           <a:sym typeface="Arial"/>
         </a:defRPr>
       </a:lvl1pPr>
-      <a:lvl2pPr lvl="1" marR="0" rtl="0" algn="l">
+      <a:lvl2pPr marR="0" lvl="1" algn="l" rtl="0">
         <a:lnSpc>
           <a:spcPct val="100000"/>
         </a:lnSpc>
@@ -6922,7 +7142,7 @@
           <a:srgbClr val="000000"/>
         </a:buClr>
         <a:buFont typeface="Arial"/>
-        <a:defRPr b="0" i="0" sz="1400" u="none" cap="none" strike="noStrike">
+        <a:defRPr sz="1400" b="0" i="0" u="none" strike="noStrike" cap="none">
           <a:solidFill>
             <a:srgbClr val="000000"/>
           </a:solidFill>
@@ -6932,7 +7152,7 @@
           <a:sym typeface="Arial"/>
         </a:defRPr>
       </a:lvl2pPr>
-      <a:lvl3pPr lvl="2" marR="0" rtl="0" algn="l">
+      <a:lvl3pPr marR="0" lvl="2" algn="l" rtl="0">
         <a:lnSpc>
           <a:spcPct val="100000"/>
         </a:lnSpc>
@@ -6946,7 +7166,7 @@
           <a:srgbClr val="000000"/>
         </a:buClr>
         <a:buFont typeface="Arial"/>
-        <a:defRPr b="0" i="0" sz="1400" u="none" cap="none" strike="noStrike">
+        <a:defRPr sz="1400" b="0" i="0" u="none" strike="noStrike" cap="none">
           <a:solidFill>
             <a:srgbClr val="000000"/>
           </a:solidFill>
@@ -6956,7 +7176,7 @@
           <a:sym typeface="Arial"/>
         </a:defRPr>
       </a:lvl3pPr>
-      <a:lvl4pPr lvl="3" marR="0" rtl="0" algn="l">
+      <a:lvl4pPr marR="0" lvl="3" algn="l" rtl="0">
         <a:lnSpc>
           <a:spcPct val="100000"/>
         </a:lnSpc>
@@ -6970,7 +7190,7 @@
           <a:srgbClr val="000000"/>
         </a:buClr>
         <a:buFont typeface="Arial"/>
-        <a:defRPr b="0" i="0" sz="1400" u="none" cap="none" strike="noStrike">
+        <a:defRPr sz="1400" b="0" i="0" u="none" strike="noStrike" cap="none">
           <a:solidFill>
             <a:srgbClr val="000000"/>
           </a:solidFill>
@@ -6980,7 +7200,7 @@
           <a:sym typeface="Arial"/>
         </a:defRPr>
       </a:lvl4pPr>
-      <a:lvl5pPr lvl="4" marR="0" rtl="0" algn="l">
+      <a:lvl5pPr marR="0" lvl="4" algn="l" rtl="0">
         <a:lnSpc>
           <a:spcPct val="100000"/>
         </a:lnSpc>
@@ -6994,7 +7214,7 @@
           <a:srgbClr val="000000"/>
         </a:buClr>
         <a:buFont typeface="Arial"/>
-        <a:defRPr b="0" i="0" sz="1400" u="none" cap="none" strike="noStrike">
+        <a:defRPr sz="1400" b="0" i="0" u="none" strike="noStrike" cap="none">
           <a:solidFill>
             <a:srgbClr val="000000"/>
           </a:solidFill>
@@ -7004,7 +7224,7 @@
           <a:sym typeface="Arial"/>
         </a:defRPr>
       </a:lvl5pPr>
-      <a:lvl6pPr lvl="5" marR="0" rtl="0" algn="l">
+      <a:lvl6pPr marR="0" lvl="5" algn="l" rtl="0">
         <a:lnSpc>
           <a:spcPct val="100000"/>
         </a:lnSpc>
@@ -7018,7 +7238,7 @@
           <a:srgbClr val="000000"/>
         </a:buClr>
         <a:buFont typeface="Arial"/>
-        <a:defRPr b="0" i="0" sz="1400" u="none" cap="none" strike="noStrike">
+        <a:defRPr sz="1400" b="0" i="0" u="none" strike="noStrike" cap="none">
           <a:solidFill>
             <a:srgbClr val="000000"/>
           </a:solidFill>
@@ -7028,7 +7248,7 @@
           <a:sym typeface="Arial"/>
         </a:defRPr>
       </a:lvl6pPr>
-      <a:lvl7pPr lvl="6" marR="0" rtl="0" algn="l">
+      <a:lvl7pPr marR="0" lvl="6" algn="l" rtl="0">
         <a:lnSpc>
           <a:spcPct val="100000"/>
         </a:lnSpc>
@@ -7042,7 +7262,7 @@
           <a:srgbClr val="000000"/>
         </a:buClr>
         <a:buFont typeface="Arial"/>
-        <a:defRPr b="0" i="0" sz="1400" u="none" cap="none" strike="noStrike">
+        <a:defRPr sz="1400" b="0" i="0" u="none" strike="noStrike" cap="none">
           <a:solidFill>
             <a:srgbClr val="000000"/>
           </a:solidFill>
@@ -7052,7 +7272,7 @@
           <a:sym typeface="Arial"/>
         </a:defRPr>
       </a:lvl7pPr>
-      <a:lvl8pPr lvl="7" marR="0" rtl="0" algn="l">
+      <a:lvl8pPr marR="0" lvl="7" algn="l" rtl="0">
         <a:lnSpc>
           <a:spcPct val="100000"/>
         </a:lnSpc>
@@ -7066,7 +7286,7 @@
           <a:srgbClr val="000000"/>
         </a:buClr>
         <a:buFont typeface="Arial"/>
-        <a:defRPr b="0" i="0" sz="1400" u="none" cap="none" strike="noStrike">
+        <a:defRPr sz="1400" b="0" i="0" u="none" strike="noStrike" cap="none">
           <a:solidFill>
             <a:srgbClr val="000000"/>
           </a:solidFill>
@@ -7076,7 +7296,7 @@
           <a:sym typeface="Arial"/>
         </a:defRPr>
       </a:lvl8pPr>
-      <a:lvl9pPr lvl="8" marR="0" rtl="0" algn="l">
+      <a:lvl9pPr marR="0" lvl="8" algn="l" rtl="0">
         <a:lnSpc>
           <a:spcPct val="100000"/>
         </a:lnSpc>
@@ -7090,7 +7310,7 @@
           <a:srgbClr val="000000"/>
         </a:buClr>
         <a:buFont typeface="Arial"/>
-        <a:defRPr b="0" i="0" sz="1400" u="none" cap="none" strike="noStrike">
+        <a:defRPr sz="1400" b="0" i="0" u="none" strike="noStrike" cap="none">
           <a:solidFill>
             <a:srgbClr val="000000"/>
           </a:solidFill>
@@ -7102,7 +7322,7 @@
       </a:lvl9pPr>
     </p:bodyStyle>
     <p:otherStyle>
-      <a:defPPr lvl="0" marR="0" rtl="0" algn="l">
+      <a:defPPr marR="0" lvl="0" algn="l" rtl="0">
         <a:lnSpc>
           <a:spcPct val="100000"/>
         </a:lnSpc>
@@ -7113,7 +7333,7 @@
           <a:spcPts val="0"/>
         </a:spcAft>
       </a:defPPr>
-      <a:lvl1pPr lvl="0" marR="0" rtl="0" algn="l">
+      <a:lvl1pPr marR="0" lvl="0" algn="l" rtl="0">
         <a:lnSpc>
           <a:spcPct val="100000"/>
         </a:lnSpc>
@@ -7127,7 +7347,7 @@
           <a:srgbClr val="000000"/>
         </a:buClr>
         <a:buFont typeface="Arial"/>
-        <a:defRPr b="0" i="0" sz="1400" u="none" cap="none" strike="noStrike">
+        <a:defRPr sz="1400" b="0" i="0" u="none" strike="noStrike" cap="none">
           <a:solidFill>
             <a:srgbClr val="000000"/>
           </a:solidFill>
@@ -7137,7 +7357,7 @@
           <a:sym typeface="Arial"/>
         </a:defRPr>
       </a:lvl1pPr>
-      <a:lvl2pPr lvl="1" marR="0" rtl="0" algn="l">
+      <a:lvl2pPr marR="0" lvl="1" algn="l" rtl="0">
         <a:lnSpc>
           <a:spcPct val="100000"/>
         </a:lnSpc>
@@ -7151,7 +7371,7 @@
           <a:srgbClr val="000000"/>
         </a:buClr>
         <a:buFont typeface="Arial"/>
-        <a:defRPr b="0" i="0" sz="1400" u="none" cap="none" strike="noStrike">
+        <a:defRPr sz="1400" b="0" i="0" u="none" strike="noStrike" cap="none">
           <a:solidFill>
             <a:srgbClr val="000000"/>
           </a:solidFill>
@@ -7161,7 +7381,7 @@
           <a:sym typeface="Arial"/>
         </a:defRPr>
       </a:lvl2pPr>
-      <a:lvl3pPr lvl="2" marR="0" rtl="0" algn="l">
+      <a:lvl3pPr marR="0" lvl="2" algn="l" rtl="0">
         <a:lnSpc>
           <a:spcPct val="100000"/>
         </a:lnSpc>
@@ -7175,7 +7395,7 @@
           <a:srgbClr val="000000"/>
         </a:buClr>
         <a:buFont typeface="Arial"/>
-        <a:defRPr b="0" i="0" sz="1400" u="none" cap="none" strike="noStrike">
+        <a:defRPr sz="1400" b="0" i="0" u="none" strike="noStrike" cap="none">
           <a:solidFill>
             <a:srgbClr val="000000"/>
           </a:solidFill>
@@ -7185,7 +7405,7 @@
           <a:sym typeface="Arial"/>
         </a:defRPr>
       </a:lvl3pPr>
-      <a:lvl4pPr lvl="3" marR="0" rtl="0" algn="l">
+      <a:lvl4pPr marR="0" lvl="3" algn="l" rtl="0">
         <a:lnSpc>
           <a:spcPct val="100000"/>
         </a:lnSpc>
@@ -7199,7 +7419,7 @@
           <a:srgbClr val="000000"/>
         </a:buClr>
         <a:buFont typeface="Arial"/>
-        <a:defRPr b="0" i="0" sz="1400" u="none" cap="none" strike="noStrike">
+        <a:defRPr sz="1400" b="0" i="0" u="none" strike="noStrike" cap="none">
           <a:solidFill>
             <a:srgbClr val="000000"/>
           </a:solidFill>
@@ -7209,7 +7429,7 @@
           <a:sym typeface="Arial"/>
         </a:defRPr>
       </a:lvl4pPr>
-      <a:lvl5pPr lvl="4" marR="0" rtl="0" algn="l">
+      <a:lvl5pPr marR="0" lvl="4" algn="l" rtl="0">
         <a:lnSpc>
           <a:spcPct val="100000"/>
         </a:lnSpc>
@@ -7223,7 +7443,7 @@
           <a:srgbClr val="000000"/>
         </a:buClr>
         <a:buFont typeface="Arial"/>
-        <a:defRPr b="0" i="0" sz="1400" u="none" cap="none" strike="noStrike">
+        <a:defRPr sz="1400" b="0" i="0" u="none" strike="noStrike" cap="none">
           <a:solidFill>
             <a:srgbClr val="000000"/>
           </a:solidFill>
@@ -7233,7 +7453,7 @@
           <a:sym typeface="Arial"/>
         </a:defRPr>
       </a:lvl5pPr>
-      <a:lvl6pPr lvl="5" marR="0" rtl="0" algn="l">
+      <a:lvl6pPr marR="0" lvl="5" algn="l" rtl="0">
         <a:lnSpc>
           <a:spcPct val="100000"/>
         </a:lnSpc>
@@ -7247,7 +7467,7 @@
           <a:srgbClr val="000000"/>
         </a:buClr>
         <a:buFont typeface="Arial"/>
-        <a:defRPr b="0" i="0" sz="1400" u="none" cap="none" strike="noStrike">
+        <a:defRPr sz="1400" b="0" i="0" u="none" strike="noStrike" cap="none">
           <a:solidFill>
             <a:srgbClr val="000000"/>
           </a:solidFill>
@@ -7257,7 +7477,7 @@
           <a:sym typeface="Arial"/>
         </a:defRPr>
       </a:lvl6pPr>
-      <a:lvl7pPr lvl="6" marR="0" rtl="0" algn="l">
+      <a:lvl7pPr marR="0" lvl="6" algn="l" rtl="0">
         <a:lnSpc>
           <a:spcPct val="100000"/>
         </a:lnSpc>
@@ -7271,7 +7491,7 @@
           <a:srgbClr val="000000"/>
         </a:buClr>
         <a:buFont typeface="Arial"/>
-        <a:defRPr b="0" i="0" sz="1400" u="none" cap="none" strike="noStrike">
+        <a:defRPr sz="1400" b="0" i="0" u="none" strike="noStrike" cap="none">
           <a:solidFill>
             <a:srgbClr val="000000"/>
           </a:solidFill>
@@ -7281,7 +7501,7 @@
           <a:sym typeface="Arial"/>
         </a:defRPr>
       </a:lvl7pPr>
-      <a:lvl8pPr lvl="7" marR="0" rtl="0" algn="l">
+      <a:lvl8pPr marR="0" lvl="7" algn="l" rtl="0">
         <a:lnSpc>
           <a:spcPct val="100000"/>
         </a:lnSpc>
@@ -7295,7 +7515,7 @@
           <a:srgbClr val="000000"/>
         </a:buClr>
         <a:buFont typeface="Arial"/>
-        <a:defRPr b="0" i="0" sz="1400" u="none" cap="none" strike="noStrike">
+        <a:defRPr sz="1400" b="0" i="0" u="none" strike="noStrike" cap="none">
           <a:solidFill>
             <a:srgbClr val="000000"/>
           </a:solidFill>
@@ -7305,7 +7525,7 @@
           <a:sym typeface="Arial"/>
         </a:defRPr>
       </a:lvl8pPr>
-      <a:lvl9pPr lvl="8" marR="0" rtl="0" algn="l">
+      <a:lvl9pPr marR="0" lvl="8" algn="l" rtl="0">
         <a:lnSpc>
           <a:spcPct val="100000"/>
         </a:lnSpc>
@@ -7319,7 +7539,7 @@
           <a:srgbClr val="000000"/>
         </a:buClr>
         <a:buFont typeface="Arial"/>
-        <a:defRPr b="0" i="0" sz="1400" u="none" cap="none" strike="noStrike">
+        <a:defRPr sz="1400" b="0" i="0" u="none" strike="noStrike" cap="none">
           <a:solidFill>
             <a:srgbClr val="000000"/>
           </a:solidFill>
@@ -7335,11 +7555,11 @@
 </file>
 
 <file path=ppt/slides/slide1.xml><?xml version="1.0" encoding="utf-8"?>
-<p:sld xmlns:a="http://schemas.openxmlformats.org/drawingml/2006/main" xmlns:r="http://schemas.openxmlformats.org/officeDocument/2006/relationships" xmlns:mc="http://schemas.openxmlformats.org/markup-compatibility/2006" xmlns:mv="urn:schemas-microsoft-com:mac:vml" xmlns:p="http://schemas.openxmlformats.org/presentationml/2006/main" xmlns:c="http://schemas.openxmlformats.org/drawingml/2006/chart" xmlns:dgm="http://schemas.openxmlformats.org/drawingml/2006/diagram" xmlns:o="urn:schemas-microsoft-com:office:office" xmlns:v="urn:schemas-microsoft-com:vml" xmlns:pvml="urn:schemas-microsoft-com:office:powerpoint" xmlns:com="http://schemas.openxmlformats.org/drawingml/2006/compatibility" xmlns:p14="http://schemas.microsoft.com/office/powerpoint/2010/main" xmlns:p15="http://schemas.microsoft.com/office/powerpoint/2012/main" xmlns:ahyp="http://schemas.microsoft.com/office/drawing/2018/hyperlinkcolor">
+<p:sld xmlns:a="http://schemas.openxmlformats.org/drawingml/2006/main" xmlns:r="http://schemas.openxmlformats.org/officeDocument/2006/relationships" xmlns:p="http://schemas.openxmlformats.org/presentationml/2006/main">
   <p:cSld>
     <p:spTree>
       <p:nvGrpSpPr>
-        <p:cNvPr id="53" name="Shape 53"/>
+        <p:cNvPr id="1" name="Shape 53"/>
         <p:cNvGrpSpPr/>
         <p:nvPr/>
       </p:nvGrpSpPr>
@@ -7354,7 +7574,9 @@
       <p:sp>
         <p:nvSpPr>
           <p:cNvPr id="54" name="Google Shape;54;p13"/>
-          <p:cNvSpPr txBox="1"/>
+          <p:cNvSpPr txBox="1">
+            <a:spLocks noGrp="1"/>
+          </p:cNvSpPr>
           <p:nvPr>
             <p:ph type="ctrTitle"/>
           </p:nvPr>
@@ -7369,12 +7591,24 @@
           </a:prstGeom>
         </p:spPr>
         <p:txBody>
-          <a:bodyPr anchorCtr="0" anchor="b" bIns="91425" lIns="91425" spcFirstLastPara="1" rIns="91425" wrap="square" tIns="91425">
+          <a:bodyPr spcFirstLastPara="1" wrap="square" lIns="91425" tIns="91425" rIns="91425" bIns="91425" anchor="b" anchorCtr="0">
             <a:noAutofit/>
           </a:bodyPr>
           <a:lstStyle/>
           <a:p>
-            <a:pPr indent="0" lvl="0" marL="0" rtl="0" algn="ctr">
+            <a:pPr marL="0" lvl="0" indent="0" algn="ctr" rtl="0">
+              <a:spcBef>
+                <a:spcPts val="0"/>
+              </a:spcBef>
+              <a:spcAft>
+                <a:spcPts val="0"/>
+              </a:spcAft>
+              <a:buNone/>
+            </a:pPr>
+            <a:endParaRPr dirty="0"/>
+          </a:p>
+          <a:p>
+            <a:pPr marL="0" lvl="0" indent="0" algn="ctr" rtl="0">
               <a:spcBef>
                 <a:spcPts val="0"/>
               </a:spcBef>
@@ -7384,81 +7618,37 @@
               <a:buNone/>
             </a:pPr>
             <a:r>
-              <a:t/>
+              <a:rPr lang="en" sz="4200" dirty="0"/>
+              <a:t>Predicting the Price of Bitcoin </a:t>
             </a:r>
-            <a:endParaRPr/>
-          </a:p>
-          <a:p>
-            <a:pPr indent="0" lvl="0" marL="0" rtl="0" algn="ctr">
-              <a:spcBef>
-                <a:spcPts val="0"/>
-              </a:spcBef>
-              <a:spcAft>
-                <a:spcPts val="0"/>
-              </a:spcAft>
-              <a:buNone/>
-            </a:pPr>
             <a:r>
               <a:rPr lang="en" sz="4200"/>
-              <a:t>Predicting the Price of Bitcoin Using LSTMs</a:t>
+              <a:t>Using </a:t>
             </a:r>
-            <a:endParaRPr sz="4200"/>
-          </a:p>
-          <a:p>
-            <a:pPr indent="0" lvl="0" marL="0" rtl="0" algn="ctr">
-              <a:spcBef>
-                <a:spcPts val="0"/>
-              </a:spcBef>
-              <a:spcAft>
-                <a:spcPts val="0"/>
-              </a:spcAft>
-              <a:buNone/>
-            </a:pPr>
             <a:r>
-              <a:rPr lang="en" sz="3200"/>
-              <a:t>APS 1052</a:t>
+              <a:rPr lang="en" sz="4200" smtClean="0"/>
+              <a:t>LSTMs</a:t>
             </a:r>
-            <a:endParaRPr sz="3200"/>
+            <a:endParaRPr sz="4200" dirty="0"/>
           </a:p>
         </p:txBody>
       </p:sp>
       <p:sp>
         <p:nvSpPr>
-          <p:cNvPr id="55" name="Google Shape;55;p13"/>
-          <p:cNvSpPr txBox="1"/>
+          <p:cNvPr id="2" name="Subtitle 1"/>
+          <p:cNvSpPr>
+            <a:spLocks noGrp="1"/>
+          </p:cNvSpPr>
           <p:nvPr>
-            <p:ph idx="1" type="subTitle"/>
+            <p:ph type="subTitle" idx="1"/>
           </p:nvPr>
         </p:nvSpPr>
-        <p:spPr>
-          <a:xfrm>
-            <a:off x="311700" y="2834125"/>
-            <a:ext cx="8520600" cy="792600"/>
-          </a:xfrm>
-          <a:prstGeom prst="rect">
-            <a:avLst/>
-          </a:prstGeom>
-        </p:spPr>
+        <p:spPr/>
         <p:txBody>
-          <a:bodyPr anchorCtr="0" anchor="t" bIns="91425" lIns="91425" spcFirstLastPara="1" rIns="91425" wrap="square" tIns="91425">
-            <a:noAutofit/>
-          </a:bodyPr>
+          <a:bodyPr/>
           <a:lstStyle/>
           <a:p>
-            <a:pPr indent="0" lvl="0" marL="0" rtl="0" algn="ctr">
-              <a:spcBef>
-                <a:spcPts val="0"/>
-              </a:spcBef>
-              <a:spcAft>
-                <a:spcPts val="0"/>
-              </a:spcAft>
-              <a:buNone/>
-            </a:pPr>
-            <a:r>
-              <a:rPr lang="en"/>
-              <a:t>Dylan Mendonca - Daniel Gershanik</a:t>
-            </a:r>
-            <a:endParaRPr/>
+            <a:endParaRPr lang="en-US"/>
           </a:p>
         </p:txBody>
       </p:sp>
@@ -7471,11 +7661,11 @@
 </file>
 
 <file path=ppt/slides/slide10.xml><?xml version="1.0" encoding="utf-8"?>
-<p:sld xmlns:a="http://schemas.openxmlformats.org/drawingml/2006/main" xmlns:r="http://schemas.openxmlformats.org/officeDocument/2006/relationships" xmlns:mc="http://schemas.openxmlformats.org/markup-compatibility/2006" xmlns:mv="urn:schemas-microsoft-com:mac:vml" xmlns:p="http://schemas.openxmlformats.org/presentationml/2006/main" xmlns:c="http://schemas.openxmlformats.org/drawingml/2006/chart" xmlns:dgm="http://schemas.openxmlformats.org/drawingml/2006/diagram" xmlns:o="urn:schemas-microsoft-com:office:office" xmlns:v="urn:schemas-microsoft-com:vml" xmlns:pvml="urn:schemas-microsoft-com:office:powerpoint" xmlns:com="http://schemas.openxmlformats.org/drawingml/2006/compatibility" xmlns:p14="http://schemas.microsoft.com/office/powerpoint/2010/main" xmlns:p15="http://schemas.microsoft.com/office/powerpoint/2012/main" xmlns:ahyp="http://schemas.microsoft.com/office/drawing/2018/hyperlinkcolor">
+<p:sld xmlns:a="http://schemas.openxmlformats.org/drawingml/2006/main" xmlns:r="http://schemas.openxmlformats.org/officeDocument/2006/relationships" xmlns:p="http://schemas.openxmlformats.org/presentationml/2006/main">
   <p:cSld>
     <p:spTree>
       <p:nvGrpSpPr>
-        <p:cNvPr id="113" name="Shape 113"/>
+        <p:cNvPr id="1" name="Shape 113"/>
         <p:cNvGrpSpPr/>
         <p:nvPr/>
       </p:nvGrpSpPr>
@@ -7490,7 +7680,9 @@
       <p:sp>
         <p:nvSpPr>
           <p:cNvPr id="114" name="Google Shape;114;p22"/>
-          <p:cNvSpPr txBox="1"/>
+          <p:cNvSpPr txBox="1">
+            <a:spLocks noGrp="1"/>
+          </p:cNvSpPr>
           <p:nvPr>
             <p:ph type="title"/>
           </p:nvPr>
@@ -7505,12 +7697,12 @@
           </a:prstGeom>
         </p:spPr>
         <p:txBody>
-          <a:bodyPr anchorCtr="0" anchor="t" bIns="91425" lIns="91425" spcFirstLastPara="1" rIns="91425" wrap="square" tIns="91425">
+          <a:bodyPr spcFirstLastPara="1" wrap="square" lIns="91425" tIns="91425" rIns="91425" bIns="91425" anchor="t" anchorCtr="0">
             <a:noAutofit/>
           </a:bodyPr>
           <a:lstStyle/>
           <a:p>
-            <a:pPr indent="0" lvl="0" marL="0" rtl="0" algn="l">
+            <a:pPr marL="0" lvl="0" indent="0" algn="l" rtl="0">
               <a:spcBef>
                 <a:spcPts val="0"/>
               </a:spcBef>
@@ -7530,9 +7722,11 @@
       <p:sp>
         <p:nvSpPr>
           <p:cNvPr id="115" name="Google Shape;115;p22"/>
-          <p:cNvSpPr txBox="1"/>
+          <p:cNvSpPr txBox="1">
+            <a:spLocks noGrp="1"/>
+          </p:cNvSpPr>
           <p:nvPr>
-            <p:ph idx="1" type="body"/>
+            <p:ph type="body" idx="1"/>
           </p:nvPr>
         </p:nvSpPr>
         <p:spPr>
@@ -7545,12 +7739,12 @@
           </a:prstGeom>
         </p:spPr>
         <p:txBody>
-          <a:bodyPr anchorCtr="0" anchor="t" bIns="91425" lIns="91425" spcFirstLastPara="1" rIns="91425" wrap="square" tIns="91425">
+          <a:bodyPr spcFirstLastPara="1" wrap="square" lIns="91425" tIns="91425" rIns="91425" bIns="91425" anchor="t" anchorCtr="0">
             <a:noAutofit/>
           </a:bodyPr>
           <a:lstStyle/>
           <a:p>
-            <a:pPr indent="-342900" lvl="0" marL="457200" rtl="0" algn="l">
+            <a:pPr marL="457200" lvl="0" indent="-342900" algn="l" rtl="0">
               <a:lnSpc>
                 <a:spcPct val="150000"/>
               </a:lnSpc>
@@ -7572,26 +7766,10 @@
                   <a:schemeClr val="dk1"/>
                 </a:solidFill>
               </a:rPr>
-              <a:t>NYFed </a:t>
+              <a:t>NYFed Inflation:</a:t>
             </a:r>
             <a:r>
-              <a:rPr lang="en" u="sng">
-                <a:solidFill>
-                  <a:schemeClr val="dk1"/>
-                </a:solidFill>
-              </a:rPr>
-              <a:t>Inflation</a:t>
-            </a:r>
-            <a:r>
-              <a:rPr lang="en" u="sng">
-                <a:solidFill>
-                  <a:schemeClr val="dk1"/>
-                </a:solidFill>
-              </a:rPr>
-              <a:t>:</a:t>
-            </a:r>
-            <a:r>
-              <a:rPr b="1" lang="en">
+              <a:rPr lang="en" b="1">
                 <a:solidFill>
                   <a:schemeClr val="dk1"/>
                 </a:solidFill>
@@ -7604,39 +7782,7 @@
                   <a:schemeClr val="dk1"/>
                 </a:solidFill>
               </a:rPr>
-              <a:t>Captures sustained </a:t>
-            </a:r>
-            <a:r>
-              <a:rPr lang="en">
-                <a:solidFill>
-                  <a:schemeClr val="dk1"/>
-                </a:solidFill>
-              </a:rPr>
-              <a:t>movements</a:t>
-            </a:r>
-            <a:r>
-              <a:rPr lang="en">
-                <a:solidFill>
-                  <a:schemeClr val="dk1"/>
-                </a:solidFill>
-              </a:rPr>
-              <a:t> in inflation from a broad range of </a:t>
-            </a:r>
-            <a:r>
-              <a:rPr lang="en">
-                <a:solidFill>
-                  <a:schemeClr val="dk1"/>
-                </a:solidFill>
-              </a:rPr>
-              <a:t>indicators</a:t>
-            </a:r>
-            <a:r>
-              <a:rPr lang="en">
-                <a:solidFill>
-                  <a:schemeClr val="dk1"/>
-                </a:solidFill>
-              </a:rPr>
-              <a:t>. Obtained from the New York Federal Reserve website.</a:t>
+              <a:t>Captures sustained movements in inflation from a broad range of indicators. Obtained from the New York Federal Reserve website.</a:t>
             </a:r>
             <a:endParaRPr/>
           </a:p>
@@ -7679,11 +7825,11 @@
 </file>
 
 <file path=ppt/slides/slide11.xml><?xml version="1.0" encoding="utf-8"?>
-<p:sld xmlns:a="http://schemas.openxmlformats.org/drawingml/2006/main" xmlns:r="http://schemas.openxmlformats.org/officeDocument/2006/relationships" xmlns:mc="http://schemas.openxmlformats.org/markup-compatibility/2006" xmlns:mv="urn:schemas-microsoft-com:mac:vml" xmlns:p="http://schemas.openxmlformats.org/presentationml/2006/main" xmlns:c="http://schemas.openxmlformats.org/drawingml/2006/chart" xmlns:dgm="http://schemas.openxmlformats.org/drawingml/2006/diagram" xmlns:o="urn:schemas-microsoft-com:office:office" xmlns:v="urn:schemas-microsoft-com:vml" xmlns:pvml="urn:schemas-microsoft-com:office:powerpoint" xmlns:com="http://schemas.openxmlformats.org/drawingml/2006/compatibility" xmlns:p14="http://schemas.microsoft.com/office/powerpoint/2010/main" xmlns:p15="http://schemas.microsoft.com/office/powerpoint/2012/main" xmlns:ahyp="http://schemas.microsoft.com/office/drawing/2018/hyperlinkcolor">
+<p:sld xmlns:a="http://schemas.openxmlformats.org/drawingml/2006/main" xmlns:r="http://schemas.openxmlformats.org/officeDocument/2006/relationships" xmlns:p="http://schemas.openxmlformats.org/presentationml/2006/main">
   <p:cSld>
     <p:spTree>
       <p:nvGrpSpPr>
-        <p:cNvPr id="120" name="Shape 120"/>
+        <p:cNvPr id="1" name="Shape 120"/>
         <p:cNvGrpSpPr/>
         <p:nvPr/>
       </p:nvGrpSpPr>
@@ -7698,7 +7844,9 @@
       <p:sp>
         <p:nvSpPr>
           <p:cNvPr id="121" name="Google Shape;121;p23"/>
-          <p:cNvSpPr txBox="1"/>
+          <p:cNvSpPr txBox="1">
+            <a:spLocks noGrp="1"/>
+          </p:cNvSpPr>
           <p:nvPr>
             <p:ph type="title"/>
           </p:nvPr>
@@ -7713,12 +7861,12 @@
           </a:prstGeom>
         </p:spPr>
         <p:txBody>
-          <a:bodyPr anchorCtr="0" anchor="t" bIns="91425" lIns="91425" spcFirstLastPara="1" rIns="91425" wrap="square" tIns="91425">
+          <a:bodyPr spcFirstLastPara="1" wrap="square" lIns="91425" tIns="91425" rIns="91425" bIns="91425" anchor="t" anchorCtr="0">
             <a:noAutofit/>
           </a:bodyPr>
           <a:lstStyle/>
           <a:p>
-            <a:pPr indent="0" lvl="0" marL="0" rtl="0" algn="l">
+            <a:pPr marL="0" lvl="0" indent="0" algn="l" rtl="0">
               <a:spcBef>
                 <a:spcPts val="0"/>
               </a:spcBef>
@@ -7743,9 +7891,11 @@
       <p:sp>
         <p:nvSpPr>
           <p:cNvPr id="122" name="Google Shape;122;p23"/>
-          <p:cNvSpPr txBox="1"/>
+          <p:cNvSpPr txBox="1">
+            <a:spLocks noGrp="1"/>
+          </p:cNvSpPr>
           <p:nvPr>
-            <p:ph idx="1" type="body"/>
+            <p:ph type="body" idx="1"/>
           </p:nvPr>
         </p:nvSpPr>
         <p:spPr>
@@ -7758,12 +7908,12 @@
           </a:prstGeom>
         </p:spPr>
         <p:txBody>
-          <a:bodyPr anchorCtr="0" anchor="t" bIns="91425" lIns="91425" spcFirstLastPara="1" rIns="91425" wrap="square" tIns="91425">
+          <a:bodyPr spcFirstLastPara="1" wrap="square" lIns="91425" tIns="91425" rIns="91425" bIns="91425" anchor="t" anchorCtr="0">
             <a:noAutofit/>
           </a:bodyPr>
           <a:lstStyle/>
           <a:p>
-            <a:pPr indent="-342900" lvl="0" marL="457200" rtl="0" algn="l">
+            <a:pPr marL="457200" lvl="0" indent="-342900" algn="l" rtl="0">
               <a:lnSpc>
                 <a:spcPct val="150000"/>
               </a:lnSpc>
@@ -7808,11 +7958,11 @@
 </file>
 
 <file path=ppt/slides/slide12.xml><?xml version="1.0" encoding="utf-8"?>
-<p:sld xmlns:a="http://schemas.openxmlformats.org/drawingml/2006/main" xmlns:r="http://schemas.openxmlformats.org/officeDocument/2006/relationships" xmlns:mc="http://schemas.openxmlformats.org/markup-compatibility/2006" xmlns:mv="urn:schemas-microsoft-com:mac:vml" xmlns:p="http://schemas.openxmlformats.org/presentationml/2006/main" xmlns:c="http://schemas.openxmlformats.org/drawingml/2006/chart" xmlns:dgm="http://schemas.openxmlformats.org/drawingml/2006/diagram" xmlns:o="urn:schemas-microsoft-com:office:office" xmlns:v="urn:schemas-microsoft-com:vml" xmlns:pvml="urn:schemas-microsoft-com:office:powerpoint" xmlns:com="http://schemas.openxmlformats.org/drawingml/2006/compatibility" xmlns:p14="http://schemas.microsoft.com/office/powerpoint/2010/main" xmlns:p15="http://schemas.microsoft.com/office/powerpoint/2012/main" xmlns:ahyp="http://schemas.microsoft.com/office/drawing/2018/hyperlinkcolor">
+<p:sld xmlns:a="http://schemas.openxmlformats.org/drawingml/2006/main" xmlns:r="http://schemas.openxmlformats.org/officeDocument/2006/relationships" xmlns:p="http://schemas.openxmlformats.org/presentationml/2006/main">
   <p:cSld>
     <p:spTree>
       <p:nvGrpSpPr>
-        <p:cNvPr id="126" name="Shape 126"/>
+        <p:cNvPr id="1" name="Shape 126"/>
         <p:cNvGrpSpPr/>
         <p:nvPr/>
       </p:nvGrpSpPr>
@@ -7827,7 +7977,9 @@
       <p:sp>
         <p:nvSpPr>
           <p:cNvPr id="127" name="Google Shape;127;p24"/>
-          <p:cNvSpPr txBox="1"/>
+          <p:cNvSpPr txBox="1">
+            <a:spLocks noGrp="1"/>
+          </p:cNvSpPr>
           <p:nvPr>
             <p:ph type="title"/>
           </p:nvPr>
@@ -7842,12 +7994,12 @@
           </a:prstGeom>
         </p:spPr>
         <p:txBody>
-          <a:bodyPr anchorCtr="0" anchor="t" bIns="91425" lIns="91425" spcFirstLastPara="1" rIns="91425" wrap="square" tIns="91425">
+          <a:bodyPr spcFirstLastPara="1" wrap="square" lIns="91425" tIns="91425" rIns="91425" bIns="91425" anchor="t" anchorCtr="0">
             <a:noAutofit/>
           </a:bodyPr>
           <a:lstStyle/>
           <a:p>
-            <a:pPr indent="0" lvl="0" marL="0" rtl="0" algn="l">
+            <a:pPr marL="0" lvl="0" indent="0" algn="l" rtl="0">
               <a:spcBef>
                 <a:spcPts val="0"/>
               </a:spcBef>
@@ -7867,9 +8019,11 @@
       <p:sp>
         <p:nvSpPr>
           <p:cNvPr id="128" name="Google Shape;128;p24"/>
-          <p:cNvSpPr txBox="1"/>
+          <p:cNvSpPr txBox="1">
+            <a:spLocks noGrp="1"/>
+          </p:cNvSpPr>
           <p:nvPr>
-            <p:ph idx="1" type="body"/>
+            <p:ph type="body" idx="1"/>
           </p:nvPr>
         </p:nvSpPr>
         <p:spPr>
@@ -7882,12 +8036,12 @@
           </a:prstGeom>
         </p:spPr>
         <p:txBody>
-          <a:bodyPr anchorCtr="0" anchor="t" bIns="91425" lIns="91425" spcFirstLastPara="1" rIns="91425" wrap="square" tIns="91425">
+          <a:bodyPr spcFirstLastPara="1" wrap="square" lIns="91425" tIns="91425" rIns="91425" bIns="91425" anchor="t" anchorCtr="0">
             <a:noAutofit/>
           </a:bodyPr>
           <a:lstStyle/>
           <a:p>
-            <a:pPr indent="0" lvl="0" marL="0" rtl="0" algn="l">
+            <a:pPr marL="0" lvl="0" indent="0" algn="l" rtl="0">
               <a:lnSpc>
                 <a:spcPct val="150000"/>
               </a:lnSpc>
@@ -7905,15 +8059,7 @@
                   <a:schemeClr val="dk1"/>
                 </a:solidFill>
               </a:rPr>
-              <a:t>Validation </a:t>
-            </a:r>
-            <a:r>
-              <a:rPr lang="en">
-                <a:solidFill>
-                  <a:schemeClr val="dk1"/>
-                </a:solidFill>
-              </a:rPr>
-              <a:t>Set</a:t>
+              <a:t>Validation Set</a:t>
             </a:r>
             <a:endParaRPr/>
           </a:p>
@@ -7922,9 +8068,11 @@
       <p:sp>
         <p:nvSpPr>
           <p:cNvPr id="129" name="Google Shape;129;p24"/>
-          <p:cNvSpPr txBox="1"/>
+          <p:cNvSpPr txBox="1">
+            <a:spLocks noGrp="1"/>
+          </p:cNvSpPr>
           <p:nvPr>
-            <p:ph idx="1" type="body"/>
+            <p:ph type="body" idx="1"/>
           </p:nvPr>
         </p:nvSpPr>
         <p:spPr>
@@ -7937,12 +8085,12 @@
           </a:prstGeom>
         </p:spPr>
         <p:txBody>
-          <a:bodyPr anchorCtr="0" anchor="t" bIns="91425" lIns="91425" spcFirstLastPara="1" rIns="91425" wrap="square" tIns="91425">
+          <a:bodyPr spcFirstLastPara="1" wrap="square" lIns="91425" tIns="91425" rIns="91425" bIns="91425" anchor="t" anchorCtr="0">
             <a:noAutofit/>
           </a:bodyPr>
           <a:lstStyle/>
           <a:p>
-            <a:pPr indent="0" lvl="0" marL="0" rtl="0" algn="l">
+            <a:pPr marL="0" lvl="0" indent="0" algn="l" rtl="0">
               <a:lnSpc>
                 <a:spcPct val="150000"/>
               </a:lnSpc>
@@ -7960,15 +8108,7 @@
                   <a:schemeClr val="dk1"/>
                 </a:solidFill>
               </a:rPr>
-              <a:t>Testing </a:t>
-            </a:r>
-            <a:r>
-              <a:rPr lang="en">
-                <a:solidFill>
-                  <a:schemeClr val="dk1"/>
-                </a:solidFill>
-              </a:rPr>
-              <a:t>Set</a:t>
+              <a:t>Testing Set</a:t>
             </a:r>
             <a:endParaRPr/>
           </a:p>
@@ -7977,9 +8117,11 @@
       <p:sp>
         <p:nvSpPr>
           <p:cNvPr id="130" name="Google Shape;130;p24"/>
-          <p:cNvSpPr txBox="1"/>
+          <p:cNvSpPr txBox="1">
+            <a:spLocks noGrp="1"/>
+          </p:cNvSpPr>
           <p:nvPr>
-            <p:ph idx="1" type="body"/>
+            <p:ph type="body" idx="1"/>
           </p:nvPr>
         </p:nvSpPr>
         <p:spPr>
@@ -7992,12 +8134,12 @@
           </a:prstGeom>
         </p:spPr>
         <p:txBody>
-          <a:bodyPr anchorCtr="0" anchor="t" bIns="91425" lIns="91425" spcFirstLastPara="1" rIns="91425" wrap="square" tIns="91425">
+          <a:bodyPr spcFirstLastPara="1" wrap="square" lIns="91425" tIns="91425" rIns="91425" bIns="91425" anchor="t" anchorCtr="0">
             <a:noAutofit/>
           </a:bodyPr>
           <a:lstStyle/>
           <a:p>
-            <a:pPr indent="0" lvl="0" marL="0" rtl="0" algn="l">
+            <a:pPr marL="0" lvl="0" indent="0" algn="l" rtl="0">
               <a:lnSpc>
                 <a:spcPct val="150000"/>
               </a:lnSpc>
@@ -8024,9 +8166,11 @@
       <p:sp>
         <p:nvSpPr>
           <p:cNvPr id="131" name="Google Shape;131;p24"/>
-          <p:cNvSpPr txBox="1"/>
+          <p:cNvSpPr txBox="1">
+            <a:spLocks noGrp="1"/>
+          </p:cNvSpPr>
           <p:nvPr>
-            <p:ph idx="1" type="body"/>
+            <p:ph type="body" idx="1"/>
           </p:nvPr>
         </p:nvSpPr>
         <p:spPr>
@@ -8039,12 +8183,12 @@
           </a:prstGeom>
         </p:spPr>
         <p:txBody>
-          <a:bodyPr anchorCtr="0" anchor="t" bIns="91425" lIns="91425" spcFirstLastPara="1" rIns="91425" wrap="square" tIns="91425">
+          <a:bodyPr spcFirstLastPara="1" wrap="square" lIns="91425" tIns="91425" rIns="91425" bIns="91425" anchor="t" anchorCtr="0">
             <a:noAutofit/>
           </a:bodyPr>
           <a:lstStyle/>
           <a:p>
-            <a:pPr indent="0" lvl="0" marL="0" rtl="0" algn="l">
+            <a:pPr marL="0" lvl="0" indent="0" algn="l" rtl="0">
               <a:lnSpc>
                 <a:spcPct val="150000"/>
               </a:lnSpc>
@@ -8071,9 +8215,11 @@
       <p:sp>
         <p:nvSpPr>
           <p:cNvPr id="132" name="Google Shape;132;p24"/>
-          <p:cNvSpPr txBox="1"/>
+          <p:cNvSpPr txBox="1">
+            <a:spLocks noGrp="1"/>
+          </p:cNvSpPr>
           <p:nvPr>
-            <p:ph idx="1" type="body"/>
+            <p:ph type="body" idx="1"/>
           </p:nvPr>
         </p:nvSpPr>
         <p:spPr>
@@ -8086,12 +8232,12 @@
           </a:prstGeom>
         </p:spPr>
         <p:txBody>
-          <a:bodyPr anchorCtr="0" anchor="t" bIns="91425" lIns="91425" spcFirstLastPara="1" rIns="91425" wrap="square" tIns="91425">
+          <a:bodyPr spcFirstLastPara="1" wrap="square" lIns="91425" tIns="91425" rIns="91425" bIns="91425" anchor="t" anchorCtr="0">
             <a:noAutofit/>
           </a:bodyPr>
           <a:lstStyle/>
           <a:p>
-            <a:pPr indent="0" lvl="0" marL="0" rtl="0" algn="l">
+            <a:pPr marL="0" lvl="0" indent="0" algn="l" rtl="0">
               <a:lnSpc>
                 <a:spcPct val="150000"/>
               </a:lnSpc>
@@ -8118,9 +8264,11 @@
       <p:sp>
         <p:nvSpPr>
           <p:cNvPr id="133" name="Google Shape;133;p24"/>
-          <p:cNvSpPr txBox="1"/>
+          <p:cNvSpPr txBox="1">
+            <a:spLocks noGrp="1"/>
+          </p:cNvSpPr>
           <p:nvPr>
-            <p:ph idx="1" type="body"/>
+            <p:ph type="body" idx="1"/>
           </p:nvPr>
         </p:nvSpPr>
         <p:spPr>
@@ -8133,12 +8281,12 @@
           </a:prstGeom>
         </p:spPr>
         <p:txBody>
-          <a:bodyPr anchorCtr="0" anchor="t" bIns="91425" lIns="91425" spcFirstLastPara="1" rIns="91425" wrap="square" tIns="91425">
+          <a:bodyPr spcFirstLastPara="1" wrap="square" lIns="91425" tIns="91425" rIns="91425" bIns="91425" anchor="t" anchorCtr="0">
             <a:noAutofit/>
           </a:bodyPr>
           <a:lstStyle/>
           <a:p>
-            <a:pPr indent="0" lvl="0" marL="0" rtl="0" algn="l">
+            <a:pPr marL="0" lvl="0" indent="0" algn="l" rtl="0">
               <a:lnSpc>
                 <a:spcPct val="150000"/>
               </a:lnSpc>
@@ -8171,11 +8319,11 @@
 </file>
 
 <file path=ppt/slides/slide13.xml><?xml version="1.0" encoding="utf-8"?>
-<p:sld xmlns:a="http://schemas.openxmlformats.org/drawingml/2006/main" xmlns:r="http://schemas.openxmlformats.org/officeDocument/2006/relationships" xmlns:mc="http://schemas.openxmlformats.org/markup-compatibility/2006" xmlns:mv="urn:schemas-microsoft-com:mac:vml" xmlns:p="http://schemas.openxmlformats.org/presentationml/2006/main" xmlns:c="http://schemas.openxmlformats.org/drawingml/2006/chart" xmlns:dgm="http://schemas.openxmlformats.org/drawingml/2006/diagram" xmlns:o="urn:schemas-microsoft-com:office:office" xmlns:v="urn:schemas-microsoft-com:vml" xmlns:pvml="urn:schemas-microsoft-com:office:powerpoint" xmlns:com="http://schemas.openxmlformats.org/drawingml/2006/compatibility" xmlns:p14="http://schemas.microsoft.com/office/powerpoint/2010/main" xmlns:p15="http://schemas.microsoft.com/office/powerpoint/2012/main" xmlns:ahyp="http://schemas.microsoft.com/office/drawing/2018/hyperlinkcolor">
+<p:sld xmlns:a="http://schemas.openxmlformats.org/drawingml/2006/main" xmlns:r="http://schemas.openxmlformats.org/officeDocument/2006/relationships" xmlns:p="http://schemas.openxmlformats.org/presentationml/2006/main">
   <p:cSld>
     <p:spTree>
       <p:nvGrpSpPr>
-        <p:cNvPr id="137" name="Shape 137"/>
+        <p:cNvPr id="1" name="Shape 137"/>
         <p:cNvGrpSpPr/>
         <p:nvPr/>
       </p:nvGrpSpPr>
@@ -8190,7 +8338,9 @@
       <p:sp>
         <p:nvSpPr>
           <p:cNvPr id="138" name="Google Shape;138;p25"/>
-          <p:cNvSpPr txBox="1"/>
+          <p:cNvSpPr txBox="1">
+            <a:spLocks noGrp="1"/>
+          </p:cNvSpPr>
           <p:nvPr>
             <p:ph type="title"/>
           </p:nvPr>
@@ -8205,12 +8355,12 @@
           </a:prstGeom>
         </p:spPr>
         <p:txBody>
-          <a:bodyPr anchorCtr="0" anchor="t" bIns="91425" lIns="91425" spcFirstLastPara="1" rIns="91425" wrap="square" tIns="91425">
+          <a:bodyPr spcFirstLastPara="1" wrap="square" lIns="91425" tIns="91425" rIns="91425" bIns="91425" anchor="t" anchorCtr="0">
             <a:noAutofit/>
           </a:bodyPr>
           <a:lstStyle/>
           <a:p>
-            <a:pPr indent="0" lvl="0" marL="0" rtl="0" algn="l">
+            <a:pPr marL="0" lvl="0" indent="0" algn="l" rtl="0">
               <a:spcBef>
                 <a:spcPts val="0"/>
               </a:spcBef>
@@ -8230,9 +8380,11 @@
       <p:sp>
         <p:nvSpPr>
           <p:cNvPr id="139" name="Google Shape;139;p25"/>
-          <p:cNvSpPr txBox="1"/>
+          <p:cNvSpPr txBox="1">
+            <a:spLocks noGrp="1"/>
+          </p:cNvSpPr>
           <p:nvPr>
-            <p:ph idx="1" type="body"/>
+            <p:ph type="body" idx="1"/>
           </p:nvPr>
         </p:nvSpPr>
         <p:spPr>
@@ -8245,12 +8397,12 @@
           </a:prstGeom>
         </p:spPr>
         <p:txBody>
-          <a:bodyPr anchorCtr="0" anchor="t" bIns="91425" lIns="91425" spcFirstLastPara="1" rIns="91425" wrap="square" tIns="91425">
+          <a:bodyPr spcFirstLastPara="1" wrap="square" lIns="91425" tIns="91425" rIns="91425" bIns="91425" anchor="t" anchorCtr="0">
             <a:noAutofit/>
           </a:bodyPr>
           <a:lstStyle/>
           <a:p>
-            <a:pPr indent="-342900" lvl="0" marL="457200" rtl="0" algn="l">
+            <a:pPr marL="457200" lvl="0" indent="-342900" algn="l" rtl="0">
               <a:lnSpc>
                 <a:spcPct val="150000"/>
               </a:lnSpc>
@@ -8272,23 +8424,7 @@
                   <a:schemeClr val="dk1"/>
                 </a:solidFill>
               </a:rPr>
-              <a:t>ETF price is only only </a:t>
-            </a:r>
-            <a:r>
-              <a:rPr lang="en">
-                <a:solidFill>
-                  <a:schemeClr val="dk1"/>
-                </a:solidFill>
-              </a:rPr>
-              <a:t>available</a:t>
-            </a:r>
-            <a:r>
-              <a:rPr lang="en">
-                <a:solidFill>
-                  <a:schemeClr val="dk1"/>
-                </a:solidFill>
-              </a:rPr>
-              <a:t> for trading days, during non trading hours/days that data is forward filled</a:t>
+              <a:t>ETF price is only only available for trading days, during non trading hours/days that data is forward filled</a:t>
             </a:r>
             <a:endParaRPr>
               <a:solidFill>
@@ -8297,7 +8433,7 @@
             </a:endParaRPr>
           </a:p>
           <a:p>
-            <a:pPr indent="-342900" lvl="0" marL="457200" rtl="0" algn="l">
+            <a:pPr marL="457200" lvl="0" indent="-342900" algn="l" rtl="0">
               <a:lnSpc>
                 <a:spcPct val="150000"/>
               </a:lnSpc>
@@ -8328,7 +8464,7 @@
             </a:endParaRPr>
           </a:p>
           <a:p>
-            <a:pPr indent="-342900" lvl="0" marL="457200" rtl="0" algn="l">
+            <a:pPr marL="457200" lvl="0" indent="-342900" algn="l" rtl="0">
               <a:lnSpc>
                 <a:spcPct val="150000"/>
               </a:lnSpc>
@@ -8359,7 +8495,7 @@
             </a:endParaRPr>
           </a:p>
           <a:p>
-            <a:pPr indent="-317500" lvl="1" marL="914400" rtl="0" algn="l">
+            <a:pPr marL="914400" lvl="1" indent="-317500" algn="l" rtl="0">
               <a:lnSpc>
                 <a:spcPct val="150000"/>
               </a:lnSpc>
@@ -8390,7 +8526,7 @@
             </a:endParaRPr>
           </a:p>
           <a:p>
-            <a:pPr indent="-317500" lvl="1" marL="914400" rtl="0" algn="l">
+            <a:pPr marL="914400" lvl="1" indent="-317500" algn="l" rtl="0">
               <a:lnSpc>
                 <a:spcPct val="150000"/>
               </a:lnSpc>
@@ -8421,7 +8557,7 @@
             </a:endParaRPr>
           </a:p>
           <a:p>
-            <a:pPr indent="0" lvl="0" marL="0" rtl="0" algn="l">
+            <a:pPr marL="0" lvl="0" indent="0" algn="l" rtl="0">
               <a:lnSpc>
                 <a:spcPct val="150000"/>
               </a:lnSpc>
@@ -8433,9 +8569,6 @@
               </a:spcAft>
               <a:buNone/>
             </a:pPr>
-            <a:r>
-              <a:t/>
-            </a:r>
             <a:endParaRPr>
               <a:solidFill>
                 <a:schemeClr val="dk1"/>
@@ -8453,11 +8586,11 @@
 </file>
 
 <file path=ppt/slides/slide14.xml><?xml version="1.0" encoding="utf-8"?>
-<p:sld xmlns:a="http://schemas.openxmlformats.org/drawingml/2006/main" xmlns:r="http://schemas.openxmlformats.org/officeDocument/2006/relationships" xmlns:mc="http://schemas.openxmlformats.org/markup-compatibility/2006" xmlns:mv="urn:schemas-microsoft-com:mac:vml" xmlns:p="http://schemas.openxmlformats.org/presentationml/2006/main" xmlns:c="http://schemas.openxmlformats.org/drawingml/2006/chart" xmlns:dgm="http://schemas.openxmlformats.org/drawingml/2006/diagram" xmlns:o="urn:schemas-microsoft-com:office:office" xmlns:v="urn:schemas-microsoft-com:vml" xmlns:pvml="urn:schemas-microsoft-com:office:powerpoint" xmlns:com="http://schemas.openxmlformats.org/drawingml/2006/compatibility" xmlns:p14="http://schemas.microsoft.com/office/powerpoint/2010/main" xmlns:p15="http://schemas.microsoft.com/office/powerpoint/2012/main" xmlns:ahyp="http://schemas.microsoft.com/office/drawing/2018/hyperlinkcolor">
+<p:sld xmlns:a="http://schemas.openxmlformats.org/drawingml/2006/main" xmlns:r="http://schemas.openxmlformats.org/officeDocument/2006/relationships" xmlns:p="http://schemas.openxmlformats.org/presentationml/2006/main">
   <p:cSld>
     <p:spTree>
       <p:nvGrpSpPr>
-        <p:cNvPr id="143" name="Shape 143"/>
+        <p:cNvPr id="1" name="Shape 143"/>
         <p:cNvGrpSpPr/>
         <p:nvPr/>
       </p:nvGrpSpPr>
@@ -8472,7 +8605,9 @@
       <p:sp>
         <p:nvSpPr>
           <p:cNvPr id="144" name="Google Shape;144;p26"/>
-          <p:cNvSpPr txBox="1"/>
+          <p:cNvSpPr txBox="1">
+            <a:spLocks noGrp="1"/>
+          </p:cNvSpPr>
           <p:nvPr>
             <p:ph type="title"/>
           </p:nvPr>
@@ -8487,12 +8622,12 @@
           </a:prstGeom>
         </p:spPr>
         <p:txBody>
-          <a:bodyPr anchorCtr="0" anchor="t" bIns="91425" lIns="91425" spcFirstLastPara="1" rIns="91425" wrap="square" tIns="91425">
+          <a:bodyPr spcFirstLastPara="1" wrap="square" lIns="91425" tIns="91425" rIns="91425" bIns="91425" anchor="t" anchorCtr="0">
             <a:noAutofit/>
           </a:bodyPr>
           <a:lstStyle/>
           <a:p>
-            <a:pPr indent="0" lvl="0" marL="0" rtl="0" algn="l">
+            <a:pPr marL="0" lvl="0" indent="0" algn="l" rtl="0">
               <a:spcBef>
                 <a:spcPts val="0"/>
               </a:spcBef>
@@ -8512,9 +8647,11 @@
       <p:sp>
         <p:nvSpPr>
           <p:cNvPr id="145" name="Google Shape;145;p26"/>
-          <p:cNvSpPr txBox="1"/>
+          <p:cNvSpPr txBox="1">
+            <a:spLocks noGrp="1"/>
+          </p:cNvSpPr>
           <p:nvPr>
-            <p:ph idx="1" type="body"/>
+            <p:ph type="body" idx="1"/>
           </p:nvPr>
         </p:nvSpPr>
         <p:spPr>
@@ -8527,12 +8664,12 @@
           </a:prstGeom>
         </p:spPr>
         <p:txBody>
-          <a:bodyPr anchorCtr="0" anchor="t" bIns="91425" lIns="91425" spcFirstLastPara="1" rIns="91425" wrap="square" tIns="91425">
+          <a:bodyPr spcFirstLastPara="1" wrap="square" lIns="91425" tIns="91425" rIns="91425" bIns="91425" anchor="t" anchorCtr="0">
             <a:noAutofit/>
           </a:bodyPr>
           <a:lstStyle/>
           <a:p>
-            <a:pPr indent="-342900" lvl="0" marL="457200" rtl="0" algn="l">
+            <a:pPr marL="457200" lvl="0" indent="-342900" algn="l" rtl="0">
               <a:lnSpc>
                 <a:spcPct val="150000"/>
               </a:lnSpc>
@@ -8554,15 +8691,7 @@
                   <a:schemeClr val="dk1"/>
                 </a:solidFill>
               </a:rPr>
-              <a:t>W</a:t>
-            </a:r>
-            <a:r>
-              <a:rPr lang="en">
-                <a:solidFill>
-                  <a:schemeClr val="dk1"/>
-                </a:solidFill>
-              </a:rPr>
-              <a:t>indow normalization is used</a:t>
+              <a:t>Window normalization is used</a:t>
             </a:r>
             <a:endParaRPr>
               <a:solidFill>
@@ -8609,11 +8738,11 @@
 </file>
 
 <file path=ppt/slides/slide15.xml><?xml version="1.0" encoding="utf-8"?>
-<p:sld xmlns:a="http://schemas.openxmlformats.org/drawingml/2006/main" xmlns:r="http://schemas.openxmlformats.org/officeDocument/2006/relationships" xmlns:mc="http://schemas.openxmlformats.org/markup-compatibility/2006" xmlns:mv="urn:schemas-microsoft-com:mac:vml" xmlns:p="http://schemas.openxmlformats.org/presentationml/2006/main" xmlns:c="http://schemas.openxmlformats.org/drawingml/2006/chart" xmlns:dgm="http://schemas.openxmlformats.org/drawingml/2006/diagram" xmlns:o="urn:schemas-microsoft-com:office:office" xmlns:v="urn:schemas-microsoft-com:vml" xmlns:pvml="urn:schemas-microsoft-com:office:powerpoint" xmlns:com="http://schemas.openxmlformats.org/drawingml/2006/compatibility" xmlns:p14="http://schemas.microsoft.com/office/powerpoint/2010/main" xmlns:p15="http://schemas.microsoft.com/office/powerpoint/2012/main" xmlns:ahyp="http://schemas.microsoft.com/office/drawing/2018/hyperlinkcolor">
+<p:sld xmlns:a="http://schemas.openxmlformats.org/drawingml/2006/main" xmlns:r="http://schemas.openxmlformats.org/officeDocument/2006/relationships" xmlns:p="http://schemas.openxmlformats.org/presentationml/2006/main">
   <p:cSld>
     <p:spTree>
       <p:nvGrpSpPr>
-        <p:cNvPr id="150" name="Shape 150"/>
+        <p:cNvPr id="1" name="Shape 150"/>
         <p:cNvGrpSpPr/>
         <p:nvPr/>
       </p:nvGrpSpPr>
@@ -8628,7 +8757,9 @@
       <p:sp>
         <p:nvSpPr>
           <p:cNvPr id="151" name="Google Shape;151;p27"/>
-          <p:cNvSpPr txBox="1"/>
+          <p:cNvSpPr txBox="1">
+            <a:spLocks noGrp="1"/>
+          </p:cNvSpPr>
           <p:nvPr>
             <p:ph type="title"/>
           </p:nvPr>
@@ -8643,12 +8774,12 @@
           </a:prstGeom>
         </p:spPr>
         <p:txBody>
-          <a:bodyPr anchorCtr="0" anchor="t" bIns="91425" lIns="91425" spcFirstLastPara="1" rIns="91425" wrap="square" tIns="91425">
+          <a:bodyPr spcFirstLastPara="1" wrap="square" lIns="91425" tIns="91425" rIns="91425" bIns="91425" anchor="t" anchorCtr="0">
             <a:noAutofit/>
           </a:bodyPr>
           <a:lstStyle/>
           <a:p>
-            <a:pPr indent="0" lvl="0" marL="0" rtl="0" algn="l">
+            <a:pPr marL="0" lvl="0" indent="0" algn="l" rtl="0">
               <a:spcBef>
                 <a:spcPts val="0"/>
               </a:spcBef>
@@ -8668,9 +8799,11 @@
       <p:sp>
         <p:nvSpPr>
           <p:cNvPr id="152" name="Google Shape;152;p27"/>
-          <p:cNvSpPr txBox="1"/>
+          <p:cNvSpPr txBox="1">
+            <a:spLocks noGrp="1"/>
+          </p:cNvSpPr>
           <p:nvPr>
-            <p:ph idx="1" type="body"/>
+            <p:ph type="body" idx="1"/>
           </p:nvPr>
         </p:nvSpPr>
         <p:spPr>
@@ -8683,12 +8816,12 @@
           </a:prstGeom>
         </p:spPr>
         <p:txBody>
-          <a:bodyPr anchorCtr="0" anchor="t" bIns="91425" lIns="91425" spcFirstLastPara="1" rIns="91425" wrap="square" tIns="91425">
+          <a:bodyPr spcFirstLastPara="1" wrap="square" lIns="91425" tIns="91425" rIns="91425" bIns="91425" anchor="t" anchorCtr="0">
             <a:noAutofit/>
           </a:bodyPr>
           <a:lstStyle/>
           <a:p>
-            <a:pPr indent="-342900" lvl="0" marL="457200" rtl="0" algn="l">
+            <a:pPr marL="457200" lvl="0" indent="-342900" algn="l" rtl="0">
               <a:lnSpc>
                 <a:spcPct val="150000"/>
               </a:lnSpc>
@@ -8710,15 +8843,7 @@
                   <a:schemeClr val="dk1"/>
                 </a:solidFill>
               </a:rPr>
-              <a:t>main.py acts as a </a:t>
-            </a:r>
-            <a:r>
-              <a:rPr lang="en">
-                <a:solidFill>
-                  <a:schemeClr val="dk1"/>
-                </a:solidFill>
-              </a:rPr>
-              <a:t>wrapper, the program can be launched by running this file. </a:t>
+              <a:t>main.py acts as a wrapper, the program can be launched by running this file. </a:t>
             </a:r>
             <a:endParaRPr>
               <a:solidFill>
@@ -8727,7 +8852,7 @@
             </a:endParaRPr>
           </a:p>
           <a:p>
-            <a:pPr indent="-342900" lvl="0" marL="457200" rtl="0" algn="l">
+            <a:pPr marL="457200" lvl="0" indent="-342900" algn="l" rtl="0">
               <a:lnSpc>
                 <a:spcPct val="150000"/>
               </a:lnSpc>
@@ -8758,7 +8883,7 @@
             </a:endParaRPr>
           </a:p>
           <a:p>
-            <a:pPr indent="-342900" lvl="0" marL="457200" rtl="0" algn="l">
+            <a:pPr marL="457200" lvl="0" indent="-342900" algn="l" rtl="0">
               <a:lnSpc>
                 <a:spcPct val="150000"/>
               </a:lnSpc>
@@ -8827,11 +8952,11 @@
 </file>
 
 <file path=ppt/slides/slide16.xml><?xml version="1.0" encoding="utf-8"?>
-<p:sld xmlns:a="http://schemas.openxmlformats.org/drawingml/2006/main" xmlns:r="http://schemas.openxmlformats.org/officeDocument/2006/relationships" xmlns:mc="http://schemas.openxmlformats.org/markup-compatibility/2006" xmlns:mv="urn:schemas-microsoft-com:mac:vml" xmlns:p="http://schemas.openxmlformats.org/presentationml/2006/main" xmlns:c="http://schemas.openxmlformats.org/drawingml/2006/chart" xmlns:dgm="http://schemas.openxmlformats.org/drawingml/2006/diagram" xmlns:o="urn:schemas-microsoft-com:office:office" xmlns:v="urn:schemas-microsoft-com:vml" xmlns:pvml="urn:schemas-microsoft-com:office:powerpoint" xmlns:com="http://schemas.openxmlformats.org/drawingml/2006/compatibility" xmlns:p14="http://schemas.microsoft.com/office/powerpoint/2010/main" xmlns:p15="http://schemas.microsoft.com/office/powerpoint/2012/main" xmlns:ahyp="http://schemas.microsoft.com/office/drawing/2018/hyperlinkcolor">
+<p:sld xmlns:a="http://schemas.openxmlformats.org/drawingml/2006/main" xmlns:r="http://schemas.openxmlformats.org/officeDocument/2006/relationships" xmlns:p="http://schemas.openxmlformats.org/presentationml/2006/main">
   <p:cSld>
     <p:spTree>
       <p:nvGrpSpPr>
-        <p:cNvPr id="157" name="Shape 157"/>
+        <p:cNvPr id="1" name="Shape 157"/>
         <p:cNvGrpSpPr/>
         <p:nvPr/>
       </p:nvGrpSpPr>
@@ -8846,7 +8971,9 @@
       <p:sp>
         <p:nvSpPr>
           <p:cNvPr id="158" name="Google Shape;158;p28"/>
-          <p:cNvSpPr txBox="1"/>
+          <p:cNvSpPr txBox="1">
+            <a:spLocks noGrp="1"/>
+          </p:cNvSpPr>
           <p:nvPr>
             <p:ph type="title"/>
           </p:nvPr>
@@ -8861,12 +8988,12 @@
           </a:prstGeom>
         </p:spPr>
         <p:txBody>
-          <a:bodyPr anchorCtr="0" anchor="t" bIns="91425" lIns="91425" spcFirstLastPara="1" rIns="91425" wrap="square" tIns="91425">
+          <a:bodyPr spcFirstLastPara="1" wrap="square" lIns="91425" tIns="91425" rIns="91425" bIns="91425" anchor="t" anchorCtr="0">
             <a:noAutofit/>
           </a:bodyPr>
           <a:lstStyle/>
           <a:p>
-            <a:pPr indent="0" lvl="0" marL="0" rtl="0" algn="l">
+            <a:pPr marL="0" lvl="0" indent="0" algn="l" rtl="0">
               <a:spcBef>
                 <a:spcPts val="0"/>
               </a:spcBef>
@@ -8886,9 +9013,11 @@
       <p:sp>
         <p:nvSpPr>
           <p:cNvPr id="159" name="Google Shape;159;p28"/>
-          <p:cNvSpPr txBox="1"/>
+          <p:cNvSpPr txBox="1">
+            <a:spLocks noGrp="1"/>
+          </p:cNvSpPr>
           <p:nvPr>
-            <p:ph idx="1" type="body"/>
+            <p:ph type="body" idx="1"/>
           </p:nvPr>
         </p:nvSpPr>
         <p:spPr>
@@ -8901,12 +9030,12 @@
           </a:prstGeom>
         </p:spPr>
         <p:txBody>
-          <a:bodyPr anchorCtr="0" anchor="t" bIns="91425" lIns="91425" spcFirstLastPara="1" rIns="91425" wrap="square" tIns="91425">
+          <a:bodyPr spcFirstLastPara="1" wrap="square" lIns="91425" tIns="91425" rIns="91425" bIns="91425" anchor="t" anchorCtr="0">
             <a:noAutofit/>
           </a:bodyPr>
           <a:lstStyle/>
           <a:p>
-            <a:pPr indent="-342900" lvl="0" marL="457200" rtl="0" algn="l">
+            <a:pPr marL="457200" lvl="0" indent="-342900" algn="l" rtl="0">
               <a:lnSpc>
                 <a:spcPct val="150000"/>
               </a:lnSpc>
@@ -8937,7 +9066,7 @@
             </a:endParaRPr>
           </a:p>
           <a:p>
-            <a:pPr indent="-342900" lvl="0" marL="457200" rtl="0" algn="l">
+            <a:pPr marL="457200" lvl="0" indent="-342900" algn="l" rtl="0">
               <a:lnSpc>
                 <a:spcPct val="150000"/>
               </a:lnSpc>
@@ -8968,7 +9097,7 @@
             </a:endParaRPr>
           </a:p>
           <a:p>
-            <a:pPr indent="-342900" lvl="0" marL="457200" rtl="0" algn="l">
+            <a:pPr marL="457200" lvl="0" indent="-342900" algn="l" rtl="0">
               <a:lnSpc>
                 <a:spcPct val="150000"/>
               </a:lnSpc>
@@ -8999,7 +9128,7 @@
             </a:endParaRPr>
           </a:p>
           <a:p>
-            <a:pPr indent="-342900" lvl="0" marL="457200" rtl="0" algn="l">
+            <a:pPr marL="457200" lvl="0" indent="-342900" algn="l" rtl="0">
               <a:lnSpc>
                 <a:spcPct val="150000"/>
               </a:lnSpc>
@@ -9068,11 +9197,11 @@
 </file>
 
 <file path=ppt/slides/slide17.xml><?xml version="1.0" encoding="utf-8"?>
-<p:sld xmlns:a="http://schemas.openxmlformats.org/drawingml/2006/main" xmlns:r="http://schemas.openxmlformats.org/officeDocument/2006/relationships" xmlns:mc="http://schemas.openxmlformats.org/markup-compatibility/2006" xmlns:mv="urn:schemas-microsoft-com:mac:vml" xmlns:p="http://schemas.openxmlformats.org/presentationml/2006/main" xmlns:c="http://schemas.openxmlformats.org/drawingml/2006/chart" xmlns:dgm="http://schemas.openxmlformats.org/drawingml/2006/diagram" xmlns:o="urn:schemas-microsoft-com:office:office" xmlns:v="urn:schemas-microsoft-com:vml" xmlns:pvml="urn:schemas-microsoft-com:office:powerpoint" xmlns:com="http://schemas.openxmlformats.org/drawingml/2006/compatibility" xmlns:p14="http://schemas.microsoft.com/office/powerpoint/2010/main" xmlns:p15="http://schemas.microsoft.com/office/powerpoint/2012/main" xmlns:ahyp="http://schemas.microsoft.com/office/drawing/2018/hyperlinkcolor">
+<p:sld xmlns:a="http://schemas.openxmlformats.org/drawingml/2006/main" xmlns:r="http://schemas.openxmlformats.org/officeDocument/2006/relationships" xmlns:p="http://schemas.openxmlformats.org/presentationml/2006/main">
   <p:cSld>
     <p:spTree>
       <p:nvGrpSpPr>
-        <p:cNvPr id="164" name="Shape 164"/>
+        <p:cNvPr id="1" name="Shape 164"/>
         <p:cNvGrpSpPr/>
         <p:nvPr/>
       </p:nvGrpSpPr>
@@ -9087,7 +9216,9 @@
       <p:sp>
         <p:nvSpPr>
           <p:cNvPr id="165" name="Google Shape;165;p29"/>
-          <p:cNvSpPr txBox="1"/>
+          <p:cNvSpPr txBox="1">
+            <a:spLocks noGrp="1"/>
+          </p:cNvSpPr>
           <p:nvPr>
             <p:ph type="title"/>
           </p:nvPr>
@@ -9102,12 +9233,12 @@
           </a:prstGeom>
         </p:spPr>
         <p:txBody>
-          <a:bodyPr anchorCtr="0" anchor="t" bIns="91425" lIns="91425" spcFirstLastPara="1" rIns="91425" wrap="square" tIns="91425">
+          <a:bodyPr spcFirstLastPara="1" wrap="square" lIns="91425" tIns="91425" rIns="91425" bIns="91425" anchor="t" anchorCtr="0">
             <a:noAutofit/>
           </a:bodyPr>
           <a:lstStyle/>
           <a:p>
-            <a:pPr indent="0" lvl="0" marL="0" rtl="0" algn="l">
+            <a:pPr marL="0" lvl="0" indent="0" algn="l" rtl="0">
               <a:spcBef>
                 <a:spcPts val="0"/>
               </a:spcBef>
@@ -9161,11 +9292,11 @@
 </file>
 
 <file path=ppt/slides/slide18.xml><?xml version="1.0" encoding="utf-8"?>
-<p:sld xmlns:a="http://schemas.openxmlformats.org/drawingml/2006/main" xmlns:r="http://schemas.openxmlformats.org/officeDocument/2006/relationships" xmlns:mc="http://schemas.openxmlformats.org/markup-compatibility/2006" xmlns:mv="urn:schemas-microsoft-com:mac:vml" xmlns:p="http://schemas.openxmlformats.org/presentationml/2006/main" xmlns:c="http://schemas.openxmlformats.org/drawingml/2006/chart" xmlns:dgm="http://schemas.openxmlformats.org/drawingml/2006/diagram" xmlns:o="urn:schemas-microsoft-com:office:office" xmlns:v="urn:schemas-microsoft-com:vml" xmlns:pvml="urn:schemas-microsoft-com:office:powerpoint" xmlns:com="http://schemas.openxmlformats.org/drawingml/2006/compatibility" xmlns:p14="http://schemas.microsoft.com/office/powerpoint/2010/main" xmlns:p15="http://schemas.microsoft.com/office/powerpoint/2012/main" xmlns:ahyp="http://schemas.microsoft.com/office/drawing/2018/hyperlinkcolor">
+<p:sld xmlns:a="http://schemas.openxmlformats.org/drawingml/2006/main" xmlns:r="http://schemas.openxmlformats.org/officeDocument/2006/relationships" xmlns:p="http://schemas.openxmlformats.org/presentationml/2006/main">
   <p:cSld>
     <p:spTree>
       <p:nvGrpSpPr>
-        <p:cNvPr id="170" name="Shape 170"/>
+        <p:cNvPr id="1" name="Shape 170"/>
         <p:cNvGrpSpPr/>
         <p:nvPr/>
       </p:nvGrpSpPr>
@@ -9180,7 +9311,9 @@
       <p:sp>
         <p:nvSpPr>
           <p:cNvPr id="171" name="Google Shape;171;p30"/>
-          <p:cNvSpPr txBox="1"/>
+          <p:cNvSpPr txBox="1">
+            <a:spLocks noGrp="1"/>
+          </p:cNvSpPr>
           <p:nvPr>
             <p:ph type="title"/>
           </p:nvPr>
@@ -9195,12 +9328,12 @@
           </a:prstGeom>
         </p:spPr>
         <p:txBody>
-          <a:bodyPr anchorCtr="0" anchor="t" bIns="91425" lIns="91425" spcFirstLastPara="1" rIns="91425" wrap="square" tIns="91425">
+          <a:bodyPr spcFirstLastPara="1" wrap="square" lIns="91425" tIns="91425" rIns="91425" bIns="91425" anchor="t" anchorCtr="0">
             <a:noAutofit/>
           </a:bodyPr>
           <a:lstStyle/>
           <a:p>
-            <a:pPr indent="0" lvl="0" marL="0" rtl="0" algn="l">
+            <a:pPr marL="0" lvl="0" indent="0" algn="l" rtl="0">
               <a:spcBef>
                 <a:spcPts val="0"/>
               </a:spcBef>
@@ -9248,9 +9381,11 @@
       <p:sp>
         <p:nvSpPr>
           <p:cNvPr id="173" name="Google Shape;173;p30"/>
-          <p:cNvSpPr txBox="1"/>
+          <p:cNvSpPr txBox="1">
+            <a:spLocks noGrp="1"/>
+          </p:cNvSpPr>
           <p:nvPr>
-            <p:ph idx="1" type="body"/>
+            <p:ph type="body" idx="1"/>
           </p:nvPr>
         </p:nvSpPr>
         <p:spPr>
@@ -9263,12 +9398,12 @@
           </a:prstGeom>
         </p:spPr>
         <p:txBody>
-          <a:bodyPr anchorCtr="0" anchor="t" bIns="91425" lIns="91425" spcFirstLastPara="1" rIns="91425" wrap="square" tIns="91425">
+          <a:bodyPr spcFirstLastPara="1" wrap="square" lIns="91425" tIns="91425" rIns="91425" bIns="91425" anchor="t" anchorCtr="0">
             <a:noAutofit/>
           </a:bodyPr>
           <a:lstStyle/>
           <a:p>
-            <a:pPr indent="-342900" lvl="0" marL="457200" rtl="0" algn="l">
+            <a:pPr marL="457200" lvl="0" indent="-342900" algn="l" rtl="0">
               <a:lnSpc>
                 <a:spcPct val="150000"/>
               </a:lnSpc>
@@ -9299,7 +9434,7 @@
             </a:endParaRPr>
           </a:p>
           <a:p>
-            <a:pPr indent="-317500" lvl="1" marL="914400" rtl="0" algn="l">
+            <a:pPr marL="914400" lvl="1" indent="-317500" algn="l" rtl="0">
               <a:lnSpc>
                 <a:spcPct val="150000"/>
               </a:lnSpc>
@@ -9330,7 +9465,7 @@
             </a:endParaRPr>
           </a:p>
           <a:p>
-            <a:pPr indent="-317500" lvl="1" marL="914400" rtl="0" algn="l">
+            <a:pPr marL="914400" lvl="1" indent="-317500" algn="l" rtl="0">
               <a:lnSpc>
                 <a:spcPct val="150000"/>
               </a:lnSpc>
@@ -9361,7 +9496,7 @@
             </a:endParaRPr>
           </a:p>
           <a:p>
-            <a:pPr indent="0" lvl="0" marL="0" rtl="0" algn="l">
+            <a:pPr marL="0" lvl="0" indent="0" algn="l" rtl="0">
               <a:lnSpc>
                 <a:spcPct val="150000"/>
               </a:lnSpc>
@@ -9373,9 +9508,6 @@
               </a:spcAft>
               <a:buNone/>
             </a:pPr>
-            <a:r>
-              <a:t/>
-            </a:r>
             <a:endParaRPr>
               <a:solidFill>
                 <a:schemeClr val="dk1"/>
@@ -9393,11 +9525,11 @@
 </file>
 
 <file path=ppt/slides/slide19.xml><?xml version="1.0" encoding="utf-8"?>
-<p:sld xmlns:a="http://schemas.openxmlformats.org/drawingml/2006/main" xmlns:r="http://schemas.openxmlformats.org/officeDocument/2006/relationships" xmlns:mc="http://schemas.openxmlformats.org/markup-compatibility/2006" xmlns:mv="urn:schemas-microsoft-com:mac:vml" xmlns:p="http://schemas.openxmlformats.org/presentationml/2006/main" xmlns:c="http://schemas.openxmlformats.org/drawingml/2006/chart" xmlns:dgm="http://schemas.openxmlformats.org/drawingml/2006/diagram" xmlns:o="urn:schemas-microsoft-com:office:office" xmlns:v="urn:schemas-microsoft-com:vml" xmlns:pvml="urn:schemas-microsoft-com:office:powerpoint" xmlns:com="http://schemas.openxmlformats.org/drawingml/2006/compatibility" xmlns:p14="http://schemas.microsoft.com/office/powerpoint/2010/main" xmlns:p15="http://schemas.microsoft.com/office/powerpoint/2012/main" xmlns:ahyp="http://schemas.microsoft.com/office/drawing/2018/hyperlinkcolor">
+<p:sld xmlns:a="http://schemas.openxmlformats.org/drawingml/2006/main" xmlns:r="http://schemas.openxmlformats.org/officeDocument/2006/relationships" xmlns:p="http://schemas.openxmlformats.org/presentationml/2006/main">
   <p:cSld>
     <p:spTree>
       <p:nvGrpSpPr>
-        <p:cNvPr id="177" name="Shape 177"/>
+        <p:cNvPr id="1" name="Shape 177"/>
         <p:cNvGrpSpPr/>
         <p:nvPr/>
       </p:nvGrpSpPr>
@@ -9412,7 +9544,9 @@
       <p:sp>
         <p:nvSpPr>
           <p:cNvPr id="178" name="Google Shape;178;p31"/>
-          <p:cNvSpPr txBox="1"/>
+          <p:cNvSpPr txBox="1">
+            <a:spLocks noGrp="1"/>
+          </p:cNvSpPr>
           <p:nvPr>
             <p:ph type="title"/>
           </p:nvPr>
@@ -9427,12 +9561,12 @@
           </a:prstGeom>
         </p:spPr>
         <p:txBody>
-          <a:bodyPr anchorCtr="0" anchor="t" bIns="91425" lIns="91425" spcFirstLastPara="1" rIns="91425" wrap="square" tIns="91425">
+          <a:bodyPr spcFirstLastPara="1" wrap="square" lIns="91425" tIns="91425" rIns="91425" bIns="91425" anchor="t" anchorCtr="0">
             <a:noAutofit/>
           </a:bodyPr>
           <a:lstStyle/>
           <a:p>
-            <a:pPr indent="0" lvl="0" marL="0" rtl="0" algn="l">
+            <a:pPr marL="0" lvl="0" indent="0" algn="l" rtl="0">
               <a:spcBef>
                 <a:spcPts val="0"/>
               </a:spcBef>
@@ -9497,12 +9631,12 @@
           </a:ln>
         </p:spPr>
         <p:txBody>
-          <a:bodyPr anchorCtr="0" anchor="t" bIns="91425" lIns="91425" spcFirstLastPara="1" rIns="91425" wrap="square" tIns="91425">
+          <a:bodyPr spcFirstLastPara="1" wrap="square" lIns="91425" tIns="91425" rIns="91425" bIns="91425" anchor="t" anchorCtr="0">
             <a:noAutofit/>
           </a:bodyPr>
           <a:lstStyle/>
           <a:p>
-            <a:pPr indent="0" lvl="0" marL="0" rtl="0" algn="l">
+            <a:pPr marL="0" lvl="0" indent="0" algn="l" rtl="0">
               <a:spcBef>
                 <a:spcPts val="0"/>
               </a:spcBef>
@@ -9528,11 +9662,11 @@
 </file>
 
 <file path=ppt/slides/slide2.xml><?xml version="1.0" encoding="utf-8"?>
-<p:sld xmlns:a="http://schemas.openxmlformats.org/drawingml/2006/main" xmlns:r="http://schemas.openxmlformats.org/officeDocument/2006/relationships" xmlns:mc="http://schemas.openxmlformats.org/markup-compatibility/2006" xmlns:mv="urn:schemas-microsoft-com:mac:vml" xmlns:p="http://schemas.openxmlformats.org/presentationml/2006/main" xmlns:c="http://schemas.openxmlformats.org/drawingml/2006/chart" xmlns:dgm="http://schemas.openxmlformats.org/drawingml/2006/diagram" xmlns:o="urn:schemas-microsoft-com:office:office" xmlns:v="urn:schemas-microsoft-com:vml" xmlns:pvml="urn:schemas-microsoft-com:office:powerpoint" xmlns:com="http://schemas.openxmlformats.org/drawingml/2006/compatibility" xmlns:p14="http://schemas.microsoft.com/office/powerpoint/2010/main" xmlns:p15="http://schemas.microsoft.com/office/powerpoint/2012/main" xmlns:ahyp="http://schemas.microsoft.com/office/drawing/2018/hyperlinkcolor">
+<p:sld xmlns:a="http://schemas.openxmlformats.org/drawingml/2006/main" xmlns:r="http://schemas.openxmlformats.org/officeDocument/2006/relationships" xmlns:p="http://schemas.openxmlformats.org/presentationml/2006/main">
   <p:cSld>
     <p:spTree>
       <p:nvGrpSpPr>
-        <p:cNvPr id="59" name="Shape 59"/>
+        <p:cNvPr id="1" name="Shape 59"/>
         <p:cNvGrpSpPr/>
         <p:nvPr/>
       </p:nvGrpSpPr>
@@ -9547,7 +9681,9 @@
       <p:sp>
         <p:nvSpPr>
           <p:cNvPr id="60" name="Google Shape;60;p14"/>
-          <p:cNvSpPr txBox="1"/>
+          <p:cNvSpPr txBox="1">
+            <a:spLocks noGrp="1"/>
+          </p:cNvSpPr>
           <p:nvPr>
             <p:ph type="title"/>
           </p:nvPr>
@@ -9562,12 +9698,12 @@
           </a:prstGeom>
         </p:spPr>
         <p:txBody>
-          <a:bodyPr anchorCtr="0" anchor="t" bIns="91425" lIns="91425" spcFirstLastPara="1" rIns="91425" wrap="square" tIns="91425">
+          <a:bodyPr spcFirstLastPara="1" wrap="square" lIns="91425" tIns="91425" rIns="91425" bIns="91425" anchor="t" anchorCtr="0">
             <a:noAutofit/>
           </a:bodyPr>
           <a:lstStyle/>
           <a:p>
-            <a:pPr indent="0" lvl="0" marL="0" rtl="0" algn="l">
+            <a:pPr marL="0" lvl="0" indent="0" algn="l" rtl="0">
               <a:spcBef>
                 <a:spcPts val="0"/>
               </a:spcBef>
@@ -9587,9 +9723,11 @@
       <p:sp>
         <p:nvSpPr>
           <p:cNvPr id="61" name="Google Shape;61;p14"/>
-          <p:cNvSpPr txBox="1"/>
+          <p:cNvSpPr txBox="1">
+            <a:spLocks noGrp="1"/>
+          </p:cNvSpPr>
           <p:nvPr>
-            <p:ph idx="1" type="body"/>
+            <p:ph type="body" idx="1"/>
           </p:nvPr>
         </p:nvSpPr>
         <p:spPr>
@@ -9602,12 +9740,12 @@
           </a:prstGeom>
         </p:spPr>
         <p:txBody>
-          <a:bodyPr anchorCtr="0" anchor="t" bIns="91425" lIns="91425" spcFirstLastPara="1" rIns="91425" wrap="square" tIns="91425">
+          <a:bodyPr spcFirstLastPara="1" wrap="square" lIns="91425" tIns="91425" rIns="91425" bIns="91425" anchor="t" anchorCtr="0">
             <a:noAutofit/>
           </a:bodyPr>
           <a:lstStyle/>
           <a:p>
-            <a:pPr indent="-342900" lvl="0" marL="457200" rtl="0" algn="l">
+            <a:pPr marL="457200" lvl="0" indent="-342900" algn="l" rtl="0">
               <a:lnSpc>
                 <a:spcPct val="150000"/>
               </a:lnSpc>
@@ -9638,7 +9776,7 @@
             </a:endParaRPr>
           </a:p>
           <a:p>
-            <a:pPr indent="-342900" lvl="0" marL="457200" rtl="0" algn="l">
+            <a:pPr marL="457200" lvl="0" indent="-342900" algn="l" rtl="0">
               <a:lnSpc>
                 <a:spcPct val="150000"/>
               </a:lnSpc>
@@ -9669,7 +9807,7 @@
             </a:endParaRPr>
           </a:p>
           <a:p>
-            <a:pPr indent="-342900" lvl="0" marL="457200" rtl="0" algn="l">
+            <a:pPr marL="457200" lvl="0" indent="-342900" algn="l" rtl="0">
               <a:lnSpc>
                 <a:spcPct val="150000"/>
               </a:lnSpc>
@@ -9691,39 +9829,7 @@
                   <a:schemeClr val="dk1"/>
                 </a:solidFill>
               </a:rPr>
-              <a:t>Price of Bitcoin has </a:t>
-            </a:r>
-            <a:r>
-              <a:rPr lang="en">
-                <a:solidFill>
-                  <a:schemeClr val="dk1"/>
-                </a:solidFill>
-              </a:rPr>
-              <a:t>increased</a:t>
-            </a:r>
-            <a:r>
-              <a:rPr lang="en">
-                <a:solidFill>
-                  <a:schemeClr val="dk1"/>
-                </a:solidFill>
-              </a:rPr>
-              <a:t> </a:t>
-            </a:r>
-            <a:r>
-              <a:rPr lang="en">
-                <a:solidFill>
-                  <a:schemeClr val="dk1"/>
-                </a:solidFill>
-              </a:rPr>
-              <a:t>substantially</a:t>
-            </a:r>
-            <a:r>
-              <a:rPr lang="en">
-                <a:solidFill>
-                  <a:schemeClr val="dk1"/>
-                </a:solidFill>
-              </a:rPr>
-              <a:t> over the last two years, now matching its previous pre 2018 crash highs</a:t>
+              <a:t>Price of Bitcoin has increased substantially over the last two years, now matching its previous pre 2018 crash highs</a:t>
             </a:r>
             <a:endParaRPr>
               <a:solidFill>
@@ -9770,11 +9876,11 @@
 </file>
 
 <file path=ppt/slides/slide20.xml><?xml version="1.0" encoding="utf-8"?>
-<p:sld xmlns:a="http://schemas.openxmlformats.org/drawingml/2006/main" xmlns:r="http://schemas.openxmlformats.org/officeDocument/2006/relationships" xmlns:mc="http://schemas.openxmlformats.org/markup-compatibility/2006" xmlns:mv="urn:schemas-microsoft-com:mac:vml" xmlns:p="http://schemas.openxmlformats.org/presentationml/2006/main" xmlns:c="http://schemas.openxmlformats.org/drawingml/2006/chart" xmlns:dgm="http://schemas.openxmlformats.org/drawingml/2006/diagram" xmlns:o="urn:schemas-microsoft-com:office:office" xmlns:v="urn:schemas-microsoft-com:vml" xmlns:pvml="urn:schemas-microsoft-com:office:powerpoint" xmlns:com="http://schemas.openxmlformats.org/drawingml/2006/compatibility" xmlns:p14="http://schemas.microsoft.com/office/powerpoint/2010/main" xmlns:p15="http://schemas.microsoft.com/office/powerpoint/2012/main" xmlns:ahyp="http://schemas.microsoft.com/office/drawing/2018/hyperlinkcolor">
+<p:sld xmlns:a="http://schemas.openxmlformats.org/drawingml/2006/main" xmlns:r="http://schemas.openxmlformats.org/officeDocument/2006/relationships" xmlns:p="http://schemas.openxmlformats.org/presentationml/2006/main">
   <p:cSld>
     <p:spTree>
       <p:nvGrpSpPr>
-        <p:cNvPr id="184" name="Shape 184"/>
+        <p:cNvPr id="1" name="Shape 184"/>
         <p:cNvGrpSpPr/>
         <p:nvPr/>
       </p:nvGrpSpPr>
@@ -9789,7 +9895,9 @@
       <p:sp>
         <p:nvSpPr>
           <p:cNvPr id="185" name="Google Shape;185;p32"/>
-          <p:cNvSpPr txBox="1"/>
+          <p:cNvSpPr txBox="1">
+            <a:spLocks noGrp="1"/>
+          </p:cNvSpPr>
           <p:nvPr>
             <p:ph type="title"/>
           </p:nvPr>
@@ -9804,12 +9912,12 @@
           </a:prstGeom>
         </p:spPr>
         <p:txBody>
-          <a:bodyPr anchorCtr="0" anchor="t" bIns="91425" lIns="91425" spcFirstLastPara="1" rIns="91425" wrap="square" tIns="91425">
+          <a:bodyPr spcFirstLastPara="1" wrap="square" lIns="91425" tIns="91425" rIns="91425" bIns="91425" anchor="t" anchorCtr="0">
             <a:noAutofit/>
           </a:bodyPr>
           <a:lstStyle/>
           <a:p>
-            <a:pPr indent="0" lvl="0" marL="0" rtl="0" algn="l">
+            <a:pPr marL="0" lvl="0" indent="0" algn="l" rtl="0">
               <a:spcBef>
                 <a:spcPts val="0"/>
               </a:spcBef>
@@ -9828,233 +9936,47 @@
       </p:sp>
       <p:sp>
         <p:nvSpPr>
-          <p:cNvPr id="186" name="Google Shape;186;p32"/>
-          <p:cNvSpPr txBox="1"/>
-          <p:nvPr>
-            <p:ph idx="1" type="body"/>
-          </p:nvPr>
+          <p:cNvPr id="2" name="Rectangle 1"/>
+          <p:cNvSpPr/>
+          <p:nvPr/>
         </p:nvSpPr>
         <p:spPr>
           <a:xfrm>
-            <a:off x="311700" y="1942650"/>
-            <a:ext cx="2842500" cy="1258200"/>
+            <a:off x="2640227" y="1789897"/>
+            <a:ext cx="4572000" cy="954107"/>
           </a:xfrm>
           <a:prstGeom prst="rect">
             <a:avLst/>
           </a:prstGeom>
         </p:spPr>
         <p:txBody>
-          <a:bodyPr anchorCtr="0" anchor="t" bIns="91425" lIns="91425" spcFirstLastPara="1" rIns="91425" wrap="square" tIns="91425">
-            <a:noAutofit/>
+          <a:bodyPr>
+            <a:spAutoFit/>
           </a:bodyPr>
           <a:lstStyle/>
           <a:p>
-            <a:pPr indent="-342900" lvl="0" marL="457200" rtl="0" algn="l">
-              <a:lnSpc>
-                <a:spcPct val="150000"/>
-              </a:lnSpc>
-              <a:spcBef>
-                <a:spcPts val="0"/>
-              </a:spcBef>
-              <a:spcAft>
-                <a:spcPts val="0"/>
-              </a:spcAft>
-              <a:buClr>
-                <a:schemeClr val="dk1"/>
-              </a:buClr>
-              <a:buSzPts val="1800"/>
-              <a:buChar char="●"/>
-            </a:pPr>
             <a:r>
-              <a:rPr lang="en">
-                <a:solidFill>
-                  <a:schemeClr val="dk1"/>
-                </a:solidFill>
-              </a:rPr>
-              <a:t>Market CGAR: 19.9%</a:t>
+              <a:rPr lang="en-US" dirty="0"/>
+              <a:t>System CAGR: 48.3%</a:t>
             </a:r>
-            <a:endParaRPr>
-              <a:solidFill>
-                <a:schemeClr val="dk1"/>
-              </a:solidFill>
-            </a:endParaRPr>
-          </a:p>
-          <a:p>
-            <a:pPr indent="-342900" lvl="0" marL="457200" rtl="0" algn="l">
-              <a:lnSpc>
-                <a:spcPct val="150000"/>
-              </a:lnSpc>
-              <a:spcBef>
-                <a:spcPts val="0"/>
-              </a:spcBef>
-              <a:spcAft>
-                <a:spcPts val="0"/>
-              </a:spcAft>
-              <a:buClr>
-                <a:schemeClr val="dk1"/>
-              </a:buClr>
-              <a:buSzPts val="1800"/>
-              <a:buChar char="●"/>
-            </a:pPr>
+          </a:p>
+          <a:p>
             <a:r>
-              <a:rPr lang="en">
-                <a:solidFill>
-                  <a:schemeClr val="dk1"/>
-                </a:solidFill>
-              </a:rPr>
-              <a:t>Market Sharpe: 0.6</a:t>
+              <a:rPr lang="en-US" dirty="0"/>
+              <a:t>System Sharpe: 1.0</a:t>
             </a:r>
-            <a:endParaRPr>
-              <a:solidFill>
-                <a:schemeClr val="dk1"/>
-              </a:solidFill>
-            </a:endParaRPr>
-          </a:p>
-          <a:p>
-            <a:pPr indent="0" lvl="0" marL="0" rtl="0" algn="l">
-              <a:lnSpc>
-                <a:spcPct val="150000"/>
-              </a:lnSpc>
-              <a:spcBef>
-                <a:spcPts val="1600"/>
-              </a:spcBef>
-              <a:spcAft>
-                <a:spcPts val="1600"/>
-              </a:spcAft>
-              <a:buNone/>
-            </a:pPr>
+          </a:p>
+          <a:p>
             <a:r>
-              <a:t/>
+              <a:rPr lang="en-US" dirty="0"/>
+              <a:t>Market CAGR: 19.9%</a:t>
             </a:r>
-            <a:endParaRPr>
-              <a:solidFill>
-                <a:schemeClr val="dk1"/>
-              </a:solidFill>
-            </a:endParaRPr>
-          </a:p>
-        </p:txBody>
-      </p:sp>
-      <p:sp>
-        <p:nvSpPr>
-          <p:cNvPr id="187" name="Google Shape;187;p32"/>
-          <p:cNvSpPr txBox="1"/>
-          <p:nvPr>
-            <p:ph idx="1" type="body"/>
-          </p:nvPr>
-        </p:nvSpPr>
-        <p:spPr>
-          <a:xfrm>
-            <a:off x="5474725" y="1942650"/>
-            <a:ext cx="2942100" cy="1258200"/>
-          </a:xfrm>
-          <a:prstGeom prst="rect">
-            <a:avLst/>
-          </a:prstGeom>
-        </p:spPr>
-        <p:txBody>
-          <a:bodyPr anchorCtr="0" anchor="t" bIns="91425" lIns="91425" spcFirstLastPara="1" rIns="91425" wrap="square" tIns="91425">
-            <a:noAutofit/>
-          </a:bodyPr>
-          <a:lstStyle/>
-          <a:p>
-            <a:pPr indent="-342900" lvl="0" marL="457200" rtl="0" algn="l">
-              <a:lnSpc>
-                <a:spcPct val="150000"/>
-              </a:lnSpc>
-              <a:spcBef>
-                <a:spcPts val="0"/>
-              </a:spcBef>
-              <a:spcAft>
-                <a:spcPts val="0"/>
-              </a:spcAft>
-              <a:buClr>
-                <a:schemeClr val="dk1"/>
-              </a:buClr>
-              <a:buSzPts val="1800"/>
-              <a:buChar char="●"/>
-            </a:pPr>
+          </a:p>
+          <a:p>
             <a:r>
-              <a:rPr lang="en">
-                <a:solidFill>
-                  <a:schemeClr val="dk1"/>
-                </a:solidFill>
-              </a:rPr>
-              <a:t>System </a:t>
+              <a:rPr lang="en-US" dirty="0"/>
+              <a:t>Market Sharpe: 0.3</a:t>
             </a:r>
-            <a:r>
-              <a:rPr lang="en">
-                <a:solidFill>
-                  <a:schemeClr val="dk1"/>
-                </a:solidFill>
-              </a:rPr>
-              <a:t>CGAR: 49.8%</a:t>
-            </a:r>
-            <a:endParaRPr>
-              <a:solidFill>
-                <a:schemeClr val="dk1"/>
-              </a:solidFill>
-            </a:endParaRPr>
-          </a:p>
-          <a:p>
-            <a:pPr indent="-342900" lvl="0" marL="457200" rtl="0" algn="l">
-              <a:lnSpc>
-                <a:spcPct val="150000"/>
-              </a:lnSpc>
-              <a:spcBef>
-                <a:spcPts val="0"/>
-              </a:spcBef>
-              <a:spcAft>
-                <a:spcPts val="0"/>
-              </a:spcAft>
-              <a:buClr>
-                <a:schemeClr val="dk1"/>
-              </a:buClr>
-              <a:buSzPts val="1800"/>
-              <a:buChar char="●"/>
-            </a:pPr>
-            <a:r>
-              <a:rPr lang="en">
-                <a:solidFill>
-                  <a:schemeClr val="dk1"/>
-                </a:solidFill>
-              </a:rPr>
-              <a:t>System </a:t>
-            </a:r>
-            <a:r>
-              <a:rPr lang="en">
-                <a:solidFill>
-                  <a:schemeClr val="dk1"/>
-                </a:solidFill>
-              </a:rPr>
-              <a:t>Sharpe: 1.2</a:t>
-            </a:r>
-            <a:endParaRPr>
-              <a:solidFill>
-                <a:schemeClr val="dk1"/>
-              </a:solidFill>
-            </a:endParaRPr>
-          </a:p>
-          <a:p>
-            <a:pPr indent="0" lvl="0" marL="0" rtl="0" algn="l">
-              <a:lnSpc>
-                <a:spcPct val="150000"/>
-              </a:lnSpc>
-              <a:spcBef>
-                <a:spcPts val="1600"/>
-              </a:spcBef>
-              <a:spcAft>
-                <a:spcPts val="1600"/>
-              </a:spcAft>
-              <a:buNone/>
-            </a:pPr>
-            <a:r>
-              <a:t/>
-            </a:r>
-            <a:endParaRPr>
-              <a:solidFill>
-                <a:schemeClr val="dk1"/>
-              </a:solidFill>
-            </a:endParaRPr>
           </a:p>
         </p:txBody>
       </p:sp>
@@ -10067,11 +9989,11 @@
 </file>
 
 <file path=ppt/slides/slide3.xml><?xml version="1.0" encoding="utf-8"?>
-<p:sld xmlns:a="http://schemas.openxmlformats.org/drawingml/2006/main" xmlns:r="http://schemas.openxmlformats.org/officeDocument/2006/relationships" xmlns:mc="http://schemas.openxmlformats.org/markup-compatibility/2006" xmlns:mv="urn:schemas-microsoft-com:mac:vml" xmlns:p="http://schemas.openxmlformats.org/presentationml/2006/main" xmlns:c="http://schemas.openxmlformats.org/drawingml/2006/chart" xmlns:dgm="http://schemas.openxmlformats.org/drawingml/2006/diagram" xmlns:o="urn:schemas-microsoft-com:office:office" xmlns:v="urn:schemas-microsoft-com:vml" xmlns:pvml="urn:schemas-microsoft-com:office:powerpoint" xmlns:com="http://schemas.openxmlformats.org/drawingml/2006/compatibility" xmlns:p14="http://schemas.microsoft.com/office/powerpoint/2010/main" xmlns:p15="http://schemas.microsoft.com/office/powerpoint/2012/main" xmlns:ahyp="http://schemas.microsoft.com/office/drawing/2018/hyperlinkcolor">
+<p:sld xmlns:a="http://schemas.openxmlformats.org/drawingml/2006/main" xmlns:r="http://schemas.openxmlformats.org/officeDocument/2006/relationships" xmlns:p="http://schemas.openxmlformats.org/presentationml/2006/main">
   <p:cSld>
     <p:spTree>
       <p:nvGrpSpPr>
-        <p:cNvPr id="66" name="Shape 66"/>
+        <p:cNvPr id="1" name="Shape 66"/>
         <p:cNvGrpSpPr/>
         <p:nvPr/>
       </p:nvGrpSpPr>
@@ -10086,7 +10008,9 @@
       <p:sp>
         <p:nvSpPr>
           <p:cNvPr id="67" name="Google Shape;67;p15"/>
-          <p:cNvSpPr txBox="1"/>
+          <p:cNvSpPr txBox="1">
+            <a:spLocks noGrp="1"/>
+          </p:cNvSpPr>
           <p:nvPr>
             <p:ph type="title"/>
           </p:nvPr>
@@ -10101,12 +10025,12 @@
           </a:prstGeom>
         </p:spPr>
         <p:txBody>
-          <a:bodyPr anchorCtr="0" anchor="t" bIns="91425" lIns="91425" spcFirstLastPara="1" rIns="91425" wrap="square" tIns="91425">
+          <a:bodyPr spcFirstLastPara="1" wrap="square" lIns="91425" tIns="91425" rIns="91425" bIns="91425" anchor="t" anchorCtr="0">
             <a:noAutofit/>
           </a:bodyPr>
           <a:lstStyle/>
           <a:p>
-            <a:pPr indent="0" lvl="0" marL="0" rtl="0" algn="l">
+            <a:pPr marL="0" lvl="0" indent="0" algn="l" rtl="0">
               <a:spcBef>
                 <a:spcPts val="0"/>
               </a:spcBef>
@@ -10126,9 +10050,11 @@
       <p:sp>
         <p:nvSpPr>
           <p:cNvPr id="68" name="Google Shape;68;p15"/>
-          <p:cNvSpPr txBox="1"/>
+          <p:cNvSpPr txBox="1">
+            <a:spLocks noGrp="1"/>
+          </p:cNvSpPr>
           <p:nvPr>
-            <p:ph idx="1" type="body"/>
+            <p:ph type="body" idx="1"/>
           </p:nvPr>
         </p:nvSpPr>
         <p:spPr>
@@ -10141,12 +10067,12 @@
           </a:prstGeom>
         </p:spPr>
         <p:txBody>
-          <a:bodyPr anchorCtr="0" anchor="t" bIns="91425" lIns="91425" spcFirstLastPara="1" rIns="91425" wrap="square" tIns="91425">
+          <a:bodyPr spcFirstLastPara="1" wrap="square" lIns="91425" tIns="91425" rIns="91425" bIns="91425" anchor="t" anchorCtr="0">
             <a:noAutofit/>
           </a:bodyPr>
           <a:lstStyle/>
           <a:p>
-            <a:pPr indent="-342900" lvl="0" marL="457200" rtl="0" algn="l">
+            <a:pPr marL="457200" lvl="0" indent="-342900" algn="l" rtl="0">
               <a:lnSpc>
                 <a:spcPct val="150000"/>
               </a:lnSpc>
@@ -10177,7 +10103,7 @@
             </a:endParaRPr>
           </a:p>
           <a:p>
-            <a:pPr indent="-342900" lvl="0" marL="457200" rtl="0" algn="l">
+            <a:pPr marL="457200" lvl="0" indent="-342900" algn="l" rtl="0">
               <a:lnSpc>
                 <a:spcPct val="150000"/>
               </a:lnSpc>
@@ -10199,15 +10125,7 @@
                   <a:schemeClr val="dk1"/>
                 </a:solidFill>
               </a:rPr>
-              <a:t>Abbreviated</a:t>
-            </a:r>
-            <a:r>
-              <a:rPr lang="en">
-                <a:solidFill>
-                  <a:schemeClr val="dk1"/>
-                </a:solidFill>
-              </a:rPr>
-              <a:t> as BTC</a:t>
+              <a:t>Abbreviated as BTC</a:t>
             </a:r>
             <a:endParaRPr>
               <a:solidFill>
@@ -10216,7 +10134,7 @@
             </a:endParaRPr>
           </a:p>
           <a:p>
-            <a:pPr indent="-342900" lvl="0" marL="457200" rtl="0" algn="l">
+            <a:pPr marL="457200" lvl="0" indent="-342900" algn="l" rtl="0">
               <a:lnSpc>
                 <a:spcPct val="150000"/>
               </a:lnSpc>
@@ -10247,7 +10165,7 @@
             </a:endParaRPr>
           </a:p>
           <a:p>
-            <a:pPr indent="-342900" lvl="0" marL="457200" rtl="0" algn="l">
+            <a:pPr marL="457200" lvl="0" indent="-342900" algn="l" rtl="0">
               <a:lnSpc>
                 <a:spcPct val="150000"/>
               </a:lnSpc>
@@ -10278,7 +10196,7 @@
             </a:endParaRPr>
           </a:p>
           <a:p>
-            <a:pPr indent="-342900" lvl="0" marL="457200" rtl="0" algn="l">
+            <a:pPr marL="457200" lvl="0" indent="-342900" algn="l" rtl="0">
               <a:lnSpc>
                 <a:spcPct val="150000"/>
               </a:lnSpc>
@@ -10309,7 +10227,7 @@
             </a:endParaRPr>
           </a:p>
           <a:p>
-            <a:pPr indent="-342900" lvl="0" marL="457200" rtl="0" algn="l">
+            <a:pPr marL="457200" lvl="0" indent="-342900" algn="l" rtl="0">
               <a:lnSpc>
                 <a:spcPct val="150000"/>
               </a:lnSpc>
@@ -10340,7 +10258,7 @@
             </a:endParaRPr>
           </a:p>
           <a:p>
-            <a:pPr indent="0" lvl="0" marL="0" rtl="0" algn="l">
+            <a:pPr marL="0" lvl="0" indent="0" algn="l" rtl="0">
               <a:lnSpc>
                 <a:spcPct val="150000"/>
               </a:lnSpc>
@@ -10352,9 +10270,6 @@
               </a:spcAft>
               <a:buNone/>
             </a:pPr>
-            <a:r>
-              <a:t/>
-            </a:r>
             <a:endParaRPr>
               <a:solidFill>
                 <a:srgbClr val="000000"/>
@@ -10362,7 +10277,7 @@
             </a:endParaRPr>
           </a:p>
           <a:p>
-            <a:pPr indent="0" lvl="0" marL="0" rtl="0" algn="l">
+            <a:pPr marL="0" lvl="0" indent="0" algn="l" rtl="0">
               <a:lnSpc>
                 <a:spcPct val="150000"/>
               </a:lnSpc>
@@ -10374,9 +10289,6 @@
               </a:spcAft>
               <a:buNone/>
             </a:pPr>
-            <a:r>
-              <a:t/>
-            </a:r>
             <a:endParaRPr>
               <a:solidFill>
                 <a:srgbClr val="000000"/>
@@ -10422,11 +10334,11 @@
 </file>
 
 <file path=ppt/slides/slide4.xml><?xml version="1.0" encoding="utf-8"?>
-<p:sld xmlns:a="http://schemas.openxmlformats.org/drawingml/2006/main" xmlns:r="http://schemas.openxmlformats.org/officeDocument/2006/relationships" xmlns:mc="http://schemas.openxmlformats.org/markup-compatibility/2006" xmlns:mv="urn:schemas-microsoft-com:mac:vml" xmlns:p="http://schemas.openxmlformats.org/presentationml/2006/main" xmlns:c="http://schemas.openxmlformats.org/drawingml/2006/chart" xmlns:dgm="http://schemas.openxmlformats.org/drawingml/2006/diagram" xmlns:o="urn:schemas-microsoft-com:office:office" xmlns:v="urn:schemas-microsoft-com:vml" xmlns:pvml="urn:schemas-microsoft-com:office:powerpoint" xmlns:com="http://schemas.openxmlformats.org/drawingml/2006/compatibility" xmlns:p14="http://schemas.microsoft.com/office/powerpoint/2010/main" xmlns:p15="http://schemas.microsoft.com/office/powerpoint/2012/main" xmlns:ahyp="http://schemas.microsoft.com/office/drawing/2018/hyperlinkcolor">
+<p:sld xmlns:a="http://schemas.openxmlformats.org/drawingml/2006/main" xmlns:r="http://schemas.openxmlformats.org/officeDocument/2006/relationships" xmlns:p="http://schemas.openxmlformats.org/presentationml/2006/main">
   <p:cSld>
     <p:spTree>
       <p:nvGrpSpPr>
-        <p:cNvPr id="73" name="Shape 73"/>
+        <p:cNvPr id="1" name="Shape 73"/>
         <p:cNvGrpSpPr/>
         <p:nvPr/>
       </p:nvGrpSpPr>
@@ -10441,9 +10353,11 @@
       <p:sp>
         <p:nvSpPr>
           <p:cNvPr id="74" name="Google Shape;74;p16"/>
-          <p:cNvSpPr txBox="1"/>
+          <p:cNvSpPr txBox="1">
+            <a:spLocks noGrp="1"/>
+          </p:cNvSpPr>
           <p:nvPr>
-            <p:ph idx="1" type="body"/>
+            <p:ph type="body" idx="1"/>
           </p:nvPr>
         </p:nvSpPr>
         <p:spPr>
@@ -10456,12 +10370,12 @@
           </a:prstGeom>
         </p:spPr>
         <p:txBody>
-          <a:bodyPr anchorCtr="0" anchor="t" bIns="91425" lIns="91425" spcFirstLastPara="1" rIns="91425" wrap="square" tIns="91425">
+          <a:bodyPr spcFirstLastPara="1" wrap="square" lIns="91425" tIns="91425" rIns="91425" bIns="91425" anchor="t" anchorCtr="0">
             <a:noAutofit/>
           </a:bodyPr>
           <a:lstStyle/>
           <a:p>
-            <a:pPr indent="-342900" lvl="0" marL="457200" rtl="0" algn="l">
+            <a:pPr marL="457200" lvl="0" indent="-342900" algn="l" rtl="0">
               <a:lnSpc>
                 <a:spcPct val="150000"/>
               </a:lnSpc>
@@ -10492,7 +10406,7 @@
             </a:endParaRPr>
           </a:p>
           <a:p>
-            <a:pPr indent="-342900" lvl="0" marL="457200" rtl="0" algn="l">
+            <a:pPr marL="457200" lvl="0" indent="-342900" algn="l" rtl="0">
               <a:lnSpc>
                 <a:spcPct val="150000"/>
               </a:lnSpc>
@@ -10523,7 +10437,7 @@
             </a:endParaRPr>
           </a:p>
           <a:p>
-            <a:pPr indent="-342900" lvl="0" marL="457200" rtl="0" algn="l">
+            <a:pPr marL="457200" lvl="0" indent="-342900" algn="l" rtl="0">
               <a:lnSpc>
                 <a:spcPct val="150000"/>
               </a:lnSpc>
@@ -10554,7 +10468,7 @@
             </a:endParaRPr>
           </a:p>
           <a:p>
-            <a:pPr indent="-342900" lvl="0" marL="457200" rtl="0" algn="l">
+            <a:pPr marL="457200" lvl="0" indent="-342900" algn="l" rtl="0">
               <a:lnSpc>
                 <a:spcPct val="150000"/>
               </a:lnSpc>
@@ -10585,7 +10499,7 @@
             </a:endParaRPr>
           </a:p>
           <a:p>
-            <a:pPr indent="0" lvl="0" marL="0" rtl="0" algn="l">
+            <a:pPr marL="0" lvl="0" indent="0" algn="l" rtl="0">
               <a:lnSpc>
                 <a:spcPct val="150000"/>
               </a:lnSpc>
@@ -10597,9 +10511,6 @@
               </a:spcAft>
               <a:buNone/>
             </a:pPr>
-            <a:r>
-              <a:t/>
-            </a:r>
             <a:endParaRPr>
               <a:solidFill>
                 <a:schemeClr val="dk1"/>
@@ -10607,7 +10518,7 @@
             </a:endParaRPr>
           </a:p>
           <a:p>
-            <a:pPr indent="0" lvl="0" marL="0" rtl="0" algn="l">
+            <a:pPr marL="0" lvl="0" indent="0" algn="l" rtl="0">
               <a:spcBef>
                 <a:spcPts val="1600"/>
               </a:spcBef>
@@ -10616,9 +10527,6 @@
               </a:spcAft>
               <a:buNone/>
             </a:pPr>
-            <a:r>
-              <a:t/>
-            </a:r>
             <a:endParaRPr/>
           </a:p>
         </p:txBody>
@@ -10626,7 +10534,9 @@
       <p:sp>
         <p:nvSpPr>
           <p:cNvPr id="75" name="Google Shape;75;p16"/>
-          <p:cNvSpPr txBox="1"/>
+          <p:cNvSpPr txBox="1">
+            <a:spLocks noGrp="1"/>
+          </p:cNvSpPr>
           <p:nvPr>
             <p:ph type="title"/>
           </p:nvPr>
@@ -10641,12 +10551,12 @@
           </a:prstGeom>
         </p:spPr>
         <p:txBody>
-          <a:bodyPr anchorCtr="0" anchor="t" bIns="91425" lIns="91425" spcFirstLastPara="1" rIns="91425" wrap="square" tIns="91425">
+          <a:bodyPr spcFirstLastPara="1" wrap="square" lIns="91425" tIns="91425" rIns="91425" bIns="91425" anchor="t" anchorCtr="0">
             <a:noAutofit/>
           </a:bodyPr>
           <a:lstStyle/>
           <a:p>
-            <a:pPr indent="0" lvl="0" marL="0" rtl="0" algn="l">
+            <a:pPr marL="0" lvl="0" indent="0" algn="l" rtl="0">
               <a:spcBef>
                 <a:spcPts val="0"/>
               </a:spcBef>
@@ -10700,11 +10610,11 @@
 </file>
 
 <file path=ppt/slides/slide5.xml><?xml version="1.0" encoding="utf-8"?>
-<p:sld xmlns:a="http://schemas.openxmlformats.org/drawingml/2006/main" xmlns:r="http://schemas.openxmlformats.org/officeDocument/2006/relationships" xmlns:mc="http://schemas.openxmlformats.org/markup-compatibility/2006" xmlns:mv="urn:schemas-microsoft-com:mac:vml" xmlns:p="http://schemas.openxmlformats.org/presentationml/2006/main" xmlns:c="http://schemas.openxmlformats.org/drawingml/2006/chart" xmlns:dgm="http://schemas.openxmlformats.org/drawingml/2006/diagram" xmlns:o="urn:schemas-microsoft-com:office:office" xmlns:v="urn:schemas-microsoft-com:vml" xmlns:pvml="urn:schemas-microsoft-com:office:powerpoint" xmlns:com="http://schemas.openxmlformats.org/drawingml/2006/compatibility" xmlns:p14="http://schemas.microsoft.com/office/powerpoint/2010/main" xmlns:p15="http://schemas.microsoft.com/office/powerpoint/2012/main" xmlns:ahyp="http://schemas.microsoft.com/office/drawing/2018/hyperlinkcolor">
+<p:sld xmlns:a="http://schemas.openxmlformats.org/drawingml/2006/main" xmlns:r="http://schemas.openxmlformats.org/officeDocument/2006/relationships" xmlns:p="http://schemas.openxmlformats.org/presentationml/2006/main">
   <p:cSld>
     <p:spTree>
       <p:nvGrpSpPr>
-        <p:cNvPr id="80" name="Shape 80"/>
+        <p:cNvPr id="1" name="Shape 80"/>
         <p:cNvGrpSpPr/>
         <p:nvPr/>
       </p:nvGrpSpPr>
@@ -10719,7 +10629,9 @@
       <p:sp>
         <p:nvSpPr>
           <p:cNvPr id="81" name="Google Shape;81;p17"/>
-          <p:cNvSpPr txBox="1"/>
+          <p:cNvSpPr txBox="1">
+            <a:spLocks noGrp="1"/>
+          </p:cNvSpPr>
           <p:nvPr>
             <p:ph type="title"/>
           </p:nvPr>
@@ -10734,12 +10646,12 @@
           </a:prstGeom>
         </p:spPr>
         <p:txBody>
-          <a:bodyPr anchorCtr="0" anchor="t" bIns="91425" lIns="91425" spcFirstLastPara="1" rIns="91425" wrap="square" tIns="91425">
+          <a:bodyPr spcFirstLastPara="1" wrap="square" lIns="91425" tIns="91425" rIns="91425" bIns="91425" anchor="t" anchorCtr="0">
             <a:noAutofit/>
           </a:bodyPr>
           <a:lstStyle/>
           <a:p>
-            <a:pPr indent="0" lvl="0" marL="0" rtl="0" algn="l">
+            <a:pPr marL="0" lvl="0" indent="0" algn="l" rtl="0">
               <a:spcBef>
                 <a:spcPts val="0"/>
               </a:spcBef>
@@ -10759,9 +10671,11 @@
       <p:sp>
         <p:nvSpPr>
           <p:cNvPr id="82" name="Google Shape;82;p17"/>
-          <p:cNvSpPr txBox="1"/>
+          <p:cNvSpPr txBox="1">
+            <a:spLocks noGrp="1"/>
+          </p:cNvSpPr>
           <p:nvPr>
-            <p:ph idx="1" type="body"/>
+            <p:ph type="body" idx="1"/>
           </p:nvPr>
         </p:nvSpPr>
         <p:spPr>
@@ -10774,12 +10688,12 @@
           </a:prstGeom>
         </p:spPr>
         <p:txBody>
-          <a:bodyPr anchorCtr="0" anchor="t" bIns="91425" lIns="91425" spcFirstLastPara="1" rIns="91425" wrap="square" tIns="91425">
+          <a:bodyPr spcFirstLastPara="1" wrap="square" lIns="91425" tIns="91425" rIns="91425" bIns="91425" anchor="t" anchorCtr="0">
             <a:noAutofit/>
           </a:bodyPr>
           <a:lstStyle/>
           <a:p>
-            <a:pPr indent="-342900" lvl="0" marL="457200" rtl="0" algn="l">
+            <a:pPr marL="457200" lvl="0" indent="-342900" algn="l" rtl="0">
               <a:lnSpc>
                 <a:spcPct val="150000"/>
               </a:lnSpc>
@@ -10810,7 +10724,7 @@
             </a:endParaRPr>
           </a:p>
           <a:p>
-            <a:pPr indent="-342900" lvl="0" marL="457200" rtl="0" algn="l">
+            <a:pPr marL="457200" lvl="0" indent="-342900" algn="l" rtl="0">
               <a:lnSpc>
                 <a:spcPct val="150000"/>
               </a:lnSpc>
@@ -10832,23 +10746,7 @@
                   <a:schemeClr val="dk1"/>
                 </a:solidFill>
               </a:rPr>
-              <a:t>Training data was </a:t>
-            </a:r>
-            <a:r>
-              <a:rPr lang="en">
-                <a:solidFill>
-                  <a:schemeClr val="dk1"/>
-                </a:solidFill>
-              </a:rPr>
-              <a:t>compiled</a:t>
-            </a:r>
-            <a:r>
-              <a:rPr lang="en">
-                <a:solidFill>
-                  <a:schemeClr val="dk1"/>
-                </a:solidFill>
-              </a:rPr>
-              <a:t> from a number of different sources</a:t>
+              <a:t>Training data was compiled from a number of different sources</a:t>
             </a:r>
             <a:endParaRPr>
               <a:solidFill>
@@ -10857,7 +10755,7 @@
             </a:endParaRPr>
           </a:p>
           <a:p>
-            <a:pPr indent="-342900" lvl="0" marL="457200" rtl="0" algn="l">
+            <a:pPr marL="457200" lvl="0" indent="-342900" algn="l" rtl="0">
               <a:lnSpc>
                 <a:spcPct val="150000"/>
               </a:lnSpc>
@@ -10888,7 +10786,7 @@
             </a:endParaRPr>
           </a:p>
           <a:p>
-            <a:pPr indent="-342900" lvl="0" marL="457200" rtl="0" algn="l">
+            <a:pPr marL="457200" lvl="0" indent="-342900" algn="l" rtl="0">
               <a:lnSpc>
                 <a:spcPct val="150000"/>
               </a:lnSpc>
@@ -10919,7 +10817,7 @@
             </a:endParaRPr>
           </a:p>
           <a:p>
-            <a:pPr indent="-342900" lvl="0" marL="457200" rtl="0" algn="l">
+            <a:pPr marL="457200" lvl="0" indent="-342900" algn="l" rtl="0">
               <a:lnSpc>
                 <a:spcPct val="150000"/>
               </a:lnSpc>
@@ -10950,7 +10848,7 @@
             </a:endParaRPr>
           </a:p>
           <a:p>
-            <a:pPr indent="0" lvl="0" marL="0" rtl="0" algn="l">
+            <a:pPr marL="0" lvl="0" indent="0" algn="l" rtl="0">
               <a:lnSpc>
                 <a:spcPct val="150000"/>
               </a:lnSpc>
@@ -10962,9 +10860,6 @@
               </a:spcAft>
               <a:buNone/>
             </a:pPr>
-            <a:r>
-              <a:t/>
-            </a:r>
             <a:endParaRPr>
               <a:solidFill>
                 <a:schemeClr val="dk1"/>
@@ -10972,7 +10867,7 @@
             </a:endParaRPr>
           </a:p>
           <a:p>
-            <a:pPr indent="0" lvl="0" marL="0" rtl="0" algn="l">
+            <a:pPr marL="0" lvl="0" indent="0" algn="l" rtl="0">
               <a:spcBef>
                 <a:spcPts val="1600"/>
               </a:spcBef>
@@ -10981,9 +10876,6 @@
               </a:spcAft>
               <a:buNone/>
             </a:pPr>
-            <a:r>
-              <a:t/>
-            </a:r>
             <a:endParaRPr/>
           </a:p>
         </p:txBody>
@@ -11025,11 +10917,11 @@
 </file>
 
 <file path=ppt/slides/slide6.xml><?xml version="1.0" encoding="utf-8"?>
-<p:sld xmlns:a="http://schemas.openxmlformats.org/drawingml/2006/main" xmlns:r="http://schemas.openxmlformats.org/officeDocument/2006/relationships" xmlns:mc="http://schemas.openxmlformats.org/markup-compatibility/2006" xmlns:mv="urn:schemas-microsoft-com:mac:vml" xmlns:p="http://schemas.openxmlformats.org/presentationml/2006/main" xmlns:c="http://schemas.openxmlformats.org/drawingml/2006/chart" xmlns:dgm="http://schemas.openxmlformats.org/drawingml/2006/diagram" xmlns:o="urn:schemas-microsoft-com:office:office" xmlns:v="urn:schemas-microsoft-com:vml" xmlns:pvml="urn:schemas-microsoft-com:office:powerpoint" xmlns:com="http://schemas.openxmlformats.org/drawingml/2006/compatibility" xmlns:p14="http://schemas.microsoft.com/office/powerpoint/2010/main" xmlns:p15="http://schemas.microsoft.com/office/powerpoint/2012/main" xmlns:ahyp="http://schemas.microsoft.com/office/drawing/2018/hyperlinkcolor">
+<p:sld xmlns:a="http://schemas.openxmlformats.org/drawingml/2006/main" xmlns:r="http://schemas.openxmlformats.org/officeDocument/2006/relationships" xmlns:p="http://schemas.openxmlformats.org/presentationml/2006/main">
   <p:cSld>
     <p:spTree>
       <p:nvGrpSpPr>
-        <p:cNvPr id="87" name="Shape 87"/>
+        <p:cNvPr id="1" name="Shape 87"/>
         <p:cNvGrpSpPr/>
         <p:nvPr/>
       </p:nvGrpSpPr>
@@ -11044,7 +10936,9 @@
       <p:sp>
         <p:nvSpPr>
           <p:cNvPr id="88" name="Google Shape;88;p18"/>
-          <p:cNvSpPr txBox="1"/>
+          <p:cNvSpPr txBox="1">
+            <a:spLocks noGrp="1"/>
+          </p:cNvSpPr>
           <p:nvPr>
             <p:ph type="title"/>
           </p:nvPr>
@@ -11059,12 +10953,12 @@
           </a:prstGeom>
         </p:spPr>
         <p:txBody>
-          <a:bodyPr anchorCtr="0" anchor="t" bIns="91425" lIns="91425" spcFirstLastPara="1" rIns="91425" wrap="square" tIns="91425">
+          <a:bodyPr spcFirstLastPara="1" wrap="square" lIns="91425" tIns="91425" rIns="91425" bIns="91425" anchor="t" anchorCtr="0">
             <a:noAutofit/>
           </a:bodyPr>
           <a:lstStyle/>
           <a:p>
-            <a:pPr indent="0" lvl="0" marL="0" rtl="0" algn="l">
+            <a:pPr marL="0" lvl="0" indent="0" algn="l" rtl="0">
               <a:spcBef>
                 <a:spcPts val="0"/>
               </a:spcBef>
@@ -11084,9 +10978,11 @@
       <p:sp>
         <p:nvSpPr>
           <p:cNvPr id="89" name="Google Shape;89;p18"/>
-          <p:cNvSpPr txBox="1"/>
+          <p:cNvSpPr txBox="1">
+            <a:spLocks noGrp="1"/>
+          </p:cNvSpPr>
           <p:nvPr>
-            <p:ph idx="1" type="body"/>
+            <p:ph type="body" idx="1"/>
           </p:nvPr>
         </p:nvSpPr>
         <p:spPr>
@@ -11099,12 +10995,12 @@
           </a:prstGeom>
         </p:spPr>
         <p:txBody>
-          <a:bodyPr anchorCtr="0" anchor="t" bIns="91425" lIns="91425" spcFirstLastPara="1" rIns="91425" wrap="square" tIns="91425">
+          <a:bodyPr spcFirstLastPara="1" wrap="square" lIns="91425" tIns="91425" rIns="91425" bIns="91425" anchor="t" anchorCtr="0">
             <a:noAutofit/>
           </a:bodyPr>
           <a:lstStyle/>
           <a:p>
-            <a:pPr indent="-342900" lvl="0" marL="457200" rtl="0" algn="l">
+            <a:pPr marL="457200" lvl="0" indent="-342900" algn="l" rtl="0">
               <a:lnSpc>
                 <a:spcPct val="150000"/>
               </a:lnSpc>
@@ -11126,39 +11022,7 @@
                   <a:schemeClr val="dk1"/>
                 </a:solidFill>
               </a:rPr>
-              <a:t>The data fields Closing Price, active </a:t>
-            </a:r>
-            <a:r>
-              <a:rPr lang="en">
-                <a:solidFill>
-                  <a:schemeClr val="dk1"/>
-                </a:solidFill>
-              </a:rPr>
-              <a:t>addresses</a:t>
-            </a:r>
-            <a:r>
-              <a:rPr lang="en">
-                <a:solidFill>
-                  <a:schemeClr val="dk1"/>
-                </a:solidFill>
-              </a:rPr>
-              <a:t>, hash rate, btc left, total </a:t>
-            </a:r>
-            <a:r>
-              <a:rPr lang="en">
-                <a:solidFill>
-                  <a:schemeClr val="dk1"/>
-                </a:solidFill>
-              </a:rPr>
-              <a:t>addresses</a:t>
-            </a:r>
-            <a:r>
-              <a:rPr lang="en">
-                <a:solidFill>
-                  <a:schemeClr val="dk1"/>
-                </a:solidFill>
-              </a:rPr>
-              <a:t>, difficulty, total fees, fed assets were obtained from glassnode. Each is explained in the next slide.</a:t>
+              <a:t>The data fields Closing Price, active addresses, hash rate, btc left, total addresses, difficulty, total fees, fed assets were obtained from glassnode. Each is explained in the next slide.</a:t>
             </a:r>
             <a:endParaRPr>
               <a:solidFill>
@@ -11167,7 +11031,7 @@
             </a:endParaRPr>
           </a:p>
           <a:p>
-            <a:pPr indent="0" lvl="0" marL="0" rtl="0" algn="l">
+            <a:pPr marL="0" lvl="0" indent="0" algn="l" rtl="0">
               <a:lnSpc>
                 <a:spcPct val="150000"/>
               </a:lnSpc>
@@ -11179,9 +11043,6 @@
               </a:spcAft>
               <a:buNone/>
             </a:pPr>
-            <a:r>
-              <a:t/>
-            </a:r>
             <a:endParaRPr>
               <a:solidFill>
                 <a:schemeClr val="dk1"/>
@@ -11189,7 +11050,7 @@
             </a:endParaRPr>
           </a:p>
           <a:p>
-            <a:pPr indent="0" lvl="0" marL="0" rtl="0" algn="l">
+            <a:pPr marL="0" lvl="0" indent="0" algn="l" rtl="0">
               <a:lnSpc>
                 <a:spcPct val="150000"/>
               </a:lnSpc>
@@ -11201,9 +11062,6 @@
               </a:spcAft>
               <a:buNone/>
             </a:pPr>
-            <a:r>
-              <a:t/>
-            </a:r>
             <a:endParaRPr>
               <a:solidFill>
                 <a:schemeClr val="dk1"/>
@@ -11211,7 +11069,7 @@
             </a:endParaRPr>
           </a:p>
           <a:p>
-            <a:pPr indent="0" lvl="0" marL="0" rtl="0" algn="l">
+            <a:pPr marL="0" lvl="0" indent="0" algn="l" rtl="0">
               <a:spcBef>
                 <a:spcPts val="1600"/>
               </a:spcBef>
@@ -11220,9 +11078,6 @@
               </a:spcAft>
               <a:buNone/>
             </a:pPr>
-            <a:r>
-              <a:t/>
-            </a:r>
             <a:endParaRPr/>
           </a:p>
         </p:txBody>
@@ -11264,11 +11119,11 @@
 </file>
 
 <file path=ppt/slides/slide7.xml><?xml version="1.0" encoding="utf-8"?>
-<p:sld xmlns:a="http://schemas.openxmlformats.org/drawingml/2006/main" xmlns:r="http://schemas.openxmlformats.org/officeDocument/2006/relationships" xmlns:mc="http://schemas.openxmlformats.org/markup-compatibility/2006" xmlns:mv="urn:schemas-microsoft-com:mac:vml" xmlns:p="http://schemas.openxmlformats.org/presentationml/2006/main" xmlns:c="http://schemas.openxmlformats.org/drawingml/2006/chart" xmlns:dgm="http://schemas.openxmlformats.org/drawingml/2006/diagram" xmlns:o="urn:schemas-microsoft-com:office:office" xmlns:v="urn:schemas-microsoft-com:vml" xmlns:pvml="urn:schemas-microsoft-com:office:powerpoint" xmlns:com="http://schemas.openxmlformats.org/drawingml/2006/compatibility" xmlns:p14="http://schemas.microsoft.com/office/powerpoint/2010/main" xmlns:p15="http://schemas.microsoft.com/office/powerpoint/2012/main" xmlns:ahyp="http://schemas.microsoft.com/office/drawing/2018/hyperlinkcolor">
+<p:sld xmlns:a="http://schemas.openxmlformats.org/drawingml/2006/main" xmlns:r="http://schemas.openxmlformats.org/officeDocument/2006/relationships" xmlns:p="http://schemas.openxmlformats.org/presentationml/2006/main">
   <p:cSld>
     <p:spTree>
       <p:nvGrpSpPr>
-        <p:cNvPr id="94" name="Shape 94"/>
+        <p:cNvPr id="1" name="Shape 94"/>
         <p:cNvGrpSpPr/>
         <p:nvPr/>
       </p:nvGrpSpPr>
@@ -11283,7 +11138,9 @@
       <p:sp>
         <p:nvSpPr>
           <p:cNvPr id="95" name="Google Shape;95;p19"/>
-          <p:cNvSpPr txBox="1"/>
+          <p:cNvSpPr txBox="1">
+            <a:spLocks noGrp="1"/>
+          </p:cNvSpPr>
           <p:nvPr>
             <p:ph type="title"/>
           </p:nvPr>
@@ -11298,12 +11155,12 @@
           </a:prstGeom>
         </p:spPr>
         <p:txBody>
-          <a:bodyPr anchorCtr="0" anchor="t" bIns="91425" lIns="91425" spcFirstLastPara="1" rIns="91425" wrap="square" tIns="91425">
+          <a:bodyPr spcFirstLastPara="1" wrap="square" lIns="91425" tIns="91425" rIns="91425" bIns="91425" anchor="t" anchorCtr="0">
             <a:noAutofit/>
           </a:bodyPr>
           <a:lstStyle/>
           <a:p>
-            <a:pPr indent="0" lvl="0" marL="0" rtl="0" algn="l">
+            <a:pPr marL="0" lvl="0" indent="0" algn="l" rtl="0">
               <a:spcBef>
                 <a:spcPts val="0"/>
               </a:spcBef>
@@ -11324,7 +11181,7 @@
             <a:endParaRPr/>
           </a:p>
           <a:p>
-            <a:pPr indent="0" lvl="0" marL="0" rtl="0" algn="l">
+            <a:pPr marL="0" lvl="0" indent="0" algn="l" rtl="0">
               <a:spcBef>
                 <a:spcPts val="0"/>
               </a:spcBef>
@@ -11333,9 +11190,6 @@
               </a:spcAft>
               <a:buNone/>
             </a:pPr>
-            <a:r>
-              <a:t/>
-            </a:r>
             <a:endParaRPr/>
           </a:p>
         </p:txBody>
@@ -11343,9 +11197,11 @@
       <p:sp>
         <p:nvSpPr>
           <p:cNvPr id="96" name="Google Shape;96;p19"/>
-          <p:cNvSpPr txBox="1"/>
+          <p:cNvSpPr txBox="1">
+            <a:spLocks noGrp="1"/>
+          </p:cNvSpPr>
           <p:nvPr>
-            <p:ph idx="1" type="body"/>
+            <p:ph type="body" idx="1"/>
           </p:nvPr>
         </p:nvSpPr>
         <p:spPr>
@@ -11358,12 +11214,12 @@
           </a:prstGeom>
         </p:spPr>
         <p:txBody>
-          <a:bodyPr anchorCtr="0" anchor="t" bIns="91425" lIns="91425" spcFirstLastPara="1" rIns="91425" wrap="square" tIns="91425">
+          <a:bodyPr spcFirstLastPara="1" wrap="square" lIns="91425" tIns="91425" rIns="91425" bIns="91425" anchor="t" anchorCtr="0">
             <a:noAutofit/>
           </a:bodyPr>
           <a:lstStyle/>
           <a:p>
-            <a:pPr indent="-342900" lvl="0" marL="457200" rtl="0" algn="l">
+            <a:pPr marL="457200" lvl="0" indent="-342900" algn="l" rtl="0">
               <a:lnSpc>
                 <a:spcPct val="150000"/>
               </a:lnSpc>
@@ -11402,7 +11258,7 @@
             </a:endParaRPr>
           </a:p>
           <a:p>
-            <a:pPr indent="-342900" lvl="0" marL="457200" rtl="0" algn="l">
+            <a:pPr marL="457200" lvl="0" indent="-342900" algn="l" rtl="0">
               <a:lnSpc>
                 <a:spcPct val="150000"/>
               </a:lnSpc>
@@ -11441,7 +11297,7 @@
             </a:endParaRPr>
           </a:p>
           <a:p>
-            <a:pPr indent="-342900" lvl="0" marL="457200" rtl="0" algn="l">
+            <a:pPr marL="457200" lvl="0" indent="-342900" algn="l" rtl="0">
               <a:lnSpc>
                 <a:spcPct val="150000"/>
               </a:lnSpc>
@@ -11480,7 +11336,7 @@
             </a:endParaRPr>
           </a:p>
           <a:p>
-            <a:pPr indent="-342900" lvl="0" marL="457200" rtl="0" algn="l">
+            <a:pPr marL="457200" lvl="0" indent="-342900" algn="l" rtl="0">
               <a:lnSpc>
                 <a:spcPct val="150000"/>
               </a:lnSpc>
@@ -11519,7 +11375,7 @@
             </a:endParaRPr>
           </a:p>
           <a:p>
-            <a:pPr indent="-342900" lvl="0" marL="457200" rtl="0" algn="l">
+            <a:pPr marL="457200" lvl="0" indent="-342900" algn="l" rtl="0">
               <a:lnSpc>
                 <a:spcPct val="150000"/>
               </a:lnSpc>
@@ -11558,7 +11414,7 @@
             </a:endParaRPr>
           </a:p>
           <a:p>
-            <a:pPr indent="-342900" lvl="0" marL="457200" rtl="0" algn="l">
+            <a:pPr marL="457200" lvl="0" indent="-342900" algn="l" rtl="0">
               <a:lnSpc>
                 <a:spcPct val="150000"/>
               </a:lnSpc>
@@ -11597,7 +11453,7 @@
             </a:endParaRPr>
           </a:p>
           <a:p>
-            <a:pPr indent="-342900" lvl="0" marL="457200" rtl="0" algn="l">
+            <a:pPr marL="457200" lvl="0" indent="-342900" algn="l" rtl="0">
               <a:lnSpc>
                 <a:spcPct val="150000"/>
               </a:lnSpc>
@@ -11646,11 +11502,11 @@
 </file>
 
 <file path=ppt/slides/slide8.xml><?xml version="1.0" encoding="utf-8"?>
-<p:sld xmlns:a="http://schemas.openxmlformats.org/drawingml/2006/main" xmlns:r="http://schemas.openxmlformats.org/officeDocument/2006/relationships" xmlns:mc="http://schemas.openxmlformats.org/markup-compatibility/2006" xmlns:mv="urn:schemas-microsoft-com:mac:vml" xmlns:p="http://schemas.openxmlformats.org/presentationml/2006/main" xmlns:c="http://schemas.openxmlformats.org/drawingml/2006/chart" xmlns:dgm="http://schemas.openxmlformats.org/drawingml/2006/diagram" xmlns:o="urn:schemas-microsoft-com:office:office" xmlns:v="urn:schemas-microsoft-com:vml" xmlns:pvml="urn:schemas-microsoft-com:office:powerpoint" xmlns:com="http://schemas.openxmlformats.org/drawingml/2006/compatibility" xmlns:p14="http://schemas.microsoft.com/office/powerpoint/2010/main" xmlns:p15="http://schemas.microsoft.com/office/powerpoint/2012/main" xmlns:ahyp="http://schemas.microsoft.com/office/drawing/2018/hyperlinkcolor">
+<p:sld xmlns:a="http://schemas.openxmlformats.org/drawingml/2006/main" xmlns:r="http://schemas.openxmlformats.org/officeDocument/2006/relationships" xmlns:p="http://schemas.openxmlformats.org/presentationml/2006/main">
   <p:cSld>
     <p:spTree>
       <p:nvGrpSpPr>
-        <p:cNvPr id="100" name="Shape 100"/>
+        <p:cNvPr id="1" name="Shape 100"/>
         <p:cNvGrpSpPr/>
         <p:nvPr/>
       </p:nvGrpSpPr>
@@ -11665,7 +11521,9 @@
       <p:sp>
         <p:nvSpPr>
           <p:cNvPr id="101" name="Google Shape;101;p20"/>
-          <p:cNvSpPr txBox="1"/>
+          <p:cNvSpPr txBox="1">
+            <a:spLocks noGrp="1"/>
+          </p:cNvSpPr>
           <p:nvPr>
             <p:ph type="title"/>
           </p:nvPr>
@@ -11680,12 +11538,12 @@
           </a:prstGeom>
         </p:spPr>
         <p:txBody>
-          <a:bodyPr anchorCtr="0" anchor="t" bIns="91425" lIns="91425" spcFirstLastPara="1" rIns="91425" wrap="square" tIns="91425">
+          <a:bodyPr spcFirstLastPara="1" wrap="square" lIns="91425" tIns="91425" rIns="91425" bIns="91425" anchor="t" anchorCtr="0">
             <a:noAutofit/>
           </a:bodyPr>
           <a:lstStyle/>
           <a:p>
-            <a:pPr indent="0" lvl="0" marL="0" rtl="0" algn="l">
+            <a:pPr marL="0" lvl="0" indent="0" algn="l" rtl="0">
               <a:spcBef>
                 <a:spcPts val="0"/>
               </a:spcBef>
@@ -11705,9 +11563,11 @@
       <p:sp>
         <p:nvSpPr>
           <p:cNvPr id="102" name="Google Shape;102;p20"/>
-          <p:cNvSpPr txBox="1"/>
+          <p:cNvSpPr txBox="1">
+            <a:spLocks noGrp="1"/>
+          </p:cNvSpPr>
           <p:nvPr>
-            <p:ph idx="1" type="body"/>
+            <p:ph type="body" idx="1"/>
           </p:nvPr>
         </p:nvSpPr>
         <p:spPr>
@@ -11720,12 +11580,12 @@
           </a:prstGeom>
         </p:spPr>
         <p:txBody>
-          <a:bodyPr anchorCtr="0" anchor="t" bIns="91425" lIns="91425" spcFirstLastPara="1" rIns="91425" wrap="square" tIns="91425">
+          <a:bodyPr spcFirstLastPara="1" wrap="square" lIns="91425" tIns="91425" rIns="91425" bIns="91425" anchor="t" anchorCtr="0">
             <a:noAutofit/>
           </a:bodyPr>
           <a:lstStyle/>
           <a:p>
-            <a:pPr indent="-342900" lvl="0" marL="457200" rtl="0" algn="l">
+            <a:pPr marL="457200" lvl="0" indent="-342900" algn="l" rtl="0">
               <a:lnSpc>
                 <a:spcPct val="150000"/>
               </a:lnSpc>
@@ -11747,23 +11607,7 @@
                   <a:schemeClr val="dk1"/>
                 </a:solidFill>
               </a:rPr>
-              <a:t>The ETFs GLD, IYE, SPY, TLT, UUP were obtained from WRDS. Each is explained in </a:t>
-            </a:r>
-            <a:r>
-              <a:rPr lang="en">
-                <a:solidFill>
-                  <a:schemeClr val="dk1"/>
-                </a:solidFill>
-              </a:rPr>
-              <a:t>greater</a:t>
-            </a:r>
-            <a:r>
-              <a:rPr lang="en">
-                <a:solidFill>
-                  <a:schemeClr val="dk1"/>
-                </a:solidFill>
-              </a:rPr>
-              <a:t> detail in the next slide.</a:t>
+              <a:t>The ETFs GLD, IYE, SPY, TLT, UUP were obtained from WRDS. Each is explained in greater detail in the next slide.</a:t>
             </a:r>
             <a:endParaRPr>
               <a:solidFill>
@@ -11810,11 +11654,11 @@
 </file>
 
 <file path=ppt/slides/slide9.xml><?xml version="1.0" encoding="utf-8"?>
-<p:sld xmlns:a="http://schemas.openxmlformats.org/drawingml/2006/main" xmlns:r="http://schemas.openxmlformats.org/officeDocument/2006/relationships" xmlns:mc="http://schemas.openxmlformats.org/markup-compatibility/2006" xmlns:mv="urn:schemas-microsoft-com:mac:vml" xmlns:p="http://schemas.openxmlformats.org/presentationml/2006/main" xmlns:c="http://schemas.openxmlformats.org/drawingml/2006/chart" xmlns:dgm="http://schemas.openxmlformats.org/drawingml/2006/diagram" xmlns:o="urn:schemas-microsoft-com:office:office" xmlns:v="urn:schemas-microsoft-com:vml" xmlns:pvml="urn:schemas-microsoft-com:office:powerpoint" xmlns:com="http://schemas.openxmlformats.org/drawingml/2006/compatibility" xmlns:p14="http://schemas.microsoft.com/office/powerpoint/2010/main" xmlns:p15="http://schemas.microsoft.com/office/powerpoint/2012/main" xmlns:ahyp="http://schemas.microsoft.com/office/drawing/2018/hyperlinkcolor">
+<p:sld xmlns:a="http://schemas.openxmlformats.org/drawingml/2006/main" xmlns:r="http://schemas.openxmlformats.org/officeDocument/2006/relationships" xmlns:p="http://schemas.openxmlformats.org/presentationml/2006/main">
   <p:cSld>
     <p:spTree>
       <p:nvGrpSpPr>
-        <p:cNvPr id="107" name="Shape 107"/>
+        <p:cNvPr id="1" name="Shape 107"/>
         <p:cNvGrpSpPr/>
         <p:nvPr/>
       </p:nvGrpSpPr>
@@ -11829,7 +11673,9 @@
       <p:sp>
         <p:nvSpPr>
           <p:cNvPr id="108" name="Google Shape;108;p21"/>
-          <p:cNvSpPr txBox="1"/>
+          <p:cNvSpPr txBox="1">
+            <a:spLocks noGrp="1"/>
+          </p:cNvSpPr>
           <p:nvPr>
             <p:ph type="title"/>
           </p:nvPr>
@@ -11844,12 +11690,12 @@
           </a:prstGeom>
         </p:spPr>
         <p:txBody>
-          <a:bodyPr anchorCtr="0" anchor="t" bIns="91425" lIns="91425" spcFirstLastPara="1" rIns="91425" wrap="square" tIns="91425">
+          <a:bodyPr spcFirstLastPara="1" wrap="square" lIns="91425" tIns="91425" rIns="91425" bIns="91425" anchor="t" anchorCtr="0">
             <a:noAutofit/>
           </a:bodyPr>
           <a:lstStyle/>
           <a:p>
-            <a:pPr indent="0" lvl="0" marL="0" rtl="0" algn="l">
+            <a:pPr marL="0" lvl="0" indent="0" algn="l" rtl="0">
               <a:spcBef>
                 <a:spcPts val="0"/>
               </a:spcBef>
@@ -11869,9 +11715,11 @@
       <p:sp>
         <p:nvSpPr>
           <p:cNvPr id="109" name="Google Shape;109;p21"/>
-          <p:cNvSpPr txBox="1"/>
+          <p:cNvSpPr txBox="1">
+            <a:spLocks noGrp="1"/>
+          </p:cNvSpPr>
           <p:nvPr>
-            <p:ph idx="1" type="body"/>
+            <p:ph type="body" idx="1"/>
           </p:nvPr>
         </p:nvSpPr>
         <p:spPr>
@@ -11884,12 +11732,12 @@
           </a:prstGeom>
         </p:spPr>
         <p:txBody>
-          <a:bodyPr anchorCtr="0" anchor="t" bIns="91425" lIns="91425" spcFirstLastPara="1" rIns="91425" wrap="square" tIns="91425">
+          <a:bodyPr spcFirstLastPara="1" wrap="square" lIns="91425" tIns="91425" rIns="91425" bIns="91425" anchor="t" anchorCtr="0">
             <a:noAutofit/>
           </a:bodyPr>
           <a:lstStyle/>
           <a:p>
-            <a:pPr indent="-342900" lvl="0" marL="457200" rtl="0" algn="l">
+            <a:pPr marL="457200" lvl="0" indent="-342900" algn="l" rtl="0">
               <a:lnSpc>
                 <a:spcPct val="150000"/>
               </a:lnSpc>
@@ -11928,7 +11776,7 @@
             </a:endParaRPr>
           </a:p>
           <a:p>
-            <a:pPr indent="-342900" lvl="0" marL="457200" rtl="0" algn="l">
+            <a:pPr marL="457200" lvl="0" indent="-342900" algn="l" rtl="0">
               <a:lnSpc>
                 <a:spcPct val="150000"/>
               </a:lnSpc>
@@ -11967,7 +11815,7 @@
             </a:endParaRPr>
           </a:p>
           <a:p>
-            <a:pPr indent="-342900" lvl="0" marL="457200" rtl="0" algn="l">
+            <a:pPr marL="457200" lvl="0" indent="-342900" algn="l" rtl="0">
               <a:lnSpc>
                 <a:spcPct val="150000"/>
               </a:lnSpc>
@@ -12006,7 +11854,7 @@
             </a:endParaRPr>
           </a:p>
           <a:p>
-            <a:pPr indent="-342900" lvl="0" marL="457200" rtl="0" algn="l">
+            <a:pPr marL="457200" lvl="0" indent="-342900" algn="l" rtl="0">
               <a:lnSpc>
                 <a:spcPct val="150000"/>
               </a:lnSpc>
@@ -12045,7 +11893,7 @@
             </a:endParaRPr>
           </a:p>
           <a:p>
-            <a:pPr indent="-342900" lvl="0" marL="457200" rtl="0" algn="l">
+            <a:pPr marL="457200" lvl="0" indent="-342900" algn="l" rtl="0">
               <a:lnSpc>
                 <a:spcPct val="150000"/>
               </a:lnSpc>
@@ -12090,7 +11938,288 @@
 </file>
 
 <file path=ppt/theme/theme1.xml><?xml version="1.0" encoding="utf-8"?>
-<a:theme xmlns:a="http://schemas.openxmlformats.org/drawingml/2006/main" xmlns:r="http://schemas.openxmlformats.org/officeDocument/2006/relationships">
+<a:theme xmlns:a="http://schemas.openxmlformats.org/drawingml/2006/main" name="Simple Light">
+  <a:themeElements>
+    <a:clrScheme name="Simple Light">
+      <a:dk1>
+        <a:srgbClr val="000000"/>
+      </a:dk1>
+      <a:lt1>
+        <a:srgbClr val="FFFFFF"/>
+      </a:lt1>
+      <a:dk2>
+        <a:srgbClr val="595959"/>
+      </a:dk2>
+      <a:lt2>
+        <a:srgbClr val="EEEEEE"/>
+      </a:lt2>
+      <a:accent1>
+        <a:srgbClr val="FFAB40"/>
+      </a:accent1>
+      <a:accent2>
+        <a:srgbClr val="212121"/>
+      </a:accent2>
+      <a:accent3>
+        <a:srgbClr val="78909C"/>
+      </a:accent3>
+      <a:accent4>
+        <a:srgbClr val="FFAB40"/>
+      </a:accent4>
+      <a:accent5>
+        <a:srgbClr val="0097A7"/>
+      </a:accent5>
+      <a:accent6>
+        <a:srgbClr val="EEFF41"/>
+      </a:accent6>
+      <a:hlink>
+        <a:srgbClr val="0097A7"/>
+      </a:hlink>
+      <a:folHlink>
+        <a:srgbClr val="0097A7"/>
+      </a:folHlink>
+    </a:clrScheme>
+    <a:fontScheme name="Office">
+      <a:majorFont>
+        <a:latin typeface="Arial"/>
+        <a:ea typeface=""/>
+        <a:cs typeface=""/>
+        <a:font script="Jpan" typeface="ＭＳ Ｐゴシック"/>
+        <a:font script="Hang" typeface="맑은 고딕"/>
+        <a:font script="Hans" typeface="宋体"/>
+        <a:font script="Hant" typeface="新細明體"/>
+        <a:font script="Arab" typeface="Times New Roman"/>
+        <a:font script="Hebr" typeface="Times New Roman"/>
+        <a:font script="Thai" typeface="Angsana New"/>
+        <a:font script="Ethi" typeface="Nyala"/>
+        <a:font script="Beng" typeface="Vrinda"/>
+        <a:font script="Gujr" typeface="Shruti"/>
+        <a:font script="Khmr" typeface="MoolBoran"/>
+        <a:font script="Knda" typeface="Tunga"/>
+        <a:font script="Guru" typeface="Raavi"/>
+        <a:font script="Cans" typeface="Euphemia"/>
+        <a:font script="Cher" typeface="Plantagenet Cherokee"/>
+        <a:font script="Yiii" typeface="Microsoft Yi Baiti"/>
+        <a:font script="Tibt" typeface="Microsoft Himalaya"/>
+        <a:font script="Thaa" typeface="MV Boli"/>
+        <a:font script="Deva" typeface="Mangal"/>
+        <a:font script="Telu" typeface="Gautami"/>
+        <a:font script="Taml" typeface="Latha"/>
+        <a:font script="Syrc" typeface="Estrangelo Edessa"/>
+        <a:font script="Orya" typeface="Kalinga"/>
+        <a:font script="Mlym" typeface="Kartika"/>
+        <a:font script="Laoo" typeface="DokChampa"/>
+        <a:font script="Sinh" typeface="Iskoola Pota"/>
+        <a:font script="Mong" typeface="Mongolian Baiti"/>
+        <a:font script="Viet" typeface="Times New Roman"/>
+        <a:font script="Uigh" typeface="Microsoft Uighur"/>
+        <a:font script="Geor" typeface="Sylfaen"/>
+      </a:majorFont>
+      <a:minorFont>
+        <a:latin typeface="Arial"/>
+        <a:ea typeface=""/>
+        <a:cs typeface=""/>
+        <a:font script="Jpan" typeface="ＭＳ Ｐゴシック"/>
+        <a:font script="Hang" typeface="맑은 고딕"/>
+        <a:font script="Hans" typeface="宋体"/>
+        <a:font script="Hant" typeface="新細明體"/>
+        <a:font script="Arab" typeface="Arial"/>
+        <a:font script="Hebr" typeface="Arial"/>
+        <a:font script="Thai" typeface="Cordia New"/>
+        <a:font script="Ethi" typeface="Nyala"/>
+        <a:font script="Beng" typeface="Vrinda"/>
+        <a:font script="Gujr" typeface="Shruti"/>
+        <a:font script="Khmr" typeface="DaunPenh"/>
+        <a:font script="Knda" typeface="Tunga"/>
+        <a:font script="Guru" typeface="Raavi"/>
+        <a:font script="Cans" typeface="Euphemia"/>
+        <a:font script="Cher" typeface="Plantagenet Cherokee"/>
+        <a:font script="Yiii" typeface="Microsoft Yi Baiti"/>
+        <a:font script="Tibt" typeface="Microsoft Himalaya"/>
+        <a:font script="Thaa" typeface="MV Boli"/>
+        <a:font script="Deva" typeface="Mangal"/>
+        <a:font script="Telu" typeface="Gautami"/>
+        <a:font script="Taml" typeface="Latha"/>
+        <a:font script="Syrc" typeface="Estrangelo Edessa"/>
+        <a:font script="Orya" typeface="Kalinga"/>
+        <a:font script="Mlym" typeface="Kartika"/>
+        <a:font script="Laoo" typeface="DokChampa"/>
+        <a:font script="Sinh" typeface="Iskoola Pota"/>
+        <a:font script="Mong" typeface="Mongolian Baiti"/>
+        <a:font script="Viet" typeface="Arial"/>
+        <a:font script="Uigh" typeface="Microsoft Uighur"/>
+        <a:font script="Geor" typeface="Sylfaen"/>
+      </a:minorFont>
+    </a:fontScheme>
+    <a:fmtScheme name="Office">
+      <a:fillStyleLst>
+        <a:solidFill>
+          <a:schemeClr val="phClr"/>
+        </a:solidFill>
+        <a:gradFill rotWithShape="1">
+          <a:gsLst>
+            <a:gs pos="0">
+              <a:schemeClr val="phClr">
+                <a:tint val="50000"/>
+                <a:satMod val="300000"/>
+              </a:schemeClr>
+            </a:gs>
+            <a:gs pos="35000">
+              <a:schemeClr val="phClr">
+                <a:tint val="37000"/>
+                <a:satMod val="300000"/>
+              </a:schemeClr>
+            </a:gs>
+            <a:gs pos="100000">
+              <a:schemeClr val="phClr">
+                <a:tint val="15000"/>
+                <a:satMod val="350000"/>
+              </a:schemeClr>
+            </a:gs>
+          </a:gsLst>
+          <a:lin ang="16200000" scaled="1"/>
+        </a:gradFill>
+        <a:gradFill rotWithShape="1">
+          <a:gsLst>
+            <a:gs pos="0">
+              <a:schemeClr val="phClr">
+                <a:tint val="100000"/>
+                <a:shade val="100000"/>
+                <a:satMod val="130000"/>
+              </a:schemeClr>
+            </a:gs>
+            <a:gs pos="100000">
+              <a:schemeClr val="phClr">
+                <a:tint val="50000"/>
+                <a:shade val="100000"/>
+                <a:satMod val="350000"/>
+              </a:schemeClr>
+            </a:gs>
+          </a:gsLst>
+          <a:lin ang="16200000" scaled="0"/>
+        </a:gradFill>
+      </a:fillStyleLst>
+      <a:lnStyleLst>
+        <a:ln w="9525" cap="flat" cmpd="sng" algn="ctr">
+          <a:solidFill>
+            <a:schemeClr val="phClr">
+              <a:shade val="95000"/>
+              <a:satMod val="105000"/>
+            </a:schemeClr>
+          </a:solidFill>
+          <a:prstDash val="solid"/>
+        </a:ln>
+        <a:ln w="25400" cap="flat" cmpd="sng" algn="ctr">
+          <a:solidFill>
+            <a:schemeClr val="phClr"/>
+          </a:solidFill>
+          <a:prstDash val="solid"/>
+        </a:ln>
+        <a:ln w="38100" cap="flat" cmpd="sng" algn="ctr">
+          <a:solidFill>
+            <a:schemeClr val="phClr"/>
+          </a:solidFill>
+          <a:prstDash val="solid"/>
+        </a:ln>
+      </a:lnStyleLst>
+      <a:effectStyleLst>
+        <a:effectStyle>
+          <a:effectLst>
+            <a:outerShdw blurRad="40000" dist="20000" dir="5400000" rotWithShape="0">
+              <a:srgbClr val="000000">
+                <a:alpha val="38000"/>
+              </a:srgbClr>
+            </a:outerShdw>
+          </a:effectLst>
+        </a:effectStyle>
+        <a:effectStyle>
+          <a:effectLst>
+            <a:outerShdw blurRad="40000" dist="23000" dir="5400000" rotWithShape="0">
+              <a:srgbClr val="000000">
+                <a:alpha val="35000"/>
+              </a:srgbClr>
+            </a:outerShdw>
+          </a:effectLst>
+        </a:effectStyle>
+        <a:effectStyle>
+          <a:effectLst>
+            <a:outerShdw blurRad="40000" dist="23000" dir="5400000" rotWithShape="0">
+              <a:srgbClr val="000000">
+                <a:alpha val="35000"/>
+              </a:srgbClr>
+            </a:outerShdw>
+          </a:effectLst>
+          <a:scene3d>
+            <a:camera prst="orthographicFront">
+              <a:rot lat="0" lon="0" rev="0"/>
+            </a:camera>
+            <a:lightRig rig="threePt" dir="t">
+              <a:rot lat="0" lon="0" rev="1200000"/>
+            </a:lightRig>
+          </a:scene3d>
+          <a:sp3d>
+            <a:bevelT w="63500" h="25400"/>
+          </a:sp3d>
+        </a:effectStyle>
+      </a:effectStyleLst>
+      <a:bgFillStyleLst>
+        <a:solidFill>
+          <a:schemeClr val="phClr"/>
+        </a:solidFill>
+        <a:gradFill rotWithShape="1">
+          <a:gsLst>
+            <a:gs pos="0">
+              <a:schemeClr val="phClr">
+                <a:tint val="40000"/>
+                <a:satMod val="350000"/>
+              </a:schemeClr>
+            </a:gs>
+            <a:gs pos="40000">
+              <a:schemeClr val="phClr">
+                <a:tint val="45000"/>
+                <a:shade val="99000"/>
+                <a:satMod val="350000"/>
+              </a:schemeClr>
+            </a:gs>
+            <a:gs pos="100000">
+              <a:schemeClr val="phClr">
+                <a:shade val="20000"/>
+                <a:satMod val="255000"/>
+              </a:schemeClr>
+            </a:gs>
+          </a:gsLst>
+          <a:path path="circle">
+            <a:fillToRect l="50000" t="-80000" r="50000" b="180000"/>
+          </a:path>
+        </a:gradFill>
+        <a:gradFill rotWithShape="1">
+          <a:gsLst>
+            <a:gs pos="0">
+              <a:schemeClr val="phClr">
+                <a:tint val="80000"/>
+                <a:satMod val="300000"/>
+              </a:schemeClr>
+            </a:gs>
+            <a:gs pos="100000">
+              <a:schemeClr val="phClr">
+                <a:shade val="30000"/>
+                <a:satMod val="200000"/>
+              </a:schemeClr>
+            </a:gs>
+          </a:gsLst>
+          <a:path path="circle">
+            <a:fillToRect l="50000" t="50000" r="50000" b="50000"/>
+          </a:path>
+        </a:gradFill>
+      </a:bgFillStyleLst>
+    </a:fmtScheme>
+  </a:themeElements>
+  <a:objectDefaults/>
+  <a:extraClrSchemeLst/>
+</a:theme>
+</file>
+
+<file path=ppt/theme/theme2.xml><?xml version="1.0" encoding="utf-8"?>
+<a:theme xmlns:a="http://schemas.openxmlformats.org/drawingml/2006/main">
   <a:themeElements>
     <a:clrScheme name="Default">
       <a:dk1>
@@ -12365,284 +12494,7 @@
       </a:bgFillStyleLst>
     </a:fmtScheme>
   </a:themeElements>
-</a:theme>
-</file>
-
-<file path=ppt/theme/theme2.xml><?xml version="1.0" encoding="utf-8"?>
-<a:theme xmlns:a="http://schemas.openxmlformats.org/drawingml/2006/main" xmlns:r="http://schemas.openxmlformats.org/officeDocument/2006/relationships" name="Simple Light">
-  <a:themeElements>
-    <a:clrScheme name="Simple Light">
-      <a:dk1>
-        <a:srgbClr val="000000"/>
-      </a:dk1>
-      <a:lt1>
-        <a:srgbClr val="FFFFFF"/>
-      </a:lt1>
-      <a:dk2>
-        <a:srgbClr val="595959"/>
-      </a:dk2>
-      <a:lt2>
-        <a:srgbClr val="EEEEEE"/>
-      </a:lt2>
-      <a:accent1>
-        <a:srgbClr val="FFAB40"/>
-      </a:accent1>
-      <a:accent2>
-        <a:srgbClr val="212121"/>
-      </a:accent2>
-      <a:accent3>
-        <a:srgbClr val="78909C"/>
-      </a:accent3>
-      <a:accent4>
-        <a:srgbClr val="FFAB40"/>
-      </a:accent4>
-      <a:accent5>
-        <a:srgbClr val="0097A7"/>
-      </a:accent5>
-      <a:accent6>
-        <a:srgbClr val="EEFF41"/>
-      </a:accent6>
-      <a:hlink>
-        <a:srgbClr val="0097A7"/>
-      </a:hlink>
-      <a:folHlink>
-        <a:srgbClr val="0097A7"/>
-      </a:folHlink>
-    </a:clrScheme>
-    <a:fontScheme name="Office">
-      <a:majorFont>
-        <a:latin typeface="Arial"/>
-        <a:ea typeface=""/>
-        <a:cs typeface=""/>
-        <a:font script="Jpan" typeface="ＭＳ Ｐゴシック"/>
-        <a:font script="Hang" typeface="맑은 고딕"/>
-        <a:font script="Hans" typeface="宋体"/>
-        <a:font script="Hant" typeface="新細明體"/>
-        <a:font script="Arab" typeface="Times New Roman"/>
-        <a:font script="Hebr" typeface="Times New Roman"/>
-        <a:font script="Thai" typeface="Angsana New"/>
-        <a:font script="Ethi" typeface="Nyala"/>
-        <a:font script="Beng" typeface="Vrinda"/>
-        <a:font script="Gujr" typeface="Shruti"/>
-        <a:font script="Khmr" typeface="MoolBoran"/>
-        <a:font script="Knda" typeface="Tunga"/>
-        <a:font script="Guru" typeface="Raavi"/>
-        <a:font script="Cans" typeface="Euphemia"/>
-        <a:font script="Cher" typeface="Plantagenet Cherokee"/>
-        <a:font script="Yiii" typeface="Microsoft Yi Baiti"/>
-        <a:font script="Tibt" typeface="Microsoft Himalaya"/>
-        <a:font script="Thaa" typeface="MV Boli"/>
-        <a:font script="Deva" typeface="Mangal"/>
-        <a:font script="Telu" typeface="Gautami"/>
-        <a:font script="Taml" typeface="Latha"/>
-        <a:font script="Syrc" typeface="Estrangelo Edessa"/>
-        <a:font script="Orya" typeface="Kalinga"/>
-        <a:font script="Mlym" typeface="Kartika"/>
-        <a:font script="Laoo" typeface="DokChampa"/>
-        <a:font script="Sinh" typeface="Iskoola Pota"/>
-        <a:font script="Mong" typeface="Mongolian Baiti"/>
-        <a:font script="Viet" typeface="Times New Roman"/>
-        <a:font script="Uigh" typeface="Microsoft Uighur"/>
-        <a:font script="Geor" typeface="Sylfaen"/>
-      </a:majorFont>
-      <a:minorFont>
-        <a:latin typeface="Arial"/>
-        <a:ea typeface=""/>
-        <a:cs typeface=""/>
-        <a:font script="Jpan" typeface="ＭＳ Ｐゴシック"/>
-        <a:font script="Hang" typeface="맑은 고딕"/>
-        <a:font script="Hans" typeface="宋体"/>
-        <a:font script="Hant" typeface="新細明體"/>
-        <a:font script="Arab" typeface="Arial"/>
-        <a:font script="Hebr" typeface="Arial"/>
-        <a:font script="Thai" typeface="Cordia New"/>
-        <a:font script="Ethi" typeface="Nyala"/>
-        <a:font script="Beng" typeface="Vrinda"/>
-        <a:font script="Gujr" typeface="Shruti"/>
-        <a:font script="Khmr" typeface="DaunPenh"/>
-        <a:font script="Knda" typeface="Tunga"/>
-        <a:font script="Guru" typeface="Raavi"/>
-        <a:font script="Cans" typeface="Euphemia"/>
-        <a:font script="Cher" typeface="Plantagenet Cherokee"/>
-        <a:font script="Yiii" typeface="Microsoft Yi Baiti"/>
-        <a:font script="Tibt" typeface="Microsoft Himalaya"/>
-        <a:font script="Thaa" typeface="MV Boli"/>
-        <a:font script="Deva" typeface="Mangal"/>
-        <a:font script="Telu" typeface="Gautami"/>
-        <a:font script="Taml" typeface="Latha"/>
-        <a:font script="Syrc" typeface="Estrangelo Edessa"/>
-        <a:font script="Orya" typeface="Kalinga"/>
-        <a:font script="Mlym" typeface="Kartika"/>
-        <a:font script="Laoo" typeface="DokChampa"/>
-        <a:font script="Sinh" typeface="Iskoola Pota"/>
-        <a:font script="Mong" typeface="Mongolian Baiti"/>
-        <a:font script="Viet" typeface="Arial"/>
-        <a:font script="Uigh" typeface="Microsoft Uighur"/>
-        <a:font script="Geor" typeface="Sylfaen"/>
-      </a:minorFont>
-    </a:fontScheme>
-    <a:fmtScheme name="Office">
-      <a:fillStyleLst>
-        <a:solidFill>
-          <a:schemeClr val="phClr"/>
-        </a:solidFill>
-        <a:gradFill rotWithShape="1">
-          <a:gsLst>
-            <a:gs pos="0">
-              <a:schemeClr val="phClr">
-                <a:tint val="50000"/>
-                <a:satMod val="300000"/>
-              </a:schemeClr>
-            </a:gs>
-            <a:gs pos="35000">
-              <a:schemeClr val="phClr">
-                <a:tint val="37000"/>
-                <a:satMod val="300000"/>
-              </a:schemeClr>
-            </a:gs>
-            <a:gs pos="100000">
-              <a:schemeClr val="phClr">
-                <a:tint val="15000"/>
-                <a:satMod val="350000"/>
-              </a:schemeClr>
-            </a:gs>
-          </a:gsLst>
-          <a:lin ang="16200000" scaled="1"/>
-        </a:gradFill>
-        <a:gradFill rotWithShape="1">
-          <a:gsLst>
-            <a:gs pos="0">
-              <a:schemeClr val="phClr">
-                <a:tint val="100000"/>
-                <a:shade val="100000"/>
-                <a:satMod val="130000"/>
-              </a:schemeClr>
-            </a:gs>
-            <a:gs pos="100000">
-              <a:schemeClr val="phClr">
-                <a:tint val="50000"/>
-                <a:shade val="100000"/>
-                <a:satMod val="350000"/>
-              </a:schemeClr>
-            </a:gs>
-          </a:gsLst>
-          <a:lin ang="16200000" scaled="0"/>
-        </a:gradFill>
-      </a:fillStyleLst>
-      <a:lnStyleLst>
-        <a:ln w="9525" cap="flat" cmpd="sng" algn="ctr">
-          <a:solidFill>
-            <a:schemeClr val="phClr">
-              <a:shade val="95000"/>
-              <a:satMod val="105000"/>
-            </a:schemeClr>
-          </a:solidFill>
-          <a:prstDash val="solid"/>
-        </a:ln>
-        <a:ln w="25400" cap="flat" cmpd="sng" algn="ctr">
-          <a:solidFill>
-            <a:schemeClr val="phClr"/>
-          </a:solidFill>
-          <a:prstDash val="solid"/>
-        </a:ln>
-        <a:ln w="38100" cap="flat" cmpd="sng" algn="ctr">
-          <a:solidFill>
-            <a:schemeClr val="phClr"/>
-          </a:solidFill>
-          <a:prstDash val="solid"/>
-        </a:ln>
-      </a:lnStyleLst>
-      <a:effectStyleLst>
-        <a:effectStyle>
-          <a:effectLst>
-            <a:outerShdw blurRad="40000" dist="20000" dir="5400000" rotWithShape="0">
-              <a:srgbClr val="000000">
-                <a:alpha val="38000"/>
-              </a:srgbClr>
-            </a:outerShdw>
-          </a:effectLst>
-        </a:effectStyle>
-        <a:effectStyle>
-          <a:effectLst>
-            <a:outerShdw blurRad="40000" dist="23000" dir="5400000" rotWithShape="0">
-              <a:srgbClr val="000000">
-                <a:alpha val="35000"/>
-              </a:srgbClr>
-            </a:outerShdw>
-          </a:effectLst>
-        </a:effectStyle>
-        <a:effectStyle>
-          <a:effectLst>
-            <a:outerShdw blurRad="40000" dist="23000" dir="5400000" rotWithShape="0">
-              <a:srgbClr val="000000">
-                <a:alpha val="35000"/>
-              </a:srgbClr>
-            </a:outerShdw>
-          </a:effectLst>
-          <a:scene3d>
-            <a:camera prst="orthographicFront">
-              <a:rot lat="0" lon="0" rev="0"/>
-            </a:camera>
-            <a:lightRig rig="threePt" dir="t">
-              <a:rot lat="0" lon="0" rev="1200000"/>
-            </a:lightRig>
-          </a:scene3d>
-          <a:sp3d>
-            <a:bevelT w="63500" h="25400"/>
-          </a:sp3d>
-        </a:effectStyle>
-      </a:effectStyleLst>
-      <a:bgFillStyleLst>
-        <a:solidFill>
-          <a:schemeClr val="phClr"/>
-        </a:solidFill>
-        <a:gradFill rotWithShape="1">
-          <a:gsLst>
-            <a:gs pos="0">
-              <a:schemeClr val="phClr">
-                <a:tint val="40000"/>
-                <a:satMod val="350000"/>
-              </a:schemeClr>
-            </a:gs>
-            <a:gs pos="40000">
-              <a:schemeClr val="phClr">
-                <a:tint val="45000"/>
-                <a:shade val="99000"/>
-                <a:satMod val="350000"/>
-              </a:schemeClr>
-            </a:gs>
-            <a:gs pos="100000">
-              <a:schemeClr val="phClr">
-                <a:shade val="20000"/>
-                <a:satMod val="255000"/>
-              </a:schemeClr>
-            </a:gs>
-          </a:gsLst>
-          <a:path path="circle">
-            <a:fillToRect l="50000" t="-80000" r="50000" b="180000"/>
-          </a:path>
-        </a:gradFill>
-        <a:gradFill rotWithShape="1">
-          <a:gsLst>
-            <a:gs pos="0">
-              <a:schemeClr val="phClr">
-                <a:tint val="80000"/>
-                <a:satMod val="300000"/>
-              </a:schemeClr>
-            </a:gs>
-            <a:gs pos="100000">
-              <a:schemeClr val="phClr">
-                <a:shade val="30000"/>
-                <a:satMod val="200000"/>
-              </a:schemeClr>
-            </a:gs>
-          </a:gsLst>
-          <a:path path="circle">
-            <a:fillToRect l="50000" t="50000" r="50000" b="50000"/>
-          </a:path>
-        </a:gradFill>
-      </a:bgFillStyleLst>
-    </a:fmtScheme>
-  </a:themeElements>
+  <a:objectDefaults/>
+  <a:extraClrSchemeLst/>
 </a:theme>
 </file>